--- a/Documentation/PDRFinal.pptx
+++ b/Documentation/PDRFinal.pptx
@@ -30316,8 +30316,13 @@
           <a:p>
             <a:r>
               <a:rPr lang="en-US" dirty="0"/>
-              <a:t>The item tracker’s total cost for development is $232.10</a:t>
-            </a:r>
+              <a:t>The item tracker’s total cost for development is </a:t>
+            </a:r>
+            <a:r>
+              <a:rPr lang="en-US"/>
+              <a:t>$243.60</a:t>
+            </a:r>
+            <a:endParaRPr lang="en-US" dirty="0"/>
           </a:p>
           <a:p>
             <a:r>

--- a/Documentation/PDRFinal.pptx
+++ b/Documentation/PDRFinal.pptx
@@ -2407,7 +2407,7 @@
           <a:noFill/>
           <a:extLst>
             <a:ext uri="{909E8E84-426E-40dd-AFC4-6F175D3DCCD1}">
-              <a14:hiddenFill xmlns="" xmlns:a14="http://schemas.microsoft.com/office/drawing/2010/main">
+              <a14:hiddenFill xmlns:a14="http://schemas.microsoft.com/office/drawing/2010/main" xmlns="">
                 <a:solidFill>
                   <a:srgbClr val="FFFFFF"/>
                 </a:solidFill>
@@ -2467,7 +2467,7 @@
             </a:ln>
             <a:extLst>
               <a:ext uri="{91240B29-F687-4f45-9708-019B960494DF}">
-                <a14:hiddenLine xmlns="" xmlns:a14="http://schemas.microsoft.com/office/drawing/2010/main" w="9525">
+                <a14:hiddenLine xmlns:a14="http://schemas.microsoft.com/office/drawing/2010/main" xmlns="" w="9525">
                   <a:solidFill>
                     <a:srgbClr val="000000"/>
                   </a:solidFill>
@@ -2557,7 +2557,7 @@
             </a:ln>
             <a:extLst>
               <a:ext uri="{91240B29-F687-4f45-9708-019B960494DF}">
-                <a14:hiddenLine xmlns="" xmlns:a14="http://schemas.microsoft.com/office/drawing/2010/main" w="9525">
+                <a14:hiddenLine xmlns:a14="http://schemas.microsoft.com/office/drawing/2010/main" xmlns="" w="9525">
                   <a:solidFill>
                     <a:srgbClr val="000000"/>
                   </a:solidFill>
@@ -2647,7 +2647,7 @@
             </a:ln>
             <a:extLst>
               <a:ext uri="{91240B29-F687-4f45-9708-019B960494DF}">
-                <a14:hiddenLine xmlns="" xmlns:a14="http://schemas.microsoft.com/office/drawing/2010/main" w="9525">
+                <a14:hiddenLine xmlns:a14="http://schemas.microsoft.com/office/drawing/2010/main" xmlns="" w="9525">
                   <a:solidFill>
                     <a:srgbClr val="000000"/>
                   </a:solidFill>
@@ -2681,7 +2681,7 @@
             </a:ln>
             <a:extLst>
               <a:ext uri="{91240B29-F687-4f45-9708-019B960494DF}">
-                <a14:hiddenLine xmlns="" xmlns:a14="http://schemas.microsoft.com/office/drawing/2010/main" w="9525">
+                <a14:hiddenLine xmlns:a14="http://schemas.microsoft.com/office/drawing/2010/main" xmlns="" w="9525">
                   <a:solidFill>
                     <a:srgbClr val="000000"/>
                   </a:solidFill>
@@ -2771,7 +2771,7 @@
             </a:ln>
             <a:extLst>
               <a:ext uri="{91240B29-F687-4f45-9708-019B960494DF}">
-                <a14:hiddenLine xmlns="" xmlns:a14="http://schemas.microsoft.com/office/drawing/2010/main" w="9525">
+                <a14:hiddenLine xmlns:a14="http://schemas.microsoft.com/office/drawing/2010/main" xmlns="" w="9525">
                   <a:solidFill>
                     <a:srgbClr val="000000"/>
                   </a:solidFill>
@@ -2833,7 +2833,7 @@
             </a:ln>
             <a:extLst>
               <a:ext uri="{91240B29-F687-4f45-9708-019B960494DF}">
-                <a14:hiddenLine xmlns="" xmlns:a14="http://schemas.microsoft.com/office/drawing/2010/main" w="9525">
+                <a14:hiddenLine xmlns:a14="http://schemas.microsoft.com/office/drawing/2010/main" xmlns="" w="9525">
                   <a:solidFill>
                     <a:srgbClr val="000000"/>
                   </a:solidFill>
@@ -2895,7 +2895,7 @@
             </a:ln>
             <a:extLst>
               <a:ext uri="{91240B29-F687-4f45-9708-019B960494DF}">
-                <a14:hiddenLine xmlns="" xmlns:a14="http://schemas.microsoft.com/office/drawing/2010/main" w="9525">
+                <a14:hiddenLine xmlns:a14="http://schemas.microsoft.com/office/drawing/2010/main" xmlns="" w="9525">
                   <a:solidFill>
                     <a:srgbClr val="000000"/>
                   </a:solidFill>
@@ -2985,7 +2985,7 @@
             </a:ln>
             <a:extLst>
               <a:ext uri="{91240B29-F687-4f45-9708-019B960494DF}">
-                <a14:hiddenLine xmlns="" xmlns:a14="http://schemas.microsoft.com/office/drawing/2010/main" w="9525">
+                <a14:hiddenLine xmlns:a14="http://schemas.microsoft.com/office/drawing/2010/main" xmlns="" w="9525">
                   <a:solidFill>
                     <a:srgbClr val="000000"/>
                   </a:solidFill>
@@ -3047,7 +3047,7 @@
             </a:ln>
             <a:extLst>
               <a:ext uri="{91240B29-F687-4f45-9708-019B960494DF}">
-                <a14:hiddenLine xmlns="" xmlns:a14="http://schemas.microsoft.com/office/drawing/2010/main" w="9525">
+                <a14:hiddenLine xmlns:a14="http://schemas.microsoft.com/office/drawing/2010/main" xmlns="" w="9525">
                   <a:solidFill>
                     <a:srgbClr val="000000"/>
                   </a:solidFill>
@@ -3109,7 +3109,7 @@
             </a:ln>
             <a:extLst>
               <a:ext uri="{91240B29-F687-4f45-9708-019B960494DF}">
-                <a14:hiddenLine xmlns="" xmlns:a14="http://schemas.microsoft.com/office/drawing/2010/main" w="9525">
+                <a14:hiddenLine xmlns:a14="http://schemas.microsoft.com/office/drawing/2010/main" xmlns="" w="9525">
                   <a:solidFill>
                     <a:srgbClr val="000000"/>
                   </a:solidFill>
@@ -3199,7 +3199,7 @@
             </a:ln>
             <a:extLst>
               <a:ext uri="{91240B29-F687-4f45-9708-019B960494DF}">
-                <a14:hiddenLine xmlns="" xmlns:a14="http://schemas.microsoft.com/office/drawing/2010/main" w="9525">
+                <a14:hiddenLine xmlns:a14="http://schemas.microsoft.com/office/drawing/2010/main" xmlns="" w="9525">
                   <a:solidFill>
                     <a:srgbClr val="000000"/>
                   </a:solidFill>
@@ -3289,7 +3289,7 @@
             </a:ln>
             <a:extLst>
               <a:ext uri="{91240B29-F687-4f45-9708-019B960494DF}">
-                <a14:hiddenLine xmlns="" xmlns:a14="http://schemas.microsoft.com/office/drawing/2010/main" w="9525">
+                <a14:hiddenLine xmlns:a14="http://schemas.microsoft.com/office/drawing/2010/main" xmlns="" w="9525">
                   <a:solidFill>
                     <a:srgbClr val="000000"/>
                   </a:solidFill>
@@ -3351,7 +3351,7 @@
             </a:ln>
             <a:extLst>
               <a:ext uri="{91240B29-F687-4f45-9708-019B960494DF}">
-                <a14:hiddenLine xmlns="" xmlns:a14="http://schemas.microsoft.com/office/drawing/2010/main" w="9525">
+                <a14:hiddenLine xmlns:a14="http://schemas.microsoft.com/office/drawing/2010/main" xmlns="" w="9525">
                   <a:solidFill>
                     <a:srgbClr val="000000"/>
                   </a:solidFill>
@@ -3461,7 +3461,7 @@
             </a:ln>
             <a:extLst>
               <a:ext uri="{91240B29-F687-4f45-9708-019B960494DF}">
-                <a14:hiddenLine xmlns="" xmlns:a14="http://schemas.microsoft.com/office/drawing/2010/main" w="9525">
+                <a14:hiddenLine xmlns:a14="http://schemas.microsoft.com/office/drawing/2010/main" xmlns="" w="9525">
                   <a:solidFill>
                     <a:srgbClr val="000000"/>
                   </a:solidFill>
@@ -3523,7 +3523,7 @@
             </a:ln>
             <a:extLst>
               <a:ext uri="{91240B29-F687-4f45-9708-019B960494DF}">
-                <a14:hiddenLine xmlns="" xmlns:a14="http://schemas.microsoft.com/office/drawing/2010/main" w="9525">
+                <a14:hiddenLine xmlns:a14="http://schemas.microsoft.com/office/drawing/2010/main" xmlns="" w="9525">
                   <a:solidFill>
                     <a:srgbClr val="000000"/>
                   </a:solidFill>
@@ -3613,7 +3613,7 @@
             </a:ln>
             <a:extLst>
               <a:ext uri="{91240B29-F687-4f45-9708-019B960494DF}">
-                <a14:hiddenLine xmlns="" xmlns:a14="http://schemas.microsoft.com/office/drawing/2010/main" w="9525">
+                <a14:hiddenLine xmlns:a14="http://schemas.microsoft.com/office/drawing/2010/main" xmlns="" w="9525">
                   <a:solidFill>
                     <a:srgbClr val="000000"/>
                   </a:solidFill>
@@ -3703,7 +3703,7 @@
             </a:ln>
             <a:extLst>
               <a:ext uri="{91240B29-F687-4f45-9708-019B960494DF}">
-                <a14:hiddenLine xmlns="" xmlns:a14="http://schemas.microsoft.com/office/drawing/2010/main" w="9525">
+                <a14:hiddenLine xmlns:a14="http://schemas.microsoft.com/office/drawing/2010/main" xmlns="" w="9525">
                   <a:solidFill>
                     <a:srgbClr val="000000"/>
                   </a:solidFill>
@@ -3765,7 +3765,7 @@
             </a:ln>
             <a:extLst>
               <a:ext uri="{91240B29-F687-4f45-9708-019B960494DF}">
-                <a14:hiddenLine xmlns="" xmlns:a14="http://schemas.microsoft.com/office/drawing/2010/main" w="9525">
+                <a14:hiddenLine xmlns:a14="http://schemas.microsoft.com/office/drawing/2010/main" xmlns="" w="9525">
                   <a:solidFill>
                     <a:srgbClr val="000000"/>
                   </a:solidFill>
@@ -3855,7 +3855,7 @@
             </a:ln>
             <a:extLst>
               <a:ext uri="{91240B29-F687-4f45-9708-019B960494DF}">
-                <a14:hiddenLine xmlns="" xmlns:a14="http://schemas.microsoft.com/office/drawing/2010/main" w="9525">
+                <a14:hiddenLine xmlns:a14="http://schemas.microsoft.com/office/drawing/2010/main" xmlns="" w="9525">
                   <a:solidFill>
                     <a:srgbClr val="000000"/>
                   </a:solidFill>
@@ -3945,7 +3945,7 @@
             </a:ln>
             <a:extLst>
               <a:ext uri="{91240B29-F687-4f45-9708-019B960494DF}">
-                <a14:hiddenLine xmlns="" xmlns:a14="http://schemas.microsoft.com/office/drawing/2010/main" w="9525">
+                <a14:hiddenLine xmlns:a14="http://schemas.microsoft.com/office/drawing/2010/main" xmlns="" w="9525">
                   <a:solidFill>
                     <a:srgbClr val="000000"/>
                   </a:solidFill>
@@ -4001,7 +4001,7 @@
             </a:ln>
             <a:extLst>
               <a:ext uri="{91240B29-F687-4f45-9708-019B960494DF}">
-                <a14:hiddenLine xmlns="" xmlns:a14="http://schemas.microsoft.com/office/drawing/2010/main" w="9525">
+                <a14:hiddenLine xmlns:a14="http://schemas.microsoft.com/office/drawing/2010/main" xmlns="" w="9525">
                   <a:solidFill>
                     <a:srgbClr val="000000"/>
                   </a:solidFill>
@@ -4091,7 +4091,7 @@
             </a:ln>
             <a:extLst>
               <a:ext uri="{91240B29-F687-4f45-9708-019B960494DF}">
-                <a14:hiddenLine xmlns="" xmlns:a14="http://schemas.microsoft.com/office/drawing/2010/main" w="9525">
+                <a14:hiddenLine xmlns:a14="http://schemas.microsoft.com/office/drawing/2010/main" xmlns="" w="9525">
                   <a:solidFill>
                     <a:srgbClr val="000000"/>
                   </a:solidFill>
@@ -4147,7 +4147,7 @@
             </a:ln>
             <a:extLst>
               <a:ext uri="{91240B29-F687-4f45-9708-019B960494DF}">
-                <a14:hiddenLine xmlns="" xmlns:a14="http://schemas.microsoft.com/office/drawing/2010/main" w="9525">
+                <a14:hiddenLine xmlns:a14="http://schemas.microsoft.com/office/drawing/2010/main" xmlns="" w="9525">
                   <a:solidFill>
                     <a:srgbClr val="000000"/>
                   </a:solidFill>
@@ -4237,7 +4237,7 @@
             </a:ln>
             <a:extLst>
               <a:ext uri="{91240B29-F687-4f45-9708-019B960494DF}">
-                <a14:hiddenLine xmlns="" xmlns:a14="http://schemas.microsoft.com/office/drawing/2010/main" w="9525">
+                <a14:hiddenLine xmlns:a14="http://schemas.microsoft.com/office/drawing/2010/main" xmlns="" w="9525">
                   <a:solidFill>
                     <a:srgbClr val="000000"/>
                   </a:solidFill>
@@ -4305,7 +4305,7 @@
             </a:ln>
             <a:extLst>
               <a:ext uri="{91240B29-F687-4f45-9708-019B960494DF}">
-                <a14:hiddenLine xmlns="" xmlns:a14="http://schemas.microsoft.com/office/drawing/2010/main" w="9525">
+                <a14:hiddenLine xmlns:a14="http://schemas.microsoft.com/office/drawing/2010/main" xmlns="" w="9525">
                   <a:solidFill>
                     <a:srgbClr val="000000"/>
                   </a:solidFill>
@@ -4395,7 +4395,7 @@
             </a:ln>
             <a:extLst>
               <a:ext uri="{91240B29-F687-4f45-9708-019B960494DF}">
-                <a14:hiddenLine xmlns="" xmlns:a14="http://schemas.microsoft.com/office/drawing/2010/main" w="9525">
+                <a14:hiddenLine xmlns:a14="http://schemas.microsoft.com/office/drawing/2010/main" xmlns="" w="9525">
                   <a:solidFill>
                     <a:srgbClr val="000000"/>
                   </a:solidFill>
@@ -4463,7 +4463,7 @@
             </a:ln>
             <a:extLst>
               <a:ext uri="{91240B29-F687-4f45-9708-019B960494DF}">
-                <a14:hiddenLine xmlns="" xmlns:a14="http://schemas.microsoft.com/office/drawing/2010/main" w="9525">
+                <a14:hiddenLine xmlns:a14="http://schemas.microsoft.com/office/drawing/2010/main" xmlns="" w="9525">
                   <a:solidFill>
                     <a:srgbClr val="000000"/>
                   </a:solidFill>
@@ -4553,7 +4553,7 @@
             </a:ln>
             <a:extLst>
               <a:ext uri="{91240B29-F687-4f45-9708-019B960494DF}">
-                <a14:hiddenLine xmlns="" xmlns:a14="http://schemas.microsoft.com/office/drawing/2010/main" w="9525">
+                <a14:hiddenLine xmlns:a14="http://schemas.microsoft.com/office/drawing/2010/main" xmlns="" w="9525">
                   <a:solidFill>
                     <a:srgbClr val="000000"/>
                   </a:solidFill>
@@ -4587,7 +4587,7 @@
             </a:ln>
             <a:extLst>
               <a:ext uri="{91240B29-F687-4f45-9708-019B960494DF}">
-                <a14:hiddenLine xmlns="" xmlns:a14="http://schemas.microsoft.com/office/drawing/2010/main" w="9525">
+                <a14:hiddenLine xmlns:a14="http://schemas.microsoft.com/office/drawing/2010/main" xmlns="" w="9525">
                   <a:solidFill>
                     <a:srgbClr val="000000"/>
                   </a:solidFill>
@@ -4677,7 +4677,7 @@
             </a:ln>
             <a:extLst>
               <a:ext uri="{91240B29-F687-4f45-9708-019B960494DF}">
-                <a14:hiddenLine xmlns="" xmlns:a14="http://schemas.microsoft.com/office/drawing/2010/main" w="9525">
+                <a14:hiddenLine xmlns:a14="http://schemas.microsoft.com/office/drawing/2010/main" xmlns="" w="9525">
                   <a:solidFill>
                     <a:srgbClr val="000000"/>
                   </a:solidFill>
@@ -4739,7 +4739,7 @@
             </a:ln>
             <a:extLst>
               <a:ext uri="{91240B29-F687-4f45-9708-019B960494DF}">
-                <a14:hiddenLine xmlns="" xmlns:a14="http://schemas.microsoft.com/office/drawing/2010/main" w="9525">
+                <a14:hiddenLine xmlns:a14="http://schemas.microsoft.com/office/drawing/2010/main" xmlns="" w="9525">
                   <a:solidFill>
                     <a:srgbClr val="000000"/>
                   </a:solidFill>
@@ -4801,7 +4801,7 @@
             </a:ln>
             <a:extLst>
               <a:ext uri="{91240B29-F687-4f45-9708-019B960494DF}">
-                <a14:hiddenLine xmlns="" xmlns:a14="http://schemas.microsoft.com/office/drawing/2010/main" w="9525">
+                <a14:hiddenLine xmlns:a14="http://schemas.microsoft.com/office/drawing/2010/main" xmlns="" w="9525">
                   <a:solidFill>
                     <a:srgbClr val="000000"/>
                   </a:solidFill>
@@ -4891,7 +4891,7 @@
             </a:ln>
             <a:extLst>
               <a:ext uri="{91240B29-F687-4f45-9708-019B960494DF}">
-                <a14:hiddenLine xmlns="" xmlns:a14="http://schemas.microsoft.com/office/drawing/2010/main" w="9525">
+                <a14:hiddenLine xmlns:a14="http://schemas.microsoft.com/office/drawing/2010/main" xmlns="" w="9525">
                   <a:solidFill>
                     <a:srgbClr val="000000"/>
                   </a:solidFill>
@@ -4959,7 +4959,7 @@
             </a:ln>
             <a:extLst>
               <a:ext uri="{91240B29-F687-4f45-9708-019B960494DF}">
-                <a14:hiddenLine xmlns="" xmlns:a14="http://schemas.microsoft.com/office/drawing/2010/main" w="9525">
+                <a14:hiddenLine xmlns:a14="http://schemas.microsoft.com/office/drawing/2010/main" xmlns="" w="9525">
                   <a:solidFill>
                     <a:srgbClr val="000000"/>
                   </a:solidFill>
@@ -5021,7 +5021,7 @@
             </a:ln>
             <a:extLst>
               <a:ext uri="{91240B29-F687-4f45-9708-019B960494DF}">
-                <a14:hiddenLine xmlns="" xmlns:a14="http://schemas.microsoft.com/office/drawing/2010/main" w="9525">
+                <a14:hiddenLine xmlns:a14="http://schemas.microsoft.com/office/drawing/2010/main" xmlns="" w="9525">
                   <a:solidFill>
                     <a:srgbClr val="000000"/>
                   </a:solidFill>
@@ -5111,7 +5111,7 @@
             </a:ln>
             <a:extLst>
               <a:ext uri="{91240B29-F687-4f45-9708-019B960494DF}">
-                <a14:hiddenLine xmlns="" xmlns:a14="http://schemas.microsoft.com/office/drawing/2010/main" w="9525">
+                <a14:hiddenLine xmlns:a14="http://schemas.microsoft.com/office/drawing/2010/main" xmlns="" w="9525">
                   <a:solidFill>
                     <a:srgbClr val="000000"/>
                   </a:solidFill>
@@ -5173,7 +5173,7 @@
             </a:ln>
             <a:extLst>
               <a:ext uri="{91240B29-F687-4f45-9708-019B960494DF}">
-                <a14:hiddenLine xmlns="" xmlns:a14="http://schemas.microsoft.com/office/drawing/2010/main" w="9525">
+                <a14:hiddenLine xmlns:a14="http://schemas.microsoft.com/office/drawing/2010/main" xmlns="" w="9525">
                   <a:solidFill>
                     <a:srgbClr val="000000"/>
                   </a:solidFill>
@@ -5263,7 +5263,7 @@
             </a:ln>
             <a:extLst>
               <a:ext uri="{91240B29-F687-4f45-9708-019B960494DF}">
-                <a14:hiddenLine xmlns="" xmlns:a14="http://schemas.microsoft.com/office/drawing/2010/main" w="9525">
+                <a14:hiddenLine xmlns:a14="http://schemas.microsoft.com/office/drawing/2010/main" xmlns="" w="9525">
                   <a:solidFill>
                     <a:srgbClr val="000000"/>
                   </a:solidFill>
@@ -5325,7 +5325,7 @@
             </a:ln>
             <a:extLst>
               <a:ext uri="{91240B29-F687-4f45-9708-019B960494DF}">
-                <a14:hiddenLine xmlns="" xmlns:a14="http://schemas.microsoft.com/office/drawing/2010/main" w="9525">
+                <a14:hiddenLine xmlns:a14="http://schemas.microsoft.com/office/drawing/2010/main" xmlns="" w="9525">
                   <a:solidFill>
                     <a:srgbClr val="000000"/>
                   </a:solidFill>
@@ -5415,7 +5415,7 @@
             </a:ln>
             <a:extLst>
               <a:ext uri="{91240B29-F687-4f45-9708-019B960494DF}">
-                <a14:hiddenLine xmlns="" xmlns:a14="http://schemas.microsoft.com/office/drawing/2010/main" w="9525">
+                <a14:hiddenLine xmlns:a14="http://schemas.microsoft.com/office/drawing/2010/main" xmlns="" w="9525">
                   <a:solidFill>
                     <a:srgbClr val="000000"/>
                   </a:solidFill>
@@ -5449,7 +5449,7 @@
             </a:ln>
             <a:extLst>
               <a:ext uri="{91240B29-F687-4f45-9708-019B960494DF}">
-                <a14:hiddenLine xmlns="" xmlns:a14="http://schemas.microsoft.com/office/drawing/2010/main" w="9525">
+                <a14:hiddenLine xmlns:a14="http://schemas.microsoft.com/office/drawing/2010/main" xmlns="" w="9525">
                   <a:solidFill>
                     <a:srgbClr val="000000"/>
                   </a:solidFill>
@@ -5514,7 +5514,7 @@
             </a:ln>
             <a:extLst>
               <a:ext uri="{91240B29-F687-4f45-9708-019B960494DF}">
-                <a14:hiddenLine xmlns="" xmlns:a14="http://schemas.microsoft.com/office/drawing/2010/main" w="9525">
+                <a14:hiddenLine xmlns:a14="http://schemas.microsoft.com/office/drawing/2010/main" xmlns="" w="9525">
                   <a:solidFill>
                     <a:srgbClr val="000000"/>
                   </a:solidFill>
@@ -5604,7 +5604,7 @@
             </a:ln>
             <a:extLst>
               <a:ext uri="{91240B29-F687-4f45-9708-019B960494DF}">
-                <a14:hiddenLine xmlns="" xmlns:a14="http://schemas.microsoft.com/office/drawing/2010/main" w="9525">
+                <a14:hiddenLine xmlns:a14="http://schemas.microsoft.com/office/drawing/2010/main" xmlns="" w="9525">
                   <a:solidFill>
                     <a:srgbClr val="000000"/>
                   </a:solidFill>
@@ -5666,7 +5666,7 @@
             </a:ln>
             <a:extLst>
               <a:ext uri="{91240B29-F687-4f45-9708-019B960494DF}">
-                <a14:hiddenLine xmlns="" xmlns:a14="http://schemas.microsoft.com/office/drawing/2010/main" w="9525">
+                <a14:hiddenLine xmlns:a14="http://schemas.microsoft.com/office/drawing/2010/main" xmlns="" w="9525">
                   <a:solidFill>
                     <a:srgbClr val="000000"/>
                   </a:solidFill>
@@ -5756,7 +5756,7 @@
             </a:ln>
             <a:extLst>
               <a:ext uri="{91240B29-F687-4f45-9708-019B960494DF}">
-                <a14:hiddenLine xmlns="" xmlns:a14="http://schemas.microsoft.com/office/drawing/2010/main" w="9525">
+                <a14:hiddenLine xmlns:a14="http://schemas.microsoft.com/office/drawing/2010/main" xmlns="" w="9525">
                   <a:solidFill>
                     <a:srgbClr val="000000"/>
                   </a:solidFill>
@@ -5846,7 +5846,7 @@
             </a:ln>
             <a:extLst>
               <a:ext uri="{91240B29-F687-4f45-9708-019B960494DF}">
-                <a14:hiddenLine xmlns="" xmlns:a14="http://schemas.microsoft.com/office/drawing/2010/main" w="9525">
+                <a14:hiddenLine xmlns:a14="http://schemas.microsoft.com/office/drawing/2010/main" xmlns="" w="9525">
                   <a:solidFill>
                     <a:srgbClr val="000000"/>
                   </a:solidFill>
@@ -5911,7 +5911,7 @@
             </a:ln>
             <a:extLst>
               <a:ext uri="{91240B29-F687-4f45-9708-019B960494DF}">
-                <a14:hiddenLine xmlns="" xmlns:a14="http://schemas.microsoft.com/office/drawing/2010/main" w="9525">
+                <a14:hiddenLine xmlns:a14="http://schemas.microsoft.com/office/drawing/2010/main" xmlns="" w="9525">
                   <a:solidFill>
                     <a:srgbClr val="000000"/>
                   </a:solidFill>
@@ -5973,7 +5973,7 @@
             </a:ln>
             <a:extLst>
               <a:ext uri="{91240B29-F687-4f45-9708-019B960494DF}">
-                <a14:hiddenLine xmlns="" xmlns:a14="http://schemas.microsoft.com/office/drawing/2010/main" w="9525">
+                <a14:hiddenLine xmlns:a14="http://schemas.microsoft.com/office/drawing/2010/main" xmlns="" w="9525">
                   <a:solidFill>
                     <a:srgbClr val="000000"/>
                   </a:solidFill>
@@ -6063,7 +6063,7 @@
             </a:ln>
             <a:extLst>
               <a:ext uri="{91240B29-F687-4f45-9708-019B960494DF}">
-                <a14:hiddenLine xmlns="" xmlns:a14="http://schemas.microsoft.com/office/drawing/2010/main" w="9525">
+                <a14:hiddenLine xmlns:a14="http://schemas.microsoft.com/office/drawing/2010/main" xmlns="" w="9525">
                   <a:solidFill>
                     <a:srgbClr val="000000"/>
                   </a:solidFill>
@@ -6153,7 +6153,7 @@
             </a:ln>
             <a:extLst>
               <a:ext uri="{91240B29-F687-4f45-9708-019B960494DF}">
-                <a14:hiddenLine xmlns="" xmlns:a14="http://schemas.microsoft.com/office/drawing/2010/main" w="9525">
+                <a14:hiddenLine xmlns:a14="http://schemas.microsoft.com/office/drawing/2010/main" xmlns="" w="9525">
                   <a:solidFill>
                     <a:srgbClr val="000000"/>
                   </a:solidFill>
@@ -6215,7 +6215,7 @@
             </a:ln>
             <a:extLst>
               <a:ext uri="{91240B29-F687-4f45-9708-019B960494DF}">
-                <a14:hiddenLine xmlns="" xmlns:a14="http://schemas.microsoft.com/office/drawing/2010/main" w="9525">
+                <a14:hiddenLine xmlns:a14="http://schemas.microsoft.com/office/drawing/2010/main" xmlns="" w="9525">
                   <a:solidFill>
                     <a:srgbClr val="000000"/>
                   </a:solidFill>
@@ -6335,7 +6335,7 @@
             </a:ln>
             <a:extLst>
               <a:ext uri="{91240B29-F687-4f45-9708-019B960494DF}">
-                <a14:hiddenLine xmlns="" xmlns:a14="http://schemas.microsoft.com/office/drawing/2010/main" w="9525">
+                <a14:hiddenLine xmlns:a14="http://schemas.microsoft.com/office/drawing/2010/main" xmlns="" w="9525">
                   <a:solidFill>
                     <a:srgbClr val="000000"/>
                   </a:solidFill>
@@ -6403,7 +6403,7 @@
             </a:ln>
             <a:extLst>
               <a:ext uri="{91240B29-F687-4f45-9708-019B960494DF}">
-                <a14:hiddenLine xmlns="" xmlns:a14="http://schemas.microsoft.com/office/drawing/2010/main" w="9525">
+                <a14:hiddenLine xmlns:a14="http://schemas.microsoft.com/office/drawing/2010/main" xmlns="" w="9525">
                   <a:solidFill>
                     <a:srgbClr val="000000"/>
                   </a:solidFill>
@@ -6493,7 +6493,7 @@
             </a:ln>
             <a:extLst>
               <a:ext uri="{91240B29-F687-4f45-9708-019B960494DF}">
-                <a14:hiddenLine xmlns="" xmlns:a14="http://schemas.microsoft.com/office/drawing/2010/main" w="9525">
+                <a14:hiddenLine xmlns:a14="http://schemas.microsoft.com/office/drawing/2010/main" xmlns="" w="9525">
                   <a:solidFill>
                     <a:srgbClr val="000000"/>
                   </a:solidFill>
@@ -11210,7 +11210,7 @@
           <a:noFill/>
           <a:extLst>
             <a:ext uri="{909E8E84-426E-40dd-AFC4-6F175D3DCCD1}">
-              <a14:hiddenFill xmlns="" xmlns:a14="http://schemas.microsoft.com/office/drawing/2010/main">
+              <a14:hiddenFill xmlns:a14="http://schemas.microsoft.com/office/drawing/2010/main" xmlns="">
                 <a:solidFill>
                   <a:srgbClr val="FFFFFF"/>
                 </a:solidFill>
@@ -11284,7 +11284,7 @@
               </a:ln>
               <a:extLst>
                 <a:ext uri="{91240B29-F687-4f45-9708-019B960494DF}">
-                  <a14:hiddenLine xmlns="" xmlns:a14="http://schemas.microsoft.com/office/drawing/2010/main" w="9525">
+                  <a14:hiddenLine xmlns:a14="http://schemas.microsoft.com/office/drawing/2010/main" xmlns="" w="9525">
                     <a:solidFill>
                       <a:srgbClr val="000000"/>
                     </a:solidFill>
@@ -11374,7 +11374,7 @@
               </a:ln>
               <a:extLst>
                 <a:ext uri="{91240B29-F687-4f45-9708-019B960494DF}">
-                  <a14:hiddenLine xmlns="" xmlns:a14="http://schemas.microsoft.com/office/drawing/2010/main" w="9525">
+                  <a14:hiddenLine xmlns:a14="http://schemas.microsoft.com/office/drawing/2010/main" xmlns="" w="9525">
                     <a:solidFill>
                       <a:srgbClr val="000000"/>
                     </a:solidFill>
@@ -11464,7 +11464,7 @@
               </a:ln>
               <a:extLst>
                 <a:ext uri="{91240B29-F687-4f45-9708-019B960494DF}">
-                  <a14:hiddenLine xmlns="" xmlns:a14="http://schemas.microsoft.com/office/drawing/2010/main" w="9525">
+                  <a14:hiddenLine xmlns:a14="http://schemas.microsoft.com/office/drawing/2010/main" xmlns="" w="9525">
                     <a:solidFill>
                       <a:srgbClr val="000000"/>
                     </a:solidFill>
@@ -11526,7 +11526,7 @@
               </a:ln>
               <a:extLst>
                 <a:ext uri="{91240B29-F687-4f45-9708-019B960494DF}">
-                  <a14:hiddenLine xmlns="" xmlns:a14="http://schemas.microsoft.com/office/drawing/2010/main" w="9525">
+                  <a14:hiddenLine xmlns:a14="http://schemas.microsoft.com/office/drawing/2010/main" xmlns="" w="9525">
                     <a:solidFill>
                       <a:srgbClr val="000000"/>
                     </a:solidFill>
@@ -11616,7 +11616,7 @@
               </a:ln>
               <a:extLst>
                 <a:ext uri="{91240B29-F687-4f45-9708-019B960494DF}">
-                  <a14:hiddenLine xmlns="" xmlns:a14="http://schemas.microsoft.com/office/drawing/2010/main" w="9525">
+                  <a14:hiddenLine xmlns:a14="http://schemas.microsoft.com/office/drawing/2010/main" xmlns="" w="9525">
                     <a:solidFill>
                       <a:srgbClr val="000000"/>
                     </a:solidFill>
@@ -11678,7 +11678,7 @@
               </a:ln>
               <a:extLst>
                 <a:ext uri="{91240B29-F687-4f45-9708-019B960494DF}">
-                  <a14:hiddenLine xmlns="" xmlns:a14="http://schemas.microsoft.com/office/drawing/2010/main" w="9525">
+                  <a14:hiddenLine xmlns:a14="http://schemas.microsoft.com/office/drawing/2010/main" xmlns="" w="9525">
                     <a:solidFill>
                       <a:srgbClr val="000000"/>
                     </a:solidFill>
@@ -11740,7 +11740,7 @@
               </a:ln>
               <a:extLst>
                 <a:ext uri="{91240B29-F687-4f45-9708-019B960494DF}">
-                  <a14:hiddenLine xmlns="" xmlns:a14="http://schemas.microsoft.com/office/drawing/2010/main" w="9525">
+                  <a14:hiddenLine xmlns:a14="http://schemas.microsoft.com/office/drawing/2010/main" xmlns="" w="9525">
                     <a:solidFill>
                       <a:srgbClr val="000000"/>
                     </a:solidFill>
@@ -11830,7 +11830,7 @@
               </a:ln>
               <a:extLst>
                 <a:ext uri="{91240B29-F687-4f45-9708-019B960494DF}">
-                  <a14:hiddenLine xmlns="" xmlns:a14="http://schemas.microsoft.com/office/drawing/2010/main" w="9525">
+                  <a14:hiddenLine xmlns:a14="http://schemas.microsoft.com/office/drawing/2010/main" xmlns="" w="9525">
                     <a:solidFill>
                       <a:srgbClr val="000000"/>
                     </a:solidFill>
@@ -11920,7 +11920,7 @@
               </a:ln>
               <a:extLst>
                 <a:ext uri="{91240B29-F687-4f45-9708-019B960494DF}">
-                  <a14:hiddenLine xmlns="" xmlns:a14="http://schemas.microsoft.com/office/drawing/2010/main" w="9525">
+                  <a14:hiddenLine xmlns:a14="http://schemas.microsoft.com/office/drawing/2010/main" xmlns="" w="9525">
                     <a:solidFill>
                       <a:srgbClr val="000000"/>
                     </a:solidFill>
@@ -11982,7 +11982,7 @@
               </a:ln>
               <a:extLst>
                 <a:ext uri="{91240B29-F687-4f45-9708-019B960494DF}">
-                  <a14:hiddenLine xmlns="" xmlns:a14="http://schemas.microsoft.com/office/drawing/2010/main" w="9525">
+                  <a14:hiddenLine xmlns:a14="http://schemas.microsoft.com/office/drawing/2010/main" xmlns="" w="9525">
                     <a:solidFill>
                       <a:srgbClr val="000000"/>
                     </a:solidFill>
@@ -12092,7 +12092,7 @@
               </a:ln>
               <a:extLst>
                 <a:ext uri="{91240B29-F687-4f45-9708-019B960494DF}">
-                  <a14:hiddenLine xmlns="" xmlns:a14="http://schemas.microsoft.com/office/drawing/2010/main" w="9525">
+                  <a14:hiddenLine xmlns:a14="http://schemas.microsoft.com/office/drawing/2010/main" xmlns="" w="9525">
                     <a:solidFill>
                       <a:srgbClr val="000000"/>
                     </a:solidFill>
@@ -12176,7 +12176,7 @@
               </a:ln>
               <a:extLst>
                 <a:ext uri="{91240B29-F687-4f45-9708-019B960494DF}">
-                  <a14:hiddenLine xmlns="" xmlns:a14="http://schemas.microsoft.com/office/drawing/2010/main" w="9525">
+                  <a14:hiddenLine xmlns:a14="http://schemas.microsoft.com/office/drawing/2010/main" xmlns="" w="9525">
                     <a:solidFill>
                       <a:srgbClr val="000000"/>
                     </a:solidFill>
@@ -12238,7 +12238,7 @@
               </a:ln>
               <a:extLst>
                 <a:ext uri="{91240B29-F687-4f45-9708-019B960494DF}">
-                  <a14:hiddenLine xmlns="" xmlns:a14="http://schemas.microsoft.com/office/drawing/2010/main" w="9525">
+                  <a14:hiddenLine xmlns:a14="http://schemas.microsoft.com/office/drawing/2010/main" xmlns="" w="9525">
                     <a:solidFill>
                       <a:srgbClr val="000000"/>
                     </a:solidFill>
@@ -12300,7 +12300,7 @@
               </a:ln>
               <a:extLst>
                 <a:ext uri="{91240B29-F687-4f45-9708-019B960494DF}">
-                  <a14:hiddenLine xmlns="" xmlns:a14="http://schemas.microsoft.com/office/drawing/2010/main" w="9525">
+                  <a14:hiddenLine xmlns:a14="http://schemas.microsoft.com/office/drawing/2010/main" xmlns="" w="9525">
                     <a:solidFill>
                       <a:srgbClr val="000000"/>
                     </a:solidFill>
@@ -12390,7 +12390,7 @@
               </a:ln>
               <a:extLst>
                 <a:ext uri="{91240B29-F687-4f45-9708-019B960494DF}">
-                  <a14:hiddenLine xmlns="" xmlns:a14="http://schemas.microsoft.com/office/drawing/2010/main" w="9525">
+                  <a14:hiddenLine xmlns:a14="http://schemas.microsoft.com/office/drawing/2010/main" xmlns="" w="9525">
                     <a:solidFill>
                       <a:srgbClr val="000000"/>
                     </a:solidFill>
@@ -12424,7 +12424,7 @@
               </a:ln>
               <a:extLst>
                 <a:ext uri="{91240B29-F687-4f45-9708-019B960494DF}">
-                  <a14:hiddenLine xmlns="" xmlns:a14="http://schemas.microsoft.com/office/drawing/2010/main" w="9525">
+                  <a14:hiddenLine xmlns:a14="http://schemas.microsoft.com/office/drawing/2010/main" xmlns="" w="9525">
                     <a:solidFill>
                       <a:srgbClr val="000000"/>
                     </a:solidFill>
@@ -12489,7 +12489,7 @@
               </a:ln>
               <a:extLst>
                 <a:ext uri="{91240B29-F687-4f45-9708-019B960494DF}">
-                  <a14:hiddenLine xmlns="" xmlns:a14="http://schemas.microsoft.com/office/drawing/2010/main" w="9525">
+                  <a14:hiddenLine xmlns:a14="http://schemas.microsoft.com/office/drawing/2010/main" xmlns="" w="9525">
                     <a:solidFill>
                       <a:srgbClr val="000000"/>
                     </a:solidFill>
@@ -12579,7 +12579,7 @@
               </a:ln>
               <a:extLst>
                 <a:ext uri="{91240B29-F687-4f45-9708-019B960494DF}">
-                  <a14:hiddenLine xmlns="" xmlns:a14="http://schemas.microsoft.com/office/drawing/2010/main" w="9525">
+                  <a14:hiddenLine xmlns:a14="http://schemas.microsoft.com/office/drawing/2010/main" xmlns="" w="9525">
                     <a:solidFill>
                       <a:srgbClr val="000000"/>
                     </a:solidFill>
@@ -12641,7 +12641,7 @@
               </a:ln>
               <a:extLst>
                 <a:ext uri="{91240B29-F687-4f45-9708-019B960494DF}">
-                  <a14:hiddenLine xmlns="" xmlns:a14="http://schemas.microsoft.com/office/drawing/2010/main" w="9525">
+                  <a14:hiddenLine xmlns:a14="http://schemas.microsoft.com/office/drawing/2010/main" xmlns="" w="9525">
                     <a:solidFill>
                       <a:srgbClr val="000000"/>
                     </a:solidFill>
@@ -12731,7 +12731,7 @@
               </a:ln>
               <a:extLst>
                 <a:ext uri="{91240B29-F687-4f45-9708-019B960494DF}">
-                  <a14:hiddenLine xmlns="" xmlns:a14="http://schemas.microsoft.com/office/drawing/2010/main" w="9525">
+                  <a14:hiddenLine xmlns:a14="http://schemas.microsoft.com/office/drawing/2010/main" xmlns="" w="9525">
                     <a:solidFill>
                       <a:srgbClr val="000000"/>
                     </a:solidFill>
@@ -12796,7 +12796,7 @@
               </a:ln>
               <a:extLst>
                 <a:ext uri="{91240B29-F687-4f45-9708-019B960494DF}">
-                  <a14:hiddenLine xmlns="" xmlns:a14="http://schemas.microsoft.com/office/drawing/2010/main" w="9525">
+                  <a14:hiddenLine xmlns:a14="http://schemas.microsoft.com/office/drawing/2010/main" xmlns="" w="9525">
                     <a:solidFill>
                       <a:srgbClr val="000000"/>
                     </a:solidFill>
@@ -12858,7 +12858,7 @@
               </a:ln>
               <a:extLst>
                 <a:ext uri="{91240B29-F687-4f45-9708-019B960494DF}">
-                  <a14:hiddenLine xmlns="" xmlns:a14="http://schemas.microsoft.com/office/drawing/2010/main" w="9525">
+                  <a14:hiddenLine xmlns:a14="http://schemas.microsoft.com/office/drawing/2010/main" xmlns="" w="9525">
                     <a:solidFill>
                       <a:srgbClr val="000000"/>
                     </a:solidFill>
@@ -12948,7 +12948,7 @@
               </a:ln>
               <a:extLst>
                 <a:ext uri="{91240B29-F687-4f45-9708-019B960494DF}">
-                  <a14:hiddenLine xmlns="" xmlns:a14="http://schemas.microsoft.com/office/drawing/2010/main" w="9525">
+                  <a14:hiddenLine xmlns:a14="http://schemas.microsoft.com/office/drawing/2010/main" xmlns="" w="9525">
                     <a:solidFill>
                       <a:srgbClr val="000000"/>
                     </a:solidFill>
@@ -13038,7 +13038,7 @@
               </a:ln>
               <a:extLst>
                 <a:ext uri="{91240B29-F687-4f45-9708-019B960494DF}">
-                  <a14:hiddenLine xmlns="" xmlns:a14="http://schemas.microsoft.com/office/drawing/2010/main" w="9525">
+                  <a14:hiddenLine xmlns:a14="http://schemas.microsoft.com/office/drawing/2010/main" xmlns="" w="9525">
                     <a:solidFill>
                       <a:srgbClr val="000000"/>
                     </a:solidFill>
@@ -13103,7 +13103,7 @@
               </a:ln>
               <a:extLst>
                 <a:ext uri="{91240B29-F687-4f45-9708-019B960494DF}">
-                  <a14:hiddenLine xmlns="" xmlns:a14="http://schemas.microsoft.com/office/drawing/2010/main" w="9525">
+                  <a14:hiddenLine xmlns:a14="http://schemas.microsoft.com/office/drawing/2010/main" xmlns="" w="9525">
                     <a:solidFill>
                       <a:srgbClr val="000000"/>
                     </a:solidFill>
@@ -13223,7 +13223,7 @@
               </a:ln>
               <a:extLst>
                 <a:ext uri="{91240B29-F687-4f45-9708-019B960494DF}">
-                  <a14:hiddenLine xmlns="" xmlns:a14="http://schemas.microsoft.com/office/drawing/2010/main" w="9525">
+                  <a14:hiddenLine xmlns:a14="http://schemas.microsoft.com/office/drawing/2010/main" xmlns="" w="9525">
                     <a:solidFill>
                       <a:srgbClr val="000000"/>
                     </a:solidFill>
@@ -13321,7 +13321,7 @@
               </a:ln>
               <a:extLst>
                 <a:ext uri="{91240B29-F687-4f45-9708-019B960494DF}">
-                  <a14:hiddenLine xmlns="" xmlns:a14="http://schemas.microsoft.com/office/drawing/2010/main" w="9525">
+                  <a14:hiddenLine xmlns:a14="http://schemas.microsoft.com/office/drawing/2010/main" xmlns="" w="9525">
                     <a:solidFill>
                       <a:srgbClr val="000000"/>
                     </a:solidFill>
@@ -13436,7 +13436,7 @@
               </a:ln>
               <a:extLst>
                 <a:ext uri="{91240B29-F687-4f45-9708-019B960494DF}">
-                  <a14:hiddenLine xmlns="" xmlns:a14="http://schemas.microsoft.com/office/drawing/2010/main" w="9525">
+                  <a14:hiddenLine xmlns:a14="http://schemas.microsoft.com/office/drawing/2010/main" xmlns="" w="9525">
                     <a:solidFill>
                       <a:srgbClr val="000000"/>
                     </a:solidFill>
@@ -13526,7 +13526,7 @@
               </a:ln>
               <a:extLst>
                 <a:ext uri="{91240B29-F687-4f45-9708-019B960494DF}">
-                  <a14:hiddenLine xmlns="" xmlns:a14="http://schemas.microsoft.com/office/drawing/2010/main" w="9525">
+                  <a14:hiddenLine xmlns:a14="http://schemas.microsoft.com/office/drawing/2010/main" xmlns="" w="9525">
                     <a:solidFill>
                       <a:srgbClr val="000000"/>
                     </a:solidFill>
@@ -13591,7 +13591,7 @@
               </a:ln>
               <a:extLst>
                 <a:ext uri="{91240B29-F687-4f45-9708-019B960494DF}">
-                  <a14:hiddenLine xmlns="" xmlns:a14="http://schemas.microsoft.com/office/drawing/2010/main" w="9525">
+                  <a14:hiddenLine xmlns:a14="http://schemas.microsoft.com/office/drawing/2010/main" xmlns="" w="9525">
                     <a:solidFill>
                       <a:srgbClr val="000000"/>
                     </a:solidFill>
@@ -13681,7 +13681,7 @@
               </a:ln>
               <a:extLst>
                 <a:ext uri="{91240B29-F687-4f45-9708-019B960494DF}">
-                  <a14:hiddenLine xmlns="" xmlns:a14="http://schemas.microsoft.com/office/drawing/2010/main" w="9525">
+                  <a14:hiddenLine xmlns:a14="http://schemas.microsoft.com/office/drawing/2010/main" xmlns="" w="9525">
                     <a:solidFill>
                       <a:srgbClr val="000000"/>
                     </a:solidFill>
@@ -13749,7 +13749,7 @@
               </a:ln>
               <a:extLst>
                 <a:ext uri="{91240B29-F687-4f45-9708-019B960494DF}">
-                  <a14:hiddenLine xmlns="" xmlns:a14="http://schemas.microsoft.com/office/drawing/2010/main" w="9525">
+                  <a14:hiddenLine xmlns:a14="http://schemas.microsoft.com/office/drawing/2010/main" xmlns="" w="9525">
                     <a:solidFill>
                       <a:srgbClr val="000000"/>
                     </a:solidFill>
@@ -13839,7 +13839,7 @@
               </a:ln>
               <a:extLst>
                 <a:ext uri="{91240B29-F687-4f45-9708-019B960494DF}">
-                  <a14:hiddenLine xmlns="" xmlns:a14="http://schemas.microsoft.com/office/drawing/2010/main" w="9525">
+                  <a14:hiddenLine xmlns:a14="http://schemas.microsoft.com/office/drawing/2010/main" xmlns="" w="9525">
                     <a:solidFill>
                       <a:srgbClr val="000000"/>
                     </a:solidFill>
@@ -13907,7 +13907,7 @@
               </a:ln>
               <a:extLst>
                 <a:ext uri="{91240B29-F687-4f45-9708-019B960494DF}">
-                  <a14:hiddenLine xmlns="" xmlns:a14="http://schemas.microsoft.com/office/drawing/2010/main" w="9525">
+                  <a14:hiddenLine xmlns:a14="http://schemas.microsoft.com/office/drawing/2010/main" xmlns="" w="9525">
                     <a:solidFill>
                       <a:srgbClr val="000000"/>
                     </a:solidFill>
@@ -13997,7 +13997,7 @@
               </a:ln>
               <a:extLst>
                 <a:ext uri="{91240B29-F687-4f45-9708-019B960494DF}">
-                  <a14:hiddenLine xmlns="" xmlns:a14="http://schemas.microsoft.com/office/drawing/2010/main" w="9525">
+                  <a14:hiddenLine xmlns:a14="http://schemas.microsoft.com/office/drawing/2010/main" xmlns="" w="9525">
                     <a:solidFill>
                       <a:srgbClr val="000000"/>
                     </a:solidFill>
@@ -14031,7 +14031,7 @@
               </a:ln>
               <a:extLst>
                 <a:ext uri="{91240B29-F687-4f45-9708-019B960494DF}">
-                  <a14:hiddenLine xmlns="" xmlns:a14="http://schemas.microsoft.com/office/drawing/2010/main" w="9525">
+                  <a14:hiddenLine xmlns:a14="http://schemas.microsoft.com/office/drawing/2010/main" xmlns="" w="9525">
                     <a:solidFill>
                       <a:srgbClr val="000000"/>
                     </a:solidFill>
@@ -20752,7 +20752,7 @@
           </a:prstGeom>
           <a:extLst>
             <a:ext uri="{909E8E84-426E-40dd-AFC4-6F175D3DCCD1}">
-              <a14:hiddenFill xmlns="" xmlns:a16="http://schemas.microsoft.com/office/drawing/2014/main" xmlns:p14="http://schemas.microsoft.com/office/powerpoint/2010/main" xmlns:a14="http://schemas.microsoft.com/office/drawing/2010/main">
+              <a14:hiddenFill xmlns:a14="http://schemas.microsoft.com/office/drawing/2010/main" xmlns:p14="http://schemas.microsoft.com/office/powerpoint/2010/main" xmlns:a16="http://schemas.microsoft.com/office/drawing/2014/main" xmlns="">
                 <a:solidFill>
                   <a:srgbClr val="FFFFFF"/>
                 </a:solidFill>
@@ -20876,7 +20876,7 @@
           <a:noFill/>
           <a:extLst>
             <a:ext uri="{909E8E84-426E-40dd-AFC4-6F175D3DCCD1}">
-              <a14:hiddenFill xmlns="" xmlns:a16="http://schemas.microsoft.com/office/drawing/2014/main" xmlns:p14="http://schemas.microsoft.com/office/powerpoint/2010/main" xmlns:a14="http://schemas.microsoft.com/office/drawing/2010/main">
+              <a14:hiddenFill xmlns:a14="http://schemas.microsoft.com/office/drawing/2010/main" xmlns:p14="http://schemas.microsoft.com/office/powerpoint/2010/main" xmlns:a16="http://schemas.microsoft.com/office/drawing/2014/main" xmlns="">
                 <a:solidFill>
                   <a:srgbClr val="FFFFFF"/>
                 </a:solidFill>
@@ -21114,7 +21114,7 @@
             </a:ln>
             <a:extLst>
               <a:ext uri="{91240B29-F687-4f45-9708-019B960494DF}">
-                <a14:hiddenLine xmlns="" xmlns:a16="http://schemas.microsoft.com/office/drawing/2014/main" xmlns:p14="http://schemas.microsoft.com/office/powerpoint/2010/main" xmlns:a14="http://schemas.microsoft.com/office/drawing/2010/main" w="9525">
+                <a14:hiddenLine xmlns:a14="http://schemas.microsoft.com/office/drawing/2010/main" xmlns:p14="http://schemas.microsoft.com/office/powerpoint/2010/main" xmlns:a16="http://schemas.microsoft.com/office/drawing/2014/main" xmlns="" w="9525">
                   <a:solidFill>
                     <a:srgbClr val="000000"/>
                   </a:solidFill>
@@ -21219,7 +21219,7 @@
             </a:ln>
             <a:extLst>
               <a:ext uri="{91240B29-F687-4f45-9708-019B960494DF}">
-                <a14:hiddenLine xmlns="" xmlns:a16="http://schemas.microsoft.com/office/drawing/2014/main" xmlns:p14="http://schemas.microsoft.com/office/powerpoint/2010/main" xmlns:a14="http://schemas.microsoft.com/office/drawing/2010/main" w="9525">
+                <a14:hiddenLine xmlns:a14="http://schemas.microsoft.com/office/drawing/2010/main" xmlns:p14="http://schemas.microsoft.com/office/powerpoint/2010/main" xmlns:a16="http://schemas.microsoft.com/office/drawing/2014/main" xmlns="" w="9525">
                   <a:solidFill>
                     <a:srgbClr val="000000"/>
                   </a:solidFill>
@@ -21324,7 +21324,7 @@
             </a:ln>
             <a:extLst>
               <a:ext uri="{91240B29-F687-4f45-9708-019B960494DF}">
-                <a14:hiddenLine xmlns="" xmlns:a16="http://schemas.microsoft.com/office/drawing/2014/main" xmlns:p14="http://schemas.microsoft.com/office/powerpoint/2010/main" xmlns:a14="http://schemas.microsoft.com/office/drawing/2010/main" w="9525">
+                <a14:hiddenLine xmlns:a14="http://schemas.microsoft.com/office/drawing/2010/main" xmlns:p14="http://schemas.microsoft.com/office/powerpoint/2010/main" xmlns:a16="http://schemas.microsoft.com/office/drawing/2014/main" xmlns="" w="9525">
                   <a:solidFill>
                     <a:srgbClr val="000000"/>
                   </a:solidFill>
@@ -21401,7 +21401,7 @@
             </a:ln>
             <a:extLst>
               <a:ext uri="{91240B29-F687-4f45-9708-019B960494DF}">
-                <a14:hiddenLine xmlns="" xmlns:a16="http://schemas.microsoft.com/office/drawing/2014/main" xmlns:p14="http://schemas.microsoft.com/office/powerpoint/2010/main" xmlns:a14="http://schemas.microsoft.com/office/drawing/2010/main" w="9525">
+                <a14:hiddenLine xmlns:a14="http://schemas.microsoft.com/office/drawing/2010/main" xmlns:p14="http://schemas.microsoft.com/office/powerpoint/2010/main" xmlns:a16="http://schemas.microsoft.com/office/drawing/2014/main" xmlns="" w="9525">
                   <a:solidFill>
                     <a:srgbClr val="000000"/>
                   </a:solidFill>
@@ -21506,7 +21506,7 @@
             </a:ln>
             <a:extLst>
               <a:ext uri="{91240B29-F687-4f45-9708-019B960494DF}">
-                <a14:hiddenLine xmlns="" xmlns:a16="http://schemas.microsoft.com/office/drawing/2014/main" xmlns:p14="http://schemas.microsoft.com/office/powerpoint/2010/main" xmlns:a14="http://schemas.microsoft.com/office/drawing/2010/main" w="9525">
+                <a14:hiddenLine xmlns:a14="http://schemas.microsoft.com/office/drawing/2010/main" xmlns:p14="http://schemas.microsoft.com/office/powerpoint/2010/main" xmlns:a16="http://schemas.microsoft.com/office/drawing/2014/main" xmlns="" w="9525">
                   <a:solidFill>
                     <a:srgbClr val="000000"/>
                   </a:solidFill>
@@ -21583,7 +21583,7 @@
             </a:ln>
             <a:extLst>
               <a:ext uri="{91240B29-F687-4f45-9708-019B960494DF}">
-                <a14:hiddenLine xmlns="" xmlns:a16="http://schemas.microsoft.com/office/drawing/2014/main" xmlns:p14="http://schemas.microsoft.com/office/powerpoint/2010/main" xmlns:a14="http://schemas.microsoft.com/office/drawing/2010/main" w="9525">
+                <a14:hiddenLine xmlns:a14="http://schemas.microsoft.com/office/drawing/2010/main" xmlns:p14="http://schemas.microsoft.com/office/powerpoint/2010/main" xmlns:a16="http://schemas.microsoft.com/office/drawing/2014/main" xmlns="" w="9525">
                   <a:solidFill>
                     <a:srgbClr val="000000"/>
                   </a:solidFill>
@@ -21660,7 +21660,7 @@
             </a:ln>
             <a:extLst>
               <a:ext uri="{91240B29-F687-4f45-9708-019B960494DF}">
-                <a14:hiddenLine xmlns="" xmlns:a16="http://schemas.microsoft.com/office/drawing/2014/main" xmlns:p14="http://schemas.microsoft.com/office/powerpoint/2010/main" xmlns:a14="http://schemas.microsoft.com/office/drawing/2010/main" w="9525">
+                <a14:hiddenLine xmlns:a14="http://schemas.microsoft.com/office/drawing/2010/main" xmlns:p14="http://schemas.microsoft.com/office/powerpoint/2010/main" xmlns:a16="http://schemas.microsoft.com/office/drawing/2014/main" xmlns="" w="9525">
                   <a:solidFill>
                     <a:srgbClr val="000000"/>
                   </a:solidFill>
@@ -21765,7 +21765,7 @@
             </a:ln>
             <a:extLst>
               <a:ext uri="{91240B29-F687-4f45-9708-019B960494DF}">
-                <a14:hiddenLine xmlns="" xmlns:a16="http://schemas.microsoft.com/office/drawing/2014/main" xmlns:p14="http://schemas.microsoft.com/office/powerpoint/2010/main" xmlns:a14="http://schemas.microsoft.com/office/drawing/2010/main" w="9525">
+                <a14:hiddenLine xmlns:a14="http://schemas.microsoft.com/office/drawing/2010/main" xmlns:p14="http://schemas.microsoft.com/office/powerpoint/2010/main" xmlns:a16="http://schemas.microsoft.com/office/drawing/2014/main" xmlns="" w="9525">
                   <a:solidFill>
                     <a:srgbClr val="000000"/>
                   </a:solidFill>
@@ -21870,7 +21870,7 @@
             </a:ln>
             <a:extLst>
               <a:ext uri="{91240B29-F687-4f45-9708-019B960494DF}">
-                <a14:hiddenLine xmlns="" xmlns:a16="http://schemas.microsoft.com/office/drawing/2014/main" xmlns:p14="http://schemas.microsoft.com/office/powerpoint/2010/main" xmlns:a14="http://schemas.microsoft.com/office/drawing/2010/main" w="9525">
+                <a14:hiddenLine xmlns:a14="http://schemas.microsoft.com/office/drawing/2010/main" xmlns:p14="http://schemas.microsoft.com/office/powerpoint/2010/main" xmlns:a16="http://schemas.microsoft.com/office/drawing/2014/main" xmlns="" w="9525">
                   <a:solidFill>
                     <a:srgbClr val="000000"/>
                   </a:solidFill>
@@ -21947,7 +21947,7 @@
             </a:ln>
             <a:extLst>
               <a:ext uri="{91240B29-F687-4f45-9708-019B960494DF}">
-                <a14:hiddenLine xmlns="" xmlns:a16="http://schemas.microsoft.com/office/drawing/2014/main" xmlns:p14="http://schemas.microsoft.com/office/powerpoint/2010/main" xmlns:a14="http://schemas.microsoft.com/office/drawing/2010/main" w="9525">
+                <a14:hiddenLine xmlns:a14="http://schemas.microsoft.com/office/drawing/2010/main" xmlns:p14="http://schemas.microsoft.com/office/powerpoint/2010/main" xmlns:a16="http://schemas.microsoft.com/office/drawing/2014/main" xmlns="" w="9525">
                   <a:solidFill>
                     <a:srgbClr val="000000"/>
                   </a:solidFill>
@@ -22072,7 +22072,7 @@
             </a:ln>
             <a:extLst>
               <a:ext uri="{91240B29-F687-4f45-9708-019B960494DF}">
-                <a14:hiddenLine xmlns="" xmlns:a16="http://schemas.microsoft.com/office/drawing/2014/main" xmlns:p14="http://schemas.microsoft.com/office/powerpoint/2010/main" xmlns:a14="http://schemas.microsoft.com/office/drawing/2010/main" w="9525">
+                <a14:hiddenLine xmlns:a14="http://schemas.microsoft.com/office/drawing/2010/main" xmlns:p14="http://schemas.microsoft.com/office/powerpoint/2010/main" xmlns:a16="http://schemas.microsoft.com/office/drawing/2014/main" xmlns="" w="9525">
                   <a:solidFill>
                     <a:srgbClr val="000000"/>
                   </a:solidFill>
@@ -22186,7 +22186,7 @@
             </a:ln>
             <a:extLst>
               <a:ext uri="{91240B29-F687-4f45-9708-019B960494DF}">
-                <a14:hiddenLine xmlns="" xmlns:a16="http://schemas.microsoft.com/office/drawing/2014/main" xmlns:p14="http://schemas.microsoft.com/office/powerpoint/2010/main" xmlns:a14="http://schemas.microsoft.com/office/drawing/2010/main" w="9525">
+                <a14:hiddenLine xmlns:a14="http://schemas.microsoft.com/office/drawing/2010/main" xmlns:p14="http://schemas.microsoft.com/office/powerpoint/2010/main" xmlns:a16="http://schemas.microsoft.com/office/drawing/2014/main" xmlns="" w="9525">
                   <a:solidFill>
                     <a:srgbClr val="000000"/>
                   </a:solidFill>
@@ -22263,7 +22263,7 @@
             </a:ln>
             <a:extLst>
               <a:ext uri="{91240B29-F687-4f45-9708-019B960494DF}">
-                <a14:hiddenLine xmlns="" xmlns:a16="http://schemas.microsoft.com/office/drawing/2014/main" xmlns:p14="http://schemas.microsoft.com/office/powerpoint/2010/main" xmlns:a14="http://schemas.microsoft.com/office/drawing/2010/main" w="9525">
+                <a14:hiddenLine xmlns:a14="http://schemas.microsoft.com/office/drawing/2010/main" xmlns:p14="http://schemas.microsoft.com/office/powerpoint/2010/main" xmlns:a16="http://schemas.microsoft.com/office/drawing/2014/main" xmlns="" w="9525">
                   <a:solidFill>
                     <a:srgbClr val="000000"/>
                   </a:solidFill>
@@ -22340,7 +22340,7 @@
             </a:ln>
             <a:extLst>
               <a:ext uri="{91240B29-F687-4f45-9708-019B960494DF}">
-                <a14:hiddenLine xmlns="" xmlns:a16="http://schemas.microsoft.com/office/drawing/2014/main" xmlns:p14="http://schemas.microsoft.com/office/powerpoint/2010/main" xmlns:a14="http://schemas.microsoft.com/office/drawing/2010/main" w="9525">
+                <a14:hiddenLine xmlns:a14="http://schemas.microsoft.com/office/drawing/2010/main" xmlns:p14="http://schemas.microsoft.com/office/powerpoint/2010/main" xmlns:a16="http://schemas.microsoft.com/office/drawing/2014/main" xmlns="" w="9525">
                   <a:solidFill>
                     <a:srgbClr val="000000"/>
                   </a:solidFill>
@@ -22445,7 +22445,7 @@
             </a:ln>
             <a:extLst>
               <a:ext uri="{91240B29-F687-4f45-9708-019B960494DF}">
-                <a14:hiddenLine xmlns="" xmlns:a16="http://schemas.microsoft.com/office/drawing/2014/main" xmlns:p14="http://schemas.microsoft.com/office/powerpoint/2010/main" xmlns:a14="http://schemas.microsoft.com/office/drawing/2010/main" w="9525">
+                <a14:hiddenLine xmlns:a14="http://schemas.microsoft.com/office/drawing/2010/main" xmlns:p14="http://schemas.microsoft.com/office/powerpoint/2010/main" xmlns:a16="http://schemas.microsoft.com/office/drawing/2014/main" xmlns="" w="9525">
                   <a:solidFill>
                     <a:srgbClr val="000000"/>
                   </a:solidFill>
@@ -22494,7 +22494,7 @@
             </a:ln>
             <a:extLst>
               <a:ext uri="{91240B29-F687-4f45-9708-019B960494DF}">
-                <a14:hiddenLine xmlns="" xmlns:a16="http://schemas.microsoft.com/office/drawing/2014/main" xmlns:p14="http://schemas.microsoft.com/office/powerpoint/2010/main" xmlns:a14="http://schemas.microsoft.com/office/drawing/2010/main" w="9525">
+                <a14:hiddenLine xmlns:a14="http://schemas.microsoft.com/office/drawing/2010/main" xmlns:p14="http://schemas.microsoft.com/office/powerpoint/2010/main" xmlns:a16="http://schemas.microsoft.com/office/drawing/2014/main" xmlns="" w="9525">
                   <a:solidFill>
                     <a:srgbClr val="000000"/>
                   </a:solidFill>
@@ -22574,7 +22574,7 @@
             </a:ln>
             <a:extLst>
               <a:ext uri="{91240B29-F687-4f45-9708-019B960494DF}">
-                <a14:hiddenLine xmlns="" xmlns:a16="http://schemas.microsoft.com/office/drawing/2014/main" xmlns:p14="http://schemas.microsoft.com/office/powerpoint/2010/main" xmlns:a14="http://schemas.microsoft.com/office/drawing/2010/main" w="9525">
+                <a14:hiddenLine xmlns:a14="http://schemas.microsoft.com/office/drawing/2010/main" xmlns:p14="http://schemas.microsoft.com/office/powerpoint/2010/main" xmlns:a16="http://schemas.microsoft.com/office/drawing/2014/main" xmlns="" w="9525">
                   <a:solidFill>
                     <a:srgbClr val="000000"/>
                   </a:solidFill>
@@ -22679,7 +22679,7 @@
             </a:ln>
             <a:extLst>
               <a:ext uri="{91240B29-F687-4f45-9708-019B960494DF}">
-                <a14:hiddenLine xmlns="" xmlns:a16="http://schemas.microsoft.com/office/drawing/2014/main" xmlns:p14="http://schemas.microsoft.com/office/powerpoint/2010/main" xmlns:a14="http://schemas.microsoft.com/office/drawing/2010/main" w="9525">
+                <a14:hiddenLine xmlns:a14="http://schemas.microsoft.com/office/drawing/2010/main" xmlns:p14="http://schemas.microsoft.com/office/powerpoint/2010/main" xmlns:a16="http://schemas.microsoft.com/office/drawing/2014/main" xmlns="" w="9525">
                   <a:solidFill>
                     <a:srgbClr val="000000"/>
                   </a:solidFill>
@@ -22756,7 +22756,7 @@
             </a:ln>
             <a:extLst>
               <a:ext uri="{91240B29-F687-4f45-9708-019B960494DF}">
-                <a14:hiddenLine xmlns="" xmlns:a16="http://schemas.microsoft.com/office/drawing/2014/main" xmlns:p14="http://schemas.microsoft.com/office/powerpoint/2010/main" xmlns:a14="http://schemas.microsoft.com/office/drawing/2010/main" w="9525">
+                <a14:hiddenLine xmlns:a14="http://schemas.microsoft.com/office/drawing/2010/main" xmlns:p14="http://schemas.microsoft.com/office/powerpoint/2010/main" xmlns:a16="http://schemas.microsoft.com/office/drawing/2014/main" xmlns="" w="9525">
                   <a:solidFill>
                     <a:srgbClr val="000000"/>
                   </a:solidFill>
@@ -22861,7 +22861,7 @@
             </a:ln>
             <a:extLst>
               <a:ext uri="{91240B29-F687-4f45-9708-019B960494DF}">
-                <a14:hiddenLine xmlns="" xmlns:a16="http://schemas.microsoft.com/office/drawing/2014/main" xmlns:p14="http://schemas.microsoft.com/office/powerpoint/2010/main" xmlns:a14="http://schemas.microsoft.com/office/drawing/2010/main" w="9525">
+                <a14:hiddenLine xmlns:a14="http://schemas.microsoft.com/office/drawing/2010/main" xmlns:p14="http://schemas.microsoft.com/office/powerpoint/2010/main" xmlns:a16="http://schemas.microsoft.com/office/drawing/2014/main" xmlns="" w="9525">
                   <a:solidFill>
                     <a:srgbClr val="000000"/>
                   </a:solidFill>
@@ -22941,7 +22941,7 @@
             </a:ln>
             <a:extLst>
               <a:ext uri="{91240B29-F687-4f45-9708-019B960494DF}">
-                <a14:hiddenLine xmlns="" xmlns:a16="http://schemas.microsoft.com/office/drawing/2014/main" xmlns:p14="http://schemas.microsoft.com/office/powerpoint/2010/main" xmlns:a14="http://schemas.microsoft.com/office/drawing/2010/main" w="9525">
+                <a14:hiddenLine xmlns:a14="http://schemas.microsoft.com/office/drawing/2010/main" xmlns:p14="http://schemas.microsoft.com/office/powerpoint/2010/main" xmlns:a16="http://schemas.microsoft.com/office/drawing/2014/main" xmlns="" w="9525">
                   <a:solidFill>
                     <a:srgbClr val="000000"/>
                   </a:solidFill>
@@ -23018,7 +23018,7 @@
             </a:ln>
             <a:extLst>
               <a:ext uri="{91240B29-F687-4f45-9708-019B960494DF}">
-                <a14:hiddenLine xmlns="" xmlns:a16="http://schemas.microsoft.com/office/drawing/2014/main" xmlns:p14="http://schemas.microsoft.com/office/powerpoint/2010/main" xmlns:a14="http://schemas.microsoft.com/office/drawing/2010/main" w="9525">
+                <a14:hiddenLine xmlns:a14="http://schemas.microsoft.com/office/drawing/2010/main" xmlns:p14="http://schemas.microsoft.com/office/powerpoint/2010/main" xmlns:a16="http://schemas.microsoft.com/office/drawing/2014/main" xmlns="" w="9525">
                   <a:solidFill>
                     <a:srgbClr val="000000"/>
                   </a:solidFill>
@@ -23123,7 +23123,7 @@
             </a:ln>
             <a:extLst>
               <a:ext uri="{91240B29-F687-4f45-9708-019B960494DF}">
-                <a14:hiddenLine xmlns="" xmlns:a16="http://schemas.microsoft.com/office/drawing/2014/main" xmlns:p14="http://schemas.microsoft.com/office/powerpoint/2010/main" xmlns:a14="http://schemas.microsoft.com/office/drawing/2010/main" w="9525">
+                <a14:hiddenLine xmlns:a14="http://schemas.microsoft.com/office/drawing/2010/main" xmlns:p14="http://schemas.microsoft.com/office/powerpoint/2010/main" xmlns:a16="http://schemas.microsoft.com/office/drawing/2014/main" xmlns="" w="9525">
                   <a:solidFill>
                     <a:srgbClr val="000000"/>
                   </a:solidFill>
@@ -23228,7 +23228,7 @@
             </a:ln>
             <a:extLst>
               <a:ext uri="{91240B29-F687-4f45-9708-019B960494DF}">
-                <a14:hiddenLine xmlns="" xmlns:a16="http://schemas.microsoft.com/office/drawing/2014/main" xmlns:p14="http://schemas.microsoft.com/office/powerpoint/2010/main" xmlns:a14="http://schemas.microsoft.com/office/drawing/2010/main" w="9525">
+                <a14:hiddenLine xmlns:a14="http://schemas.microsoft.com/office/drawing/2010/main" xmlns:p14="http://schemas.microsoft.com/office/powerpoint/2010/main" xmlns:a16="http://schemas.microsoft.com/office/drawing/2014/main" xmlns="" w="9525">
                   <a:solidFill>
                     <a:srgbClr val="000000"/>
                   </a:solidFill>
@@ -23308,7 +23308,7 @@
             </a:ln>
             <a:extLst>
               <a:ext uri="{91240B29-F687-4f45-9708-019B960494DF}">
-                <a14:hiddenLine xmlns="" xmlns:a16="http://schemas.microsoft.com/office/drawing/2014/main" xmlns:p14="http://schemas.microsoft.com/office/powerpoint/2010/main" xmlns:a14="http://schemas.microsoft.com/office/drawing/2010/main" w="9525">
+                <a14:hiddenLine xmlns:a14="http://schemas.microsoft.com/office/drawing/2010/main" xmlns:p14="http://schemas.microsoft.com/office/powerpoint/2010/main" xmlns:a16="http://schemas.microsoft.com/office/drawing/2014/main" xmlns="" w="9525">
                   <a:solidFill>
                     <a:srgbClr val="000000"/>
                   </a:solidFill>
@@ -23443,7 +23443,7 @@
             </a:ln>
             <a:extLst>
               <a:ext uri="{91240B29-F687-4f45-9708-019B960494DF}">
-                <a14:hiddenLine xmlns="" xmlns:a16="http://schemas.microsoft.com/office/drawing/2014/main" xmlns:p14="http://schemas.microsoft.com/office/powerpoint/2010/main" xmlns:a14="http://schemas.microsoft.com/office/drawing/2010/main" w="9525">
+                <a14:hiddenLine xmlns:a14="http://schemas.microsoft.com/office/drawing/2010/main" xmlns:p14="http://schemas.microsoft.com/office/powerpoint/2010/main" xmlns:a16="http://schemas.microsoft.com/office/drawing/2014/main" xmlns="" w="9525">
                   <a:solidFill>
                     <a:srgbClr val="000000"/>
                   </a:solidFill>
@@ -23634,7 +23634,7 @@
           </a:prstGeom>
           <a:extLst>
             <a:ext uri="{909E8E84-426E-40dd-AFC4-6F175D3DCCD1}">
-              <a14:hiddenFill xmlns="" xmlns:a16="http://schemas.microsoft.com/office/drawing/2014/main" xmlns:p14="http://schemas.microsoft.com/office/powerpoint/2010/main" xmlns:a14="http://schemas.microsoft.com/office/drawing/2010/main">
+              <a14:hiddenFill xmlns:a14="http://schemas.microsoft.com/office/drawing/2010/main" xmlns:p14="http://schemas.microsoft.com/office/powerpoint/2010/main" xmlns:a16="http://schemas.microsoft.com/office/drawing/2014/main" xmlns="">
                 <a:solidFill>
                   <a:srgbClr val="FFFFFF"/>
                 </a:solidFill>
@@ -23758,7 +23758,7 @@
           <a:noFill/>
           <a:extLst>
             <a:ext uri="{909E8E84-426E-40dd-AFC4-6F175D3DCCD1}">
-              <a14:hiddenFill xmlns="" xmlns:a16="http://schemas.microsoft.com/office/drawing/2014/main" xmlns:p14="http://schemas.microsoft.com/office/powerpoint/2010/main" xmlns:a14="http://schemas.microsoft.com/office/drawing/2010/main">
+              <a14:hiddenFill xmlns:a14="http://schemas.microsoft.com/office/drawing/2010/main" xmlns:p14="http://schemas.microsoft.com/office/powerpoint/2010/main" xmlns:a16="http://schemas.microsoft.com/office/drawing/2014/main" xmlns="">
                 <a:solidFill>
                   <a:srgbClr val="FFFFFF"/>
                 </a:solidFill>
@@ -23987,7 +23987,7 @@
             </a:ln>
             <a:extLst>
               <a:ext uri="{91240B29-F687-4f45-9708-019B960494DF}">
-                <a14:hiddenLine xmlns="" xmlns:a16="http://schemas.microsoft.com/office/drawing/2014/main" xmlns:p14="http://schemas.microsoft.com/office/powerpoint/2010/main" xmlns:a14="http://schemas.microsoft.com/office/drawing/2010/main" w="9525">
+                <a14:hiddenLine xmlns:a14="http://schemas.microsoft.com/office/drawing/2010/main" xmlns:p14="http://schemas.microsoft.com/office/powerpoint/2010/main" xmlns:a16="http://schemas.microsoft.com/office/drawing/2014/main" xmlns="" w="9525">
                   <a:solidFill>
                     <a:srgbClr val="000000"/>
                   </a:solidFill>
@@ -24092,7 +24092,7 @@
             </a:ln>
             <a:extLst>
               <a:ext uri="{91240B29-F687-4f45-9708-019B960494DF}">
-                <a14:hiddenLine xmlns="" xmlns:a16="http://schemas.microsoft.com/office/drawing/2014/main" xmlns:p14="http://schemas.microsoft.com/office/powerpoint/2010/main" xmlns:a14="http://schemas.microsoft.com/office/drawing/2010/main" w="9525">
+                <a14:hiddenLine xmlns:a14="http://schemas.microsoft.com/office/drawing/2010/main" xmlns:p14="http://schemas.microsoft.com/office/powerpoint/2010/main" xmlns:a16="http://schemas.microsoft.com/office/drawing/2014/main" xmlns="" w="9525">
                   <a:solidFill>
                     <a:srgbClr val="000000"/>
                   </a:solidFill>
@@ -24197,7 +24197,7 @@
             </a:ln>
             <a:extLst>
               <a:ext uri="{91240B29-F687-4f45-9708-019B960494DF}">
-                <a14:hiddenLine xmlns="" xmlns:a16="http://schemas.microsoft.com/office/drawing/2014/main" xmlns:p14="http://schemas.microsoft.com/office/powerpoint/2010/main" xmlns:a14="http://schemas.microsoft.com/office/drawing/2010/main" w="9525">
+                <a14:hiddenLine xmlns:a14="http://schemas.microsoft.com/office/drawing/2010/main" xmlns:p14="http://schemas.microsoft.com/office/powerpoint/2010/main" xmlns:a16="http://schemas.microsoft.com/office/drawing/2014/main" xmlns="" w="9525">
                   <a:solidFill>
                     <a:srgbClr val="000000"/>
                   </a:solidFill>
@@ -24274,7 +24274,7 @@
             </a:ln>
             <a:extLst>
               <a:ext uri="{91240B29-F687-4f45-9708-019B960494DF}">
-                <a14:hiddenLine xmlns="" xmlns:a16="http://schemas.microsoft.com/office/drawing/2014/main" xmlns:p14="http://schemas.microsoft.com/office/powerpoint/2010/main" xmlns:a14="http://schemas.microsoft.com/office/drawing/2010/main" w="9525">
+                <a14:hiddenLine xmlns:a14="http://schemas.microsoft.com/office/drawing/2010/main" xmlns:p14="http://schemas.microsoft.com/office/powerpoint/2010/main" xmlns:a16="http://schemas.microsoft.com/office/drawing/2014/main" xmlns="" w="9525">
                   <a:solidFill>
                     <a:srgbClr val="000000"/>
                   </a:solidFill>
@@ -24379,7 +24379,7 @@
             </a:ln>
             <a:extLst>
               <a:ext uri="{91240B29-F687-4f45-9708-019B960494DF}">
-                <a14:hiddenLine xmlns="" xmlns:a16="http://schemas.microsoft.com/office/drawing/2014/main" xmlns:p14="http://schemas.microsoft.com/office/powerpoint/2010/main" xmlns:a14="http://schemas.microsoft.com/office/drawing/2010/main" w="9525">
+                <a14:hiddenLine xmlns:a14="http://schemas.microsoft.com/office/drawing/2010/main" xmlns:p14="http://schemas.microsoft.com/office/powerpoint/2010/main" xmlns:a16="http://schemas.microsoft.com/office/drawing/2014/main" xmlns="" w="9525">
                   <a:solidFill>
                     <a:srgbClr val="000000"/>
                   </a:solidFill>
@@ -24456,7 +24456,7 @@
             </a:ln>
             <a:extLst>
               <a:ext uri="{91240B29-F687-4f45-9708-019B960494DF}">
-                <a14:hiddenLine xmlns="" xmlns:a16="http://schemas.microsoft.com/office/drawing/2014/main" xmlns:p14="http://schemas.microsoft.com/office/powerpoint/2010/main" xmlns:a14="http://schemas.microsoft.com/office/drawing/2010/main" w="9525">
+                <a14:hiddenLine xmlns:a14="http://schemas.microsoft.com/office/drawing/2010/main" xmlns:p14="http://schemas.microsoft.com/office/powerpoint/2010/main" xmlns:a16="http://schemas.microsoft.com/office/drawing/2014/main" xmlns="" w="9525">
                   <a:solidFill>
                     <a:srgbClr val="000000"/>
                   </a:solidFill>
@@ -24533,7 +24533,7 @@
             </a:ln>
             <a:extLst>
               <a:ext uri="{91240B29-F687-4f45-9708-019B960494DF}">
-                <a14:hiddenLine xmlns="" xmlns:a16="http://schemas.microsoft.com/office/drawing/2014/main" xmlns:p14="http://schemas.microsoft.com/office/powerpoint/2010/main" xmlns:a14="http://schemas.microsoft.com/office/drawing/2010/main" w="9525">
+                <a14:hiddenLine xmlns:a14="http://schemas.microsoft.com/office/drawing/2010/main" xmlns:p14="http://schemas.microsoft.com/office/powerpoint/2010/main" xmlns:a16="http://schemas.microsoft.com/office/drawing/2014/main" xmlns="" w="9525">
                   <a:solidFill>
                     <a:srgbClr val="000000"/>
                   </a:solidFill>
@@ -24638,7 +24638,7 @@
             </a:ln>
             <a:extLst>
               <a:ext uri="{91240B29-F687-4f45-9708-019B960494DF}">
-                <a14:hiddenLine xmlns="" xmlns:a16="http://schemas.microsoft.com/office/drawing/2014/main" xmlns:p14="http://schemas.microsoft.com/office/powerpoint/2010/main" xmlns:a14="http://schemas.microsoft.com/office/drawing/2010/main" w="9525">
+                <a14:hiddenLine xmlns:a14="http://schemas.microsoft.com/office/drawing/2010/main" xmlns:p14="http://schemas.microsoft.com/office/powerpoint/2010/main" xmlns:a16="http://schemas.microsoft.com/office/drawing/2014/main" xmlns="" w="9525">
                   <a:solidFill>
                     <a:srgbClr val="000000"/>
                   </a:solidFill>
@@ -24743,7 +24743,7 @@
             </a:ln>
             <a:extLst>
               <a:ext uri="{91240B29-F687-4f45-9708-019B960494DF}">
-                <a14:hiddenLine xmlns="" xmlns:a16="http://schemas.microsoft.com/office/drawing/2014/main" xmlns:p14="http://schemas.microsoft.com/office/powerpoint/2010/main" xmlns:a14="http://schemas.microsoft.com/office/drawing/2010/main" w="9525">
+                <a14:hiddenLine xmlns:a14="http://schemas.microsoft.com/office/drawing/2010/main" xmlns:p14="http://schemas.microsoft.com/office/powerpoint/2010/main" xmlns:a16="http://schemas.microsoft.com/office/drawing/2014/main" xmlns="" w="9525">
                   <a:solidFill>
                     <a:srgbClr val="000000"/>
                   </a:solidFill>
@@ -24820,7 +24820,7 @@
             </a:ln>
             <a:extLst>
               <a:ext uri="{91240B29-F687-4f45-9708-019B960494DF}">
-                <a14:hiddenLine xmlns="" xmlns:a16="http://schemas.microsoft.com/office/drawing/2014/main" xmlns:p14="http://schemas.microsoft.com/office/powerpoint/2010/main" xmlns:a14="http://schemas.microsoft.com/office/drawing/2010/main" w="9525">
+                <a14:hiddenLine xmlns:a14="http://schemas.microsoft.com/office/drawing/2010/main" xmlns:p14="http://schemas.microsoft.com/office/powerpoint/2010/main" xmlns:a16="http://schemas.microsoft.com/office/drawing/2014/main" xmlns="" w="9525">
                   <a:solidFill>
                     <a:srgbClr val="000000"/>
                   </a:solidFill>
@@ -24945,7 +24945,7 @@
             </a:ln>
             <a:extLst>
               <a:ext uri="{91240B29-F687-4f45-9708-019B960494DF}">
-                <a14:hiddenLine xmlns="" xmlns:a16="http://schemas.microsoft.com/office/drawing/2014/main" xmlns:p14="http://schemas.microsoft.com/office/powerpoint/2010/main" xmlns:a14="http://schemas.microsoft.com/office/drawing/2010/main" w="9525">
+                <a14:hiddenLine xmlns:a14="http://schemas.microsoft.com/office/drawing/2010/main" xmlns:p14="http://schemas.microsoft.com/office/powerpoint/2010/main" xmlns:a16="http://schemas.microsoft.com/office/drawing/2014/main" xmlns="" w="9525">
                   <a:solidFill>
                     <a:srgbClr val="000000"/>
                   </a:solidFill>
@@ -25059,7 +25059,7 @@
             </a:ln>
             <a:extLst>
               <a:ext uri="{91240B29-F687-4f45-9708-019B960494DF}">
-                <a14:hiddenLine xmlns="" xmlns:a16="http://schemas.microsoft.com/office/drawing/2014/main" xmlns:p14="http://schemas.microsoft.com/office/powerpoint/2010/main" xmlns:a14="http://schemas.microsoft.com/office/drawing/2010/main" w="9525">
+                <a14:hiddenLine xmlns:a14="http://schemas.microsoft.com/office/drawing/2010/main" xmlns:p14="http://schemas.microsoft.com/office/powerpoint/2010/main" xmlns:a16="http://schemas.microsoft.com/office/drawing/2014/main" xmlns="" w="9525">
                   <a:solidFill>
                     <a:srgbClr val="000000"/>
                   </a:solidFill>
@@ -25136,7 +25136,7 @@
             </a:ln>
             <a:extLst>
               <a:ext uri="{91240B29-F687-4f45-9708-019B960494DF}">
-                <a14:hiddenLine xmlns="" xmlns:a16="http://schemas.microsoft.com/office/drawing/2014/main" xmlns:p14="http://schemas.microsoft.com/office/powerpoint/2010/main" xmlns:a14="http://schemas.microsoft.com/office/drawing/2010/main" w="9525">
+                <a14:hiddenLine xmlns:a14="http://schemas.microsoft.com/office/drawing/2010/main" xmlns:p14="http://schemas.microsoft.com/office/powerpoint/2010/main" xmlns:a16="http://schemas.microsoft.com/office/drawing/2014/main" xmlns="" w="9525">
                   <a:solidFill>
                     <a:srgbClr val="000000"/>
                   </a:solidFill>
@@ -25213,7 +25213,7 @@
             </a:ln>
             <a:extLst>
               <a:ext uri="{91240B29-F687-4f45-9708-019B960494DF}">
-                <a14:hiddenLine xmlns="" xmlns:a16="http://schemas.microsoft.com/office/drawing/2014/main" xmlns:p14="http://schemas.microsoft.com/office/powerpoint/2010/main" xmlns:a14="http://schemas.microsoft.com/office/drawing/2010/main" w="9525">
+                <a14:hiddenLine xmlns:a14="http://schemas.microsoft.com/office/drawing/2010/main" xmlns:p14="http://schemas.microsoft.com/office/powerpoint/2010/main" xmlns:a16="http://schemas.microsoft.com/office/drawing/2014/main" xmlns="" w="9525">
                   <a:solidFill>
                     <a:srgbClr val="000000"/>
                   </a:solidFill>
@@ -25318,7 +25318,7 @@
             </a:ln>
             <a:extLst>
               <a:ext uri="{91240B29-F687-4f45-9708-019B960494DF}">
-                <a14:hiddenLine xmlns="" xmlns:a16="http://schemas.microsoft.com/office/drawing/2014/main" xmlns:p14="http://schemas.microsoft.com/office/powerpoint/2010/main" xmlns:a14="http://schemas.microsoft.com/office/drawing/2010/main" w="9525">
+                <a14:hiddenLine xmlns:a14="http://schemas.microsoft.com/office/drawing/2010/main" xmlns:p14="http://schemas.microsoft.com/office/powerpoint/2010/main" xmlns:a16="http://schemas.microsoft.com/office/drawing/2014/main" xmlns="" w="9525">
                   <a:solidFill>
                     <a:srgbClr val="000000"/>
                   </a:solidFill>
@@ -25367,7 +25367,7 @@
             </a:ln>
             <a:extLst>
               <a:ext uri="{91240B29-F687-4f45-9708-019B960494DF}">
-                <a14:hiddenLine xmlns="" xmlns:a16="http://schemas.microsoft.com/office/drawing/2014/main" xmlns:p14="http://schemas.microsoft.com/office/powerpoint/2010/main" xmlns:a14="http://schemas.microsoft.com/office/drawing/2010/main" w="9525">
+                <a14:hiddenLine xmlns:a14="http://schemas.microsoft.com/office/drawing/2010/main" xmlns:p14="http://schemas.microsoft.com/office/powerpoint/2010/main" xmlns:a16="http://schemas.microsoft.com/office/drawing/2014/main" xmlns="" w="9525">
                   <a:solidFill>
                     <a:srgbClr val="000000"/>
                   </a:solidFill>
@@ -25447,7 +25447,7 @@
             </a:ln>
             <a:extLst>
               <a:ext uri="{91240B29-F687-4f45-9708-019B960494DF}">
-                <a14:hiddenLine xmlns="" xmlns:a16="http://schemas.microsoft.com/office/drawing/2014/main" xmlns:p14="http://schemas.microsoft.com/office/powerpoint/2010/main" xmlns:a14="http://schemas.microsoft.com/office/drawing/2010/main" w="9525">
+                <a14:hiddenLine xmlns:a14="http://schemas.microsoft.com/office/drawing/2010/main" xmlns:p14="http://schemas.microsoft.com/office/powerpoint/2010/main" xmlns:a16="http://schemas.microsoft.com/office/drawing/2014/main" xmlns="" w="9525">
                   <a:solidFill>
                     <a:srgbClr val="000000"/>
                   </a:solidFill>
@@ -25552,7 +25552,7 @@
             </a:ln>
             <a:extLst>
               <a:ext uri="{91240B29-F687-4f45-9708-019B960494DF}">
-                <a14:hiddenLine xmlns="" xmlns:a16="http://schemas.microsoft.com/office/drawing/2014/main" xmlns:p14="http://schemas.microsoft.com/office/powerpoint/2010/main" xmlns:a14="http://schemas.microsoft.com/office/drawing/2010/main" w="9525">
+                <a14:hiddenLine xmlns:a14="http://schemas.microsoft.com/office/drawing/2010/main" xmlns:p14="http://schemas.microsoft.com/office/powerpoint/2010/main" xmlns:a16="http://schemas.microsoft.com/office/drawing/2014/main" xmlns="" w="9525">
                   <a:solidFill>
                     <a:srgbClr val="000000"/>
                   </a:solidFill>
@@ -25629,7 +25629,7 @@
             </a:ln>
             <a:extLst>
               <a:ext uri="{91240B29-F687-4f45-9708-019B960494DF}">
-                <a14:hiddenLine xmlns="" xmlns:a16="http://schemas.microsoft.com/office/drawing/2014/main" xmlns:p14="http://schemas.microsoft.com/office/powerpoint/2010/main" xmlns:a14="http://schemas.microsoft.com/office/drawing/2010/main" w="9525">
+                <a14:hiddenLine xmlns:a14="http://schemas.microsoft.com/office/drawing/2010/main" xmlns:p14="http://schemas.microsoft.com/office/powerpoint/2010/main" xmlns:a16="http://schemas.microsoft.com/office/drawing/2014/main" xmlns="" w="9525">
                   <a:solidFill>
                     <a:srgbClr val="000000"/>
                   </a:solidFill>
@@ -25734,7 +25734,7 @@
             </a:ln>
             <a:extLst>
               <a:ext uri="{91240B29-F687-4f45-9708-019B960494DF}">
-                <a14:hiddenLine xmlns="" xmlns:a16="http://schemas.microsoft.com/office/drawing/2014/main" xmlns:p14="http://schemas.microsoft.com/office/powerpoint/2010/main" xmlns:a14="http://schemas.microsoft.com/office/drawing/2010/main" w="9525">
+                <a14:hiddenLine xmlns:a14="http://schemas.microsoft.com/office/drawing/2010/main" xmlns:p14="http://schemas.microsoft.com/office/powerpoint/2010/main" xmlns:a16="http://schemas.microsoft.com/office/drawing/2014/main" xmlns="" w="9525">
                   <a:solidFill>
                     <a:srgbClr val="000000"/>
                   </a:solidFill>
@@ -25814,7 +25814,7 @@
             </a:ln>
             <a:extLst>
               <a:ext uri="{91240B29-F687-4f45-9708-019B960494DF}">
-                <a14:hiddenLine xmlns="" xmlns:a16="http://schemas.microsoft.com/office/drawing/2014/main" xmlns:p14="http://schemas.microsoft.com/office/powerpoint/2010/main" xmlns:a14="http://schemas.microsoft.com/office/drawing/2010/main" w="9525">
+                <a14:hiddenLine xmlns:a14="http://schemas.microsoft.com/office/drawing/2010/main" xmlns:p14="http://schemas.microsoft.com/office/powerpoint/2010/main" xmlns:a16="http://schemas.microsoft.com/office/drawing/2014/main" xmlns="" w="9525">
                   <a:solidFill>
                     <a:srgbClr val="000000"/>
                   </a:solidFill>
@@ -25891,7 +25891,7 @@
             </a:ln>
             <a:extLst>
               <a:ext uri="{91240B29-F687-4f45-9708-019B960494DF}">
-                <a14:hiddenLine xmlns="" xmlns:a16="http://schemas.microsoft.com/office/drawing/2014/main" xmlns:p14="http://schemas.microsoft.com/office/powerpoint/2010/main" xmlns:a14="http://schemas.microsoft.com/office/drawing/2010/main" w="9525">
+                <a14:hiddenLine xmlns:a14="http://schemas.microsoft.com/office/drawing/2010/main" xmlns:p14="http://schemas.microsoft.com/office/powerpoint/2010/main" xmlns:a16="http://schemas.microsoft.com/office/drawing/2014/main" xmlns="" w="9525">
                   <a:solidFill>
                     <a:srgbClr val="000000"/>
                   </a:solidFill>
@@ -25996,7 +25996,7 @@
             </a:ln>
             <a:extLst>
               <a:ext uri="{91240B29-F687-4f45-9708-019B960494DF}">
-                <a14:hiddenLine xmlns="" xmlns:a16="http://schemas.microsoft.com/office/drawing/2014/main" xmlns:p14="http://schemas.microsoft.com/office/powerpoint/2010/main" xmlns:a14="http://schemas.microsoft.com/office/drawing/2010/main" w="9525">
+                <a14:hiddenLine xmlns:a14="http://schemas.microsoft.com/office/drawing/2010/main" xmlns:p14="http://schemas.microsoft.com/office/powerpoint/2010/main" xmlns:a16="http://schemas.microsoft.com/office/drawing/2014/main" xmlns="" w="9525">
                   <a:solidFill>
                     <a:srgbClr val="000000"/>
                   </a:solidFill>
@@ -26101,7 +26101,7 @@
             </a:ln>
             <a:extLst>
               <a:ext uri="{91240B29-F687-4f45-9708-019B960494DF}">
-                <a14:hiddenLine xmlns="" xmlns:a16="http://schemas.microsoft.com/office/drawing/2014/main" xmlns:p14="http://schemas.microsoft.com/office/powerpoint/2010/main" xmlns:a14="http://schemas.microsoft.com/office/drawing/2010/main" w="9525">
+                <a14:hiddenLine xmlns:a14="http://schemas.microsoft.com/office/drawing/2010/main" xmlns:p14="http://schemas.microsoft.com/office/powerpoint/2010/main" xmlns:a16="http://schemas.microsoft.com/office/drawing/2014/main" xmlns="" w="9525">
                   <a:solidFill>
                     <a:srgbClr val="000000"/>
                   </a:solidFill>
@@ -26181,7 +26181,7 @@
             </a:ln>
             <a:extLst>
               <a:ext uri="{91240B29-F687-4f45-9708-019B960494DF}">
-                <a14:hiddenLine xmlns="" xmlns:a16="http://schemas.microsoft.com/office/drawing/2014/main" xmlns:p14="http://schemas.microsoft.com/office/powerpoint/2010/main" xmlns:a14="http://schemas.microsoft.com/office/drawing/2010/main" w="9525">
+                <a14:hiddenLine xmlns:a14="http://schemas.microsoft.com/office/drawing/2010/main" xmlns:p14="http://schemas.microsoft.com/office/powerpoint/2010/main" xmlns:a16="http://schemas.microsoft.com/office/drawing/2014/main" xmlns="" w="9525">
                   <a:solidFill>
                     <a:srgbClr val="000000"/>
                   </a:solidFill>
@@ -26316,7 +26316,7 @@
             </a:ln>
             <a:extLst>
               <a:ext uri="{91240B29-F687-4f45-9708-019B960494DF}">
-                <a14:hiddenLine xmlns="" xmlns:a16="http://schemas.microsoft.com/office/drawing/2014/main" xmlns:p14="http://schemas.microsoft.com/office/powerpoint/2010/main" xmlns:a14="http://schemas.microsoft.com/office/drawing/2010/main" w="9525">
+                <a14:hiddenLine xmlns:a14="http://schemas.microsoft.com/office/drawing/2010/main" xmlns:p14="http://schemas.microsoft.com/office/powerpoint/2010/main" xmlns:a16="http://schemas.microsoft.com/office/drawing/2014/main" xmlns="" w="9525">
                   <a:solidFill>
                     <a:srgbClr val="000000"/>
                   </a:solidFill>
@@ -27561,7 +27561,15 @@
             </a:pPr>
             <a:r>
               <a:rPr lang="en-US" dirty="0"/>
-              <a:t>Software testing plan is consisted from three phases:</a:t>
+              <a:t>Software testing plan is </a:t>
+            </a:r>
+            <a:r>
+              <a:rPr lang="en-US"/>
+              <a:t>consisted of two </a:t>
+            </a:r>
+            <a:r>
+              <a:rPr lang="en-US" dirty="0"/>
+              <a:t>phases:</a:t>
             </a:r>
           </a:p>
           <a:p>
@@ -30316,13 +30324,8 @@
           <a:p>
             <a:r>
               <a:rPr lang="en-US" dirty="0"/>
-              <a:t>The item tracker’s total cost for development is </a:t>
-            </a:r>
-            <a:r>
-              <a:rPr lang="en-US"/>
-              <a:t>$243.60</a:t>
-            </a:r>
-            <a:endParaRPr lang="en-US" dirty="0"/>
+              <a:t>The item tracker’s total cost for development is $243.60</a:t>
+            </a:r>
           </a:p>
           <a:p>
             <a:r>

--- a/Documentation/PDRFinal.pptx
+++ b/Documentation/PDRFinal.pptx
@@ -8,37 +8,38 @@
     <p:sldId id="256" r:id="rId2"/>
     <p:sldId id="266" r:id="rId3"/>
     <p:sldId id="267" r:id="rId4"/>
-    <p:sldId id="295" r:id="rId5"/>
-    <p:sldId id="296" r:id="rId6"/>
-    <p:sldId id="268" r:id="rId7"/>
-    <p:sldId id="273" r:id="rId8"/>
-    <p:sldId id="294" r:id="rId9"/>
-    <p:sldId id="257" r:id="rId10"/>
-    <p:sldId id="278" r:id="rId11"/>
-    <p:sldId id="283" r:id="rId12"/>
-    <p:sldId id="284" r:id="rId13"/>
-    <p:sldId id="286" r:id="rId14"/>
-    <p:sldId id="258" r:id="rId15"/>
-    <p:sldId id="298" r:id="rId16"/>
-    <p:sldId id="259" r:id="rId17"/>
-    <p:sldId id="297" r:id="rId18"/>
-    <p:sldId id="264" r:id="rId19"/>
-    <p:sldId id="269" r:id="rId20"/>
-    <p:sldId id="285" r:id="rId21"/>
-    <p:sldId id="303" r:id="rId22"/>
-    <p:sldId id="276" r:id="rId23"/>
-    <p:sldId id="287" r:id="rId24"/>
-    <p:sldId id="288" r:id="rId25"/>
-    <p:sldId id="290" r:id="rId26"/>
-    <p:sldId id="291" r:id="rId27"/>
-    <p:sldId id="280" r:id="rId28"/>
-    <p:sldId id="292" r:id="rId29"/>
-    <p:sldId id="277" r:id="rId30"/>
-    <p:sldId id="293" r:id="rId31"/>
-    <p:sldId id="270" r:id="rId32"/>
-    <p:sldId id="261" r:id="rId33"/>
-    <p:sldId id="274" r:id="rId34"/>
-    <p:sldId id="275" r:id="rId35"/>
+    <p:sldId id="304" r:id="rId5"/>
+    <p:sldId id="295" r:id="rId6"/>
+    <p:sldId id="296" r:id="rId7"/>
+    <p:sldId id="268" r:id="rId8"/>
+    <p:sldId id="273" r:id="rId9"/>
+    <p:sldId id="294" r:id="rId10"/>
+    <p:sldId id="257" r:id="rId11"/>
+    <p:sldId id="278" r:id="rId12"/>
+    <p:sldId id="283" r:id="rId13"/>
+    <p:sldId id="284" r:id="rId14"/>
+    <p:sldId id="276" r:id="rId15"/>
+    <p:sldId id="287" r:id="rId16"/>
+    <p:sldId id="288" r:id="rId17"/>
+    <p:sldId id="290" r:id="rId18"/>
+    <p:sldId id="286" r:id="rId19"/>
+    <p:sldId id="258" r:id="rId20"/>
+    <p:sldId id="297" r:id="rId21"/>
+    <p:sldId id="264" r:id="rId22"/>
+    <p:sldId id="270" r:id="rId23"/>
+    <p:sldId id="261" r:id="rId24"/>
+    <p:sldId id="298" r:id="rId25"/>
+    <p:sldId id="259" r:id="rId26"/>
+    <p:sldId id="269" r:id="rId27"/>
+    <p:sldId id="285" r:id="rId28"/>
+    <p:sldId id="303" r:id="rId29"/>
+    <p:sldId id="291" r:id="rId30"/>
+    <p:sldId id="280" r:id="rId31"/>
+    <p:sldId id="292" r:id="rId32"/>
+    <p:sldId id="277" r:id="rId33"/>
+    <p:sldId id="293" r:id="rId34"/>
+    <p:sldId id="274" r:id="rId35"/>
+    <p:sldId id="275" r:id="rId36"/>
   </p:sldIdLst>
   <p:sldSz cx="12192000" cy="6858000"/>
   <p:notesSz cx="6858000" cy="9144000"/>
@@ -14702,6 +14703,110 @@
           <p:cNvPr id="2" name="Title 1">
             <a:extLst>
               <a:ext uri="{FF2B5EF4-FFF2-40B4-BE49-F238E27FC236}">
+                <a16:creationId xmlns:a16="http://schemas.microsoft.com/office/drawing/2014/main" id="{ED1E436F-19B2-44F7-8FDC-D88BD0BB3C8D}"/>
+              </a:ext>
+            </a:extLst>
+          </p:cNvPr>
+          <p:cNvSpPr>
+            <a:spLocks noGrp="1"/>
+          </p:cNvSpPr>
+          <p:nvPr>
+            <p:ph type="title"/>
+          </p:nvPr>
+        </p:nvSpPr>
+        <p:spPr/>
+        <p:txBody>
+          <a:bodyPr/>
+          <a:lstStyle/>
+          <a:p>
+            <a:r>
+              <a:rPr lang="en-US" dirty="0"/>
+              <a:t>Description</a:t>
+            </a:r>
+          </a:p>
+        </p:txBody>
+      </p:sp>
+      <p:sp>
+        <p:nvSpPr>
+          <p:cNvPr id="3" name="Content Placeholder 2">
+            <a:extLst>
+              <a:ext uri="{FF2B5EF4-FFF2-40B4-BE49-F238E27FC236}">
+                <a16:creationId xmlns:a16="http://schemas.microsoft.com/office/drawing/2014/main" id="{3918430A-4685-4F45-A8F8-6E2ABA7DAF2A}"/>
+              </a:ext>
+            </a:extLst>
+          </p:cNvPr>
+          <p:cNvSpPr>
+            <a:spLocks noGrp="1"/>
+          </p:cNvSpPr>
+          <p:nvPr>
+            <p:ph idx="1"/>
+          </p:nvPr>
+        </p:nvSpPr>
+        <p:spPr/>
+        <p:txBody>
+          <a:bodyPr/>
+          <a:lstStyle/>
+          <a:p>
+            <a:r>
+              <a:rPr lang="en-US" dirty="0"/>
+              <a:t>The solution we as a group come up with is to create a tracker connected to an application that will be the user access way to the tracker. </a:t>
+            </a:r>
+          </a:p>
+          <a:p>
+            <a:r>
+              <a:rPr lang="en-US" dirty="0"/>
+              <a:t>The Tracker that can keep track of the location of objects. </a:t>
+            </a:r>
+          </a:p>
+          <a:p>
+            <a:r>
+              <a:rPr lang="en-US" dirty="0"/>
+              <a:t>The Tracker can be attached and removed from objects manually and without extra tools. </a:t>
+            </a:r>
+          </a:p>
+          <a:p>
+            <a:r>
+              <a:rPr lang="en-US" dirty="0"/>
+              <a:t>Tracker connects and syncs with application using Wi-Fi to interface with the user.</a:t>
+            </a:r>
+          </a:p>
+        </p:txBody>
+      </p:sp>
+    </p:spTree>
+    <p:extLst>
+      <p:ext uri="{BB962C8B-B14F-4D97-AF65-F5344CB8AC3E}">
+        <p14:creationId xmlns:p14="http://schemas.microsoft.com/office/powerpoint/2010/main" val="1915640530"/>
+      </p:ext>
+    </p:extLst>
+  </p:cSld>
+  <p:clrMapOvr>
+    <a:masterClrMapping/>
+  </p:clrMapOvr>
+</p:sld>
+</file>
+
+<file path=ppt/slides/slide11.xml><?xml version="1.0" encoding="utf-8"?>
+<p:sld xmlns:a="http://schemas.openxmlformats.org/drawingml/2006/main" xmlns:r="http://schemas.openxmlformats.org/officeDocument/2006/relationships" xmlns:p="http://schemas.openxmlformats.org/presentationml/2006/main">
+  <p:cSld>
+    <p:spTree>
+      <p:nvGrpSpPr>
+        <p:cNvPr id="1" name=""/>
+        <p:cNvGrpSpPr/>
+        <p:nvPr/>
+      </p:nvGrpSpPr>
+      <p:grpSpPr>
+        <a:xfrm>
+          <a:off x="0" y="0"/>
+          <a:ext cx="0" cy="0"/>
+          <a:chOff x="0" y="0"/>
+          <a:chExt cx="0" cy="0"/>
+        </a:xfrm>
+      </p:grpSpPr>
+      <p:sp>
+        <p:nvSpPr>
+          <p:cNvPr id="2" name="Title 1">
+            <a:extLst>
+              <a:ext uri="{FF2B5EF4-FFF2-40B4-BE49-F238E27FC236}">
                 <a16:creationId xmlns:a16="http://schemas.microsoft.com/office/drawing/2014/main" id="{887CE3AC-1F02-4AA8-9DA5-B608FB6339E3}"/>
               </a:ext>
             </a:extLst>
@@ -17211,7 +17316,7 @@
 </p:sld>
 </file>
 
-<file path=ppt/slides/slide11.xml><?xml version="1.0" encoding="utf-8"?>
+<file path=ppt/slides/slide12.xml><?xml version="1.0" encoding="utf-8"?>
 <p:sld xmlns:a="http://schemas.openxmlformats.org/drawingml/2006/main" xmlns:r="http://schemas.openxmlformats.org/officeDocument/2006/relationships" xmlns:p="http://schemas.openxmlformats.org/presentationml/2006/main">
   <p:cSld>
     <p:spTree>
@@ -18751,7 +18856,7 @@
 </p:sld>
 </file>
 
-<file path=ppt/slides/slide12.xml><?xml version="1.0" encoding="utf-8"?>
+<file path=ppt/slides/slide13.xml><?xml version="1.0" encoding="utf-8"?>
 <p:sld xmlns:a="http://schemas.openxmlformats.org/drawingml/2006/main" xmlns:r="http://schemas.openxmlformats.org/officeDocument/2006/relationships" xmlns:p="http://schemas.openxmlformats.org/presentationml/2006/main">
   <p:cSld>
     <p:spTree>
@@ -19730,7 +19835,755 @@
 </p:sld>
 </file>
 
-<file path=ppt/slides/slide13.xml><?xml version="1.0" encoding="utf-8"?>
+<file path=ppt/slides/slide14.xml><?xml version="1.0" encoding="utf-8"?>
+<p:sld xmlns:a="http://schemas.openxmlformats.org/drawingml/2006/main" xmlns:r="http://schemas.openxmlformats.org/officeDocument/2006/relationships" xmlns:p="http://schemas.openxmlformats.org/presentationml/2006/main">
+  <p:cSld>
+    <p:spTree>
+      <p:nvGrpSpPr>
+        <p:cNvPr id="1" name=""/>
+        <p:cNvGrpSpPr/>
+        <p:nvPr/>
+      </p:nvGrpSpPr>
+      <p:grpSpPr>
+        <a:xfrm>
+          <a:off x="0" y="0"/>
+          <a:ext cx="0" cy="0"/>
+          <a:chOff x="0" y="0"/>
+          <a:chExt cx="0" cy="0"/>
+        </a:xfrm>
+      </p:grpSpPr>
+      <p:sp>
+        <p:nvSpPr>
+          <p:cNvPr id="2" name="Title 1">
+            <a:extLst>
+              <a:ext uri="{FF2B5EF4-FFF2-40B4-BE49-F238E27FC236}">
+                <a16:creationId xmlns:a16="http://schemas.microsoft.com/office/drawing/2014/main" id="{9785B1D0-C9EE-4269-80E7-E1466F1D1D53}"/>
+              </a:ext>
+            </a:extLst>
+          </p:cNvPr>
+          <p:cNvSpPr>
+            <a:spLocks noGrp="1"/>
+          </p:cNvSpPr>
+          <p:nvPr>
+            <p:ph type="title"/>
+          </p:nvPr>
+        </p:nvSpPr>
+        <p:spPr>
+          <a:xfrm>
+            <a:off x="1141413" y="618518"/>
+            <a:ext cx="9905998" cy="1478570"/>
+          </a:xfrm>
+        </p:spPr>
+        <p:txBody>
+          <a:bodyPr/>
+          <a:lstStyle/>
+          <a:p>
+            <a:r>
+              <a:rPr lang="en-US"/>
+              <a:t>Timeline</a:t>
+            </a:r>
+            <a:endParaRPr lang="en-US" dirty="0"/>
+          </a:p>
+        </p:txBody>
+      </p:sp>
+      <p:pic>
+        <p:nvPicPr>
+          <p:cNvPr id="11" name="Content Placeholder 10" descr="A screenshot of a social media post&#10;&#10;Description generated with very high confidence">
+            <a:extLst>
+              <a:ext uri="{FF2B5EF4-FFF2-40B4-BE49-F238E27FC236}">
+                <a16:creationId xmlns:a16="http://schemas.microsoft.com/office/drawing/2014/main" id="{3D249A1F-78E7-4F2D-9CA8-ACFAA65A42C3}"/>
+              </a:ext>
+            </a:extLst>
+          </p:cNvPr>
+          <p:cNvPicPr>
+            <a:picLocks noGrp="1" noChangeAspect="1"/>
+          </p:cNvPicPr>
+          <p:nvPr>
+            <p:ph idx="1"/>
+          </p:nvPr>
+        </p:nvPicPr>
+        <p:blipFill>
+          <a:blip r:embed="rId2"/>
+          <a:stretch>
+            <a:fillRect/>
+          </a:stretch>
+        </p:blipFill>
+        <p:spPr>
+          <a:xfrm>
+            <a:off x="148182" y="1670158"/>
+            <a:ext cx="11941037" cy="2398961"/>
+          </a:xfrm>
+        </p:spPr>
+      </p:pic>
+      <p:pic>
+        <p:nvPicPr>
+          <p:cNvPr id="13" name="Picture 12" descr="A screenshot of a cell phone&#10;&#10;Description generated with high confidence">
+            <a:extLst>
+              <a:ext uri="{FF2B5EF4-FFF2-40B4-BE49-F238E27FC236}">
+                <a16:creationId xmlns:a16="http://schemas.microsoft.com/office/drawing/2014/main" id="{BD4FFA0A-59CE-4655-82ED-F8FB9A6895F1}"/>
+              </a:ext>
+            </a:extLst>
+          </p:cNvPr>
+          <p:cNvPicPr>
+            <a:picLocks noChangeAspect="1"/>
+          </p:cNvPicPr>
+          <p:nvPr/>
+        </p:nvPicPr>
+        <p:blipFill>
+          <a:blip r:embed="rId3"/>
+          <a:stretch>
+            <a:fillRect/>
+          </a:stretch>
+        </p:blipFill>
+        <p:spPr>
+          <a:xfrm>
+            <a:off x="148183" y="4178908"/>
+            <a:ext cx="11941036" cy="2398961"/>
+          </a:xfrm>
+          <a:prstGeom prst="rect">
+            <a:avLst/>
+          </a:prstGeom>
+        </p:spPr>
+      </p:pic>
+    </p:spTree>
+    <p:extLst>
+      <p:ext uri="{BB962C8B-B14F-4D97-AF65-F5344CB8AC3E}">
+        <p14:creationId xmlns:p14="http://schemas.microsoft.com/office/powerpoint/2010/main" val="4205169198"/>
+      </p:ext>
+    </p:extLst>
+  </p:cSld>
+  <p:clrMapOvr>
+    <a:masterClrMapping/>
+  </p:clrMapOvr>
+</p:sld>
+</file>
+
+<file path=ppt/slides/slide15.xml><?xml version="1.0" encoding="utf-8"?>
+<p:sld xmlns:a="http://schemas.openxmlformats.org/drawingml/2006/main" xmlns:r="http://schemas.openxmlformats.org/officeDocument/2006/relationships" xmlns:p="http://schemas.openxmlformats.org/presentationml/2006/main">
+  <p:cSld>
+    <p:spTree>
+      <p:nvGrpSpPr>
+        <p:cNvPr id="1" name=""/>
+        <p:cNvGrpSpPr/>
+        <p:nvPr/>
+      </p:nvGrpSpPr>
+      <p:grpSpPr>
+        <a:xfrm>
+          <a:off x="0" y="0"/>
+          <a:ext cx="0" cy="0"/>
+          <a:chOff x="0" y="0"/>
+          <a:chExt cx="0" cy="0"/>
+        </a:xfrm>
+      </p:grpSpPr>
+      <p:sp>
+        <p:nvSpPr>
+          <p:cNvPr id="2" name="Title 1">
+            <a:extLst>
+              <a:ext uri="{FF2B5EF4-FFF2-40B4-BE49-F238E27FC236}">
+                <a16:creationId xmlns:a16="http://schemas.microsoft.com/office/drawing/2014/main" id="{1D2AEB7B-9AAE-4221-BACB-79C643D5BE2B}"/>
+              </a:ext>
+            </a:extLst>
+          </p:cNvPr>
+          <p:cNvSpPr>
+            <a:spLocks noGrp="1"/>
+          </p:cNvSpPr>
+          <p:nvPr>
+            <p:ph type="title"/>
+          </p:nvPr>
+        </p:nvSpPr>
+        <p:spPr/>
+        <p:txBody>
+          <a:bodyPr/>
+          <a:lstStyle/>
+          <a:p>
+            <a:r>
+              <a:rPr lang="en-US" dirty="0"/>
+              <a:t>Milestones </a:t>
+            </a:r>
+          </a:p>
+        </p:txBody>
+      </p:sp>
+      <p:sp>
+        <p:nvSpPr>
+          <p:cNvPr id="3" name="Content Placeholder 2">
+            <a:extLst>
+              <a:ext uri="{FF2B5EF4-FFF2-40B4-BE49-F238E27FC236}">
+                <a16:creationId xmlns:a16="http://schemas.microsoft.com/office/drawing/2014/main" id="{7A1D9A6C-3AEA-4A28-A831-DF198919EC30}"/>
+              </a:ext>
+            </a:extLst>
+          </p:cNvPr>
+          <p:cNvSpPr>
+            <a:spLocks noGrp="1"/>
+          </p:cNvSpPr>
+          <p:nvPr>
+            <p:ph sz="half" idx="1"/>
+          </p:nvPr>
+        </p:nvSpPr>
+        <p:spPr/>
+        <p:txBody>
+          <a:bodyPr>
+            <a:normAutofit fontScale="55000" lnSpcReduction="20000"/>
+          </a:bodyPr>
+          <a:lstStyle/>
+          <a:p>
+            <a:pPr marL="0" indent="0">
+              <a:buNone/>
+            </a:pPr>
+            <a:r>
+              <a:rPr lang="en-US" dirty="0"/>
+              <a:t> - Week 1 – Week 4: </a:t>
+            </a:r>
+          </a:p>
+          <a:p>
+            <a:pPr marL="0" indent="0">
+              <a:buNone/>
+            </a:pPr>
+            <a:r>
+              <a:rPr lang="en-US" dirty="0"/>
+              <a:t>    - Review the document and check the parts.</a:t>
+            </a:r>
+          </a:p>
+          <a:p>
+            <a:pPr marL="0" indent="0">
+              <a:buNone/>
+            </a:pPr>
+            <a:r>
+              <a:rPr lang="en-US" dirty="0"/>
+              <a:t>    - Development of database.</a:t>
+            </a:r>
+          </a:p>
+          <a:p>
+            <a:pPr marL="0" indent="0">
+              <a:buNone/>
+            </a:pPr>
+            <a:r>
+              <a:rPr lang="en-US" dirty="0"/>
+              <a:t>    - GUI development.</a:t>
+            </a:r>
+          </a:p>
+          <a:p>
+            <a:pPr marL="0" indent="0">
+              <a:buNone/>
+            </a:pPr>
+            <a:r>
+              <a:rPr lang="en-US" dirty="0"/>
+              <a:t>    - Hardware Interface development.</a:t>
+            </a:r>
+          </a:p>
+          <a:p>
+            <a:pPr marL="0" indent="0">
+              <a:buNone/>
+            </a:pPr>
+            <a:r>
+              <a:rPr lang="en-US" dirty="0"/>
+              <a:t>    - Firebase, GUI unit, and Hardware Interface testing. </a:t>
+            </a:r>
+          </a:p>
+          <a:p>
+            <a:endParaRPr lang="en-US" dirty="0"/>
+          </a:p>
+        </p:txBody>
+      </p:sp>
+      <p:sp>
+        <p:nvSpPr>
+          <p:cNvPr id="4" name="Content Placeholder 3">
+            <a:extLst>
+              <a:ext uri="{FF2B5EF4-FFF2-40B4-BE49-F238E27FC236}">
+                <a16:creationId xmlns:a16="http://schemas.microsoft.com/office/drawing/2014/main" id="{35E48418-F1CC-47B3-A086-249F1116D3D8}"/>
+              </a:ext>
+            </a:extLst>
+          </p:cNvPr>
+          <p:cNvSpPr>
+            <a:spLocks noGrp="1"/>
+          </p:cNvSpPr>
+          <p:nvPr>
+            <p:ph sz="half" idx="2"/>
+          </p:nvPr>
+        </p:nvSpPr>
+        <p:spPr/>
+        <p:txBody>
+          <a:bodyPr>
+            <a:normAutofit fontScale="55000" lnSpcReduction="20000"/>
+          </a:bodyPr>
+          <a:lstStyle/>
+          <a:p>
+            <a:pPr marL="0" indent="0">
+              <a:buNone/>
+            </a:pPr>
+            <a:r>
+              <a:rPr lang="en-US" dirty="0"/>
+              <a:t>- Week 5 – Week 8</a:t>
+            </a:r>
+            <a:endParaRPr lang="en-US" sz="2200" dirty="0"/>
+          </a:p>
+          <a:p>
+            <a:pPr marL="0" indent="0">
+              <a:buNone/>
+            </a:pPr>
+            <a:r>
+              <a:rPr lang="en-US" dirty="0"/>
+              <a:t>        - Hardware prototyping.</a:t>
+            </a:r>
+          </a:p>
+          <a:p>
+            <a:pPr marL="0" indent="0">
+              <a:buNone/>
+            </a:pPr>
+            <a:r>
+              <a:rPr lang="en-US" dirty="0"/>
+              <a:t>        - Background services development.</a:t>
+            </a:r>
+          </a:p>
+          <a:p>
+            <a:pPr marL="0" indent="0">
+              <a:buNone/>
+            </a:pPr>
+            <a:r>
+              <a:rPr lang="en-US" dirty="0"/>
+              <a:t>        - Hardware interface integration (cont.)</a:t>
+            </a:r>
+          </a:p>
+          <a:p>
+            <a:pPr marL="0" indent="0">
+              <a:buNone/>
+            </a:pPr>
+            <a:r>
+              <a:rPr lang="en-US" dirty="0"/>
+              <a:t>        - Firebase Integration.</a:t>
+            </a:r>
+          </a:p>
+          <a:p>
+            <a:pPr marL="0" indent="0">
+              <a:buNone/>
+            </a:pPr>
+            <a:r>
+              <a:rPr lang="en-US" dirty="0"/>
+              <a:t>        - Location Service Integration.</a:t>
+            </a:r>
+          </a:p>
+          <a:p>
+            <a:pPr marL="0" indent="0">
+              <a:buNone/>
+            </a:pPr>
+            <a:r>
+              <a:rPr lang="en-US" dirty="0"/>
+              <a:t>        - Background Service Unit testing.</a:t>
+            </a:r>
+          </a:p>
+          <a:p>
+            <a:pPr marL="0" indent="0">
+              <a:buNone/>
+            </a:pPr>
+            <a:r>
+              <a:rPr lang="en-US" dirty="0"/>
+              <a:t>        - Hardware Integration testing.</a:t>
+            </a:r>
+          </a:p>
+          <a:p>
+            <a:pPr marL="0" indent="0">
+              <a:buNone/>
+            </a:pPr>
+            <a:r>
+              <a:rPr lang="en-US" dirty="0"/>
+              <a:t>        - Connectivity testing.</a:t>
+            </a:r>
+          </a:p>
+          <a:p>
+            <a:pPr marL="0" indent="0">
+              <a:buNone/>
+            </a:pPr>
+            <a:r>
+              <a:rPr lang="en-US" dirty="0"/>
+              <a:t>        - Location service testing. </a:t>
+            </a:r>
+          </a:p>
+          <a:p>
+            <a:pPr marL="0" indent="0">
+              <a:buNone/>
+            </a:pPr>
+            <a:r>
+              <a:rPr lang="en-US" dirty="0"/>
+              <a:t>    </a:t>
+            </a:r>
+          </a:p>
+        </p:txBody>
+      </p:sp>
+    </p:spTree>
+    <p:extLst>
+      <p:ext uri="{BB962C8B-B14F-4D97-AF65-F5344CB8AC3E}">
+        <p14:creationId xmlns:p14="http://schemas.microsoft.com/office/powerpoint/2010/main" val="1244578476"/>
+      </p:ext>
+    </p:extLst>
+  </p:cSld>
+  <p:clrMapOvr>
+    <a:masterClrMapping/>
+  </p:clrMapOvr>
+</p:sld>
+</file>
+
+<file path=ppt/slides/slide16.xml><?xml version="1.0" encoding="utf-8"?>
+<p:sld xmlns:a="http://schemas.openxmlformats.org/drawingml/2006/main" xmlns:r="http://schemas.openxmlformats.org/officeDocument/2006/relationships" xmlns:p="http://schemas.openxmlformats.org/presentationml/2006/main">
+  <p:cSld>
+    <p:spTree>
+      <p:nvGrpSpPr>
+        <p:cNvPr id="1" name=""/>
+        <p:cNvGrpSpPr/>
+        <p:nvPr/>
+      </p:nvGrpSpPr>
+      <p:grpSpPr>
+        <a:xfrm>
+          <a:off x="0" y="0"/>
+          <a:ext cx="0" cy="0"/>
+          <a:chOff x="0" y="0"/>
+          <a:chExt cx="0" cy="0"/>
+        </a:xfrm>
+      </p:grpSpPr>
+      <p:sp>
+        <p:nvSpPr>
+          <p:cNvPr id="2" name="Title 1">
+            <a:extLst>
+              <a:ext uri="{FF2B5EF4-FFF2-40B4-BE49-F238E27FC236}">
+                <a16:creationId xmlns:a16="http://schemas.microsoft.com/office/drawing/2014/main" id="{456DCC15-B37F-406E-92EC-817BEC3DF91C}"/>
+              </a:ext>
+            </a:extLst>
+          </p:cNvPr>
+          <p:cNvSpPr>
+            <a:spLocks noGrp="1"/>
+          </p:cNvSpPr>
+          <p:nvPr>
+            <p:ph type="title"/>
+          </p:nvPr>
+        </p:nvSpPr>
+        <p:spPr/>
+        <p:txBody>
+          <a:bodyPr/>
+          <a:lstStyle/>
+          <a:p>
+            <a:r>
+              <a:rPr lang="en-US" dirty="0"/>
+              <a:t>Milestones</a:t>
+            </a:r>
+          </a:p>
+        </p:txBody>
+      </p:sp>
+      <p:sp>
+        <p:nvSpPr>
+          <p:cNvPr id="3" name="Text Placeholder 2">
+            <a:extLst>
+              <a:ext uri="{FF2B5EF4-FFF2-40B4-BE49-F238E27FC236}">
+                <a16:creationId xmlns:a16="http://schemas.microsoft.com/office/drawing/2014/main" id="{1AA61460-0179-44C3-ABE1-AFF23E41DDA5}"/>
+              </a:ext>
+            </a:extLst>
+          </p:cNvPr>
+          <p:cNvSpPr>
+            <a:spLocks noGrp="1"/>
+          </p:cNvSpPr>
+          <p:nvPr>
+            <p:ph type="body" idx="1"/>
+          </p:nvPr>
+        </p:nvSpPr>
+        <p:spPr/>
+        <p:txBody>
+          <a:bodyPr/>
+          <a:lstStyle/>
+          <a:p>
+            <a:r>
+              <a:rPr lang="en-US" dirty="0"/>
+              <a:t>Week 9 – week 12</a:t>
+            </a:r>
+          </a:p>
+        </p:txBody>
+      </p:sp>
+      <p:sp>
+        <p:nvSpPr>
+          <p:cNvPr id="4" name="Content Placeholder 3">
+            <a:extLst>
+              <a:ext uri="{FF2B5EF4-FFF2-40B4-BE49-F238E27FC236}">
+                <a16:creationId xmlns:a16="http://schemas.microsoft.com/office/drawing/2014/main" id="{57AE4E64-FB25-4605-A94C-FEBC46110BEC}"/>
+              </a:ext>
+            </a:extLst>
+          </p:cNvPr>
+          <p:cNvSpPr>
+            <a:spLocks noGrp="1"/>
+          </p:cNvSpPr>
+          <p:nvPr>
+            <p:ph sz="half" idx="2"/>
+          </p:nvPr>
+        </p:nvSpPr>
+        <p:spPr/>
+        <p:txBody>
+          <a:bodyPr>
+            <a:normAutofit fontScale="77500" lnSpcReduction="20000"/>
+          </a:bodyPr>
+          <a:lstStyle/>
+          <a:p>
+            <a:pPr marL="0" indent="0">
+              <a:buNone/>
+            </a:pPr>
+            <a:r>
+              <a:rPr lang="en-US" sz="1800" dirty="0"/>
+              <a:t>-  Background service Unit testing (cont.)</a:t>
+            </a:r>
+          </a:p>
+          <a:p>
+            <a:pPr>
+              <a:buFontTx/>
+              <a:buChar char="-"/>
+            </a:pPr>
+            <a:r>
+              <a:rPr lang="en-US" sz="1800" dirty="0"/>
+              <a:t>Hardware Integration Testing (done in Week 9)</a:t>
+            </a:r>
+          </a:p>
+          <a:p>
+            <a:pPr>
+              <a:buFontTx/>
+              <a:buChar char="-"/>
+            </a:pPr>
+            <a:r>
+              <a:rPr lang="en-US" sz="1800" dirty="0"/>
+              <a:t>Connectivity Testing (Done in week 9)</a:t>
+            </a:r>
+          </a:p>
+          <a:p>
+            <a:pPr>
+              <a:buFontTx/>
+              <a:buChar char="-"/>
+            </a:pPr>
+            <a:r>
+              <a:rPr lang="en-US" sz="1800" dirty="0"/>
+              <a:t>Location Service Testing. </a:t>
+            </a:r>
+          </a:p>
+          <a:p>
+            <a:pPr>
+              <a:buFontTx/>
+              <a:buChar char="-"/>
+            </a:pPr>
+            <a:r>
+              <a:rPr lang="en-US" sz="1800" dirty="0"/>
+              <a:t>Alpha testing.</a:t>
+            </a:r>
+          </a:p>
+          <a:p>
+            <a:pPr>
+              <a:buFontTx/>
+              <a:buChar char="-"/>
+            </a:pPr>
+            <a:endParaRPr lang="en-US" sz="1800" dirty="0"/>
+          </a:p>
+          <a:p>
+            <a:pPr>
+              <a:buFontTx/>
+              <a:buChar char="-"/>
+            </a:pPr>
+            <a:endParaRPr lang="en-US" sz="1800" dirty="0"/>
+          </a:p>
+          <a:p>
+            <a:pPr marL="0" indent="0">
+              <a:buNone/>
+            </a:pPr>
+            <a:r>
+              <a:rPr lang="en-US" sz="1800" dirty="0"/>
+              <a:t>    </a:t>
+            </a:r>
+          </a:p>
+        </p:txBody>
+      </p:sp>
+      <p:sp>
+        <p:nvSpPr>
+          <p:cNvPr id="5" name="Text Placeholder 4">
+            <a:extLst>
+              <a:ext uri="{FF2B5EF4-FFF2-40B4-BE49-F238E27FC236}">
+                <a16:creationId xmlns:a16="http://schemas.microsoft.com/office/drawing/2014/main" id="{6A0A1006-0C2A-4088-926D-3A6277795B6D}"/>
+              </a:ext>
+            </a:extLst>
+          </p:cNvPr>
+          <p:cNvSpPr>
+            <a:spLocks noGrp="1"/>
+          </p:cNvSpPr>
+          <p:nvPr>
+            <p:ph type="body" sz="quarter" idx="3"/>
+          </p:nvPr>
+        </p:nvSpPr>
+        <p:spPr/>
+        <p:txBody>
+          <a:bodyPr/>
+          <a:lstStyle/>
+          <a:p>
+            <a:r>
+              <a:rPr lang="en-US" dirty="0"/>
+              <a:t>Week 13 – Week 16</a:t>
+            </a:r>
+          </a:p>
+        </p:txBody>
+      </p:sp>
+      <p:sp>
+        <p:nvSpPr>
+          <p:cNvPr id="6" name="Content Placeholder 5">
+            <a:extLst>
+              <a:ext uri="{FF2B5EF4-FFF2-40B4-BE49-F238E27FC236}">
+                <a16:creationId xmlns:a16="http://schemas.microsoft.com/office/drawing/2014/main" id="{5ACD4AA4-EE1D-4E2B-BCBA-27F470C94301}"/>
+              </a:ext>
+            </a:extLst>
+          </p:cNvPr>
+          <p:cNvSpPr>
+            <a:spLocks noGrp="1"/>
+          </p:cNvSpPr>
+          <p:nvPr>
+            <p:ph sz="quarter" idx="4"/>
+          </p:nvPr>
+        </p:nvSpPr>
+        <p:spPr/>
+        <p:txBody>
+          <a:bodyPr>
+            <a:normAutofit fontScale="77500" lnSpcReduction="20000"/>
+          </a:bodyPr>
+          <a:lstStyle/>
+          <a:p>
+            <a:pPr marL="0" indent="0">
+              <a:buNone/>
+            </a:pPr>
+            <a:r>
+              <a:rPr lang="en-US" dirty="0"/>
+              <a:t>- Beta testing.</a:t>
+            </a:r>
+          </a:p>
+          <a:p>
+            <a:pPr marL="0" indent="0">
+              <a:buNone/>
+            </a:pPr>
+            <a:r>
+              <a:rPr lang="en-US" dirty="0"/>
+              <a:t>- Finalize for release.</a:t>
+            </a:r>
+          </a:p>
+        </p:txBody>
+      </p:sp>
+    </p:spTree>
+    <p:extLst>
+      <p:ext uri="{BB962C8B-B14F-4D97-AF65-F5344CB8AC3E}">
+        <p14:creationId xmlns:p14="http://schemas.microsoft.com/office/powerpoint/2010/main" val="260105305"/>
+      </p:ext>
+    </p:extLst>
+  </p:cSld>
+  <p:clrMapOvr>
+    <a:masterClrMapping/>
+  </p:clrMapOvr>
+</p:sld>
+</file>
+
+<file path=ppt/slides/slide17.xml><?xml version="1.0" encoding="utf-8"?>
+<p:sld xmlns:a="http://schemas.openxmlformats.org/drawingml/2006/main" xmlns:r="http://schemas.openxmlformats.org/officeDocument/2006/relationships" xmlns:p="http://schemas.openxmlformats.org/presentationml/2006/main">
+  <p:cSld>
+    <p:spTree>
+      <p:nvGrpSpPr>
+        <p:cNvPr id="1" name=""/>
+        <p:cNvGrpSpPr/>
+        <p:nvPr/>
+      </p:nvGrpSpPr>
+      <p:grpSpPr>
+        <a:xfrm>
+          <a:off x="0" y="0"/>
+          <a:ext cx="0" cy="0"/>
+          <a:chOff x="0" y="0"/>
+          <a:chExt cx="0" cy="0"/>
+        </a:xfrm>
+      </p:grpSpPr>
+      <p:sp>
+        <p:nvSpPr>
+          <p:cNvPr id="2" name="Title 1">
+            <a:extLst>
+              <a:ext uri="{FF2B5EF4-FFF2-40B4-BE49-F238E27FC236}">
+                <a16:creationId xmlns:a16="http://schemas.microsoft.com/office/drawing/2014/main" id="{D17F8EA8-CCE9-446B-B1F5-58E0E3EA25BA}"/>
+              </a:ext>
+            </a:extLst>
+          </p:cNvPr>
+          <p:cNvSpPr>
+            <a:spLocks noGrp="1"/>
+          </p:cNvSpPr>
+          <p:nvPr>
+            <p:ph type="title"/>
+          </p:nvPr>
+        </p:nvSpPr>
+        <p:spPr/>
+        <p:txBody>
+          <a:bodyPr/>
+          <a:lstStyle/>
+          <a:p>
+            <a:r>
+              <a:rPr lang="en-US" dirty="0"/>
+              <a:t>Schedule Risks</a:t>
+            </a:r>
+          </a:p>
+        </p:txBody>
+      </p:sp>
+      <p:sp>
+        <p:nvSpPr>
+          <p:cNvPr id="3" name="Content Placeholder 2">
+            <a:extLst>
+              <a:ext uri="{FF2B5EF4-FFF2-40B4-BE49-F238E27FC236}">
+                <a16:creationId xmlns:a16="http://schemas.microsoft.com/office/drawing/2014/main" id="{A97F6D80-3EB0-4180-86D2-8404FF54B491}"/>
+              </a:ext>
+            </a:extLst>
+          </p:cNvPr>
+          <p:cNvSpPr>
+            <a:spLocks noGrp="1"/>
+          </p:cNvSpPr>
+          <p:nvPr>
+            <p:ph idx="1"/>
+          </p:nvPr>
+        </p:nvSpPr>
+        <p:spPr/>
+        <p:txBody>
+          <a:bodyPr/>
+          <a:lstStyle/>
+          <a:p>
+            <a:r>
+              <a:rPr lang="en-US" dirty="0"/>
+              <a:t>Development </a:t>
+            </a:r>
+          </a:p>
+          <a:p>
+            <a:r>
+              <a:rPr lang="en-US" dirty="0"/>
+              <a:t>Creation of the mobile application might take longer than anticipated</a:t>
+            </a:r>
+          </a:p>
+          <a:p>
+            <a:r>
+              <a:rPr lang="en-US" dirty="0"/>
+              <a:t>Equipment shipment may be delayed to factors outside our control</a:t>
+            </a:r>
+          </a:p>
+          <a:p>
+            <a:r>
+              <a:rPr lang="en-US" dirty="0"/>
+              <a:t>Utilizing WPS may take time to fully understand</a:t>
+            </a:r>
+          </a:p>
+          <a:p>
+            <a:r>
+              <a:rPr lang="en-US" dirty="0"/>
+              <a:t>Creation of the physical Item Tracker may take a while</a:t>
+            </a:r>
+          </a:p>
+        </p:txBody>
+      </p:sp>
+    </p:spTree>
+    <p:extLst>
+      <p:ext uri="{BB962C8B-B14F-4D97-AF65-F5344CB8AC3E}">
+        <p14:creationId xmlns:p14="http://schemas.microsoft.com/office/powerpoint/2010/main" val="3725859352"/>
+      </p:ext>
+    </p:extLst>
+  </p:cSld>
+  <p:clrMapOvr>
+    <a:masterClrMapping/>
+  </p:clrMapOvr>
+</p:sld>
+</file>
+
+<file path=ppt/slides/slide18.xml><?xml version="1.0" encoding="utf-8"?>
 <p:sld xmlns:a="http://schemas.openxmlformats.org/drawingml/2006/main" xmlns:r="http://schemas.openxmlformats.org/officeDocument/2006/relationships" xmlns:p="http://schemas.openxmlformats.org/presentationml/2006/main">
   <p:cSld>
     <p:spTree>
@@ -20014,7 +20867,7 @@
 </p:sld>
 </file>
 
-<file path=ppt/slides/slide14.xml><?xml version="1.0" encoding="utf-8"?>
+<file path=ppt/slides/slide19.xml><?xml version="1.0" encoding="utf-8"?>
 <p:sld xmlns:a="http://schemas.openxmlformats.org/drawingml/2006/main" xmlns:r="http://schemas.openxmlformats.org/officeDocument/2006/relationships" xmlns:p="http://schemas.openxmlformats.org/presentationml/2006/main">
   <p:cSld>
     <p:spTree>
@@ -20163,7 +21016,7 @@
 </p:sld>
 </file>
 
-<file path=ppt/slides/slide15.xml><?xml version="1.0" encoding="utf-8"?>
+<file path=ppt/slides/slide2.xml><?xml version="1.0" encoding="utf-8"?>
 <p:sld xmlns:a="http://schemas.openxmlformats.org/drawingml/2006/main" xmlns:r="http://schemas.openxmlformats.org/officeDocument/2006/relationships" xmlns:p="http://schemas.openxmlformats.org/presentationml/2006/main">
   <p:cSld>
     <p:spTree>
@@ -20185,7 +21038,7 @@
           <p:cNvPr id="2" name="Title 1">
             <a:extLst>
               <a:ext uri="{FF2B5EF4-FFF2-40B4-BE49-F238E27FC236}">
-                <a16:creationId xmlns:a16="http://schemas.microsoft.com/office/drawing/2014/main" id="{2E34C17D-D8FB-4110-86A4-AFE9640AC55C}"/>
+                <a16:creationId xmlns:a16="http://schemas.microsoft.com/office/drawing/2014/main" id="{AA5FB958-E8E9-449D-A829-5D90DDCA1ACA}"/>
               </a:ext>
             </a:extLst>
           </p:cNvPr>
@@ -20203,229 +21056,7 @@
           <a:p>
             <a:r>
               <a:rPr lang="en-US" dirty="0"/>
-              <a:t>Software Tradeoffs</a:t>
-            </a:r>
-          </a:p>
-        </p:txBody>
-      </p:sp>
-      <p:sp>
-        <p:nvSpPr>
-          <p:cNvPr id="4" name="Content Placeholder 3">
-            <a:extLst>
-              <a:ext uri="{FF2B5EF4-FFF2-40B4-BE49-F238E27FC236}">
-                <a16:creationId xmlns:a16="http://schemas.microsoft.com/office/drawing/2014/main" id="{8A3C8C03-558D-4DD3-8801-92D0092B1FA1}"/>
-              </a:ext>
-            </a:extLst>
-          </p:cNvPr>
-          <p:cNvSpPr>
-            <a:spLocks noGrp="1"/>
-          </p:cNvSpPr>
-          <p:nvPr>
-            <p:ph sz="half" idx="1"/>
-          </p:nvPr>
-        </p:nvSpPr>
-        <p:spPr/>
-        <p:txBody>
-          <a:bodyPr>
-            <a:normAutofit lnSpcReduction="10000"/>
-          </a:bodyPr>
-          <a:lstStyle/>
-          <a:p>
-            <a:r>
-              <a:rPr lang="en-US" dirty="0"/>
-              <a:t>Delivery Platform</a:t>
-            </a:r>
-          </a:p>
-          <a:p>
-            <a:pPr lvl="1"/>
-            <a:r>
-              <a:rPr lang="en-US" dirty="0"/>
-              <a:t>Local to Smart Device</a:t>
-            </a:r>
-          </a:p>
-          <a:p>
-            <a:pPr lvl="1"/>
-            <a:r>
-              <a:rPr lang="en-US" dirty="0"/>
-              <a:t>Remote Server</a:t>
-            </a:r>
-          </a:p>
-          <a:p>
-            <a:r>
-              <a:rPr lang="en-US" dirty="0"/>
-              <a:t>Database Language</a:t>
-            </a:r>
-          </a:p>
-          <a:p>
-            <a:pPr lvl="1"/>
-            <a:r>
-              <a:rPr lang="en-US" dirty="0"/>
-              <a:t>Postgres</a:t>
-            </a:r>
-          </a:p>
-          <a:p>
-            <a:pPr lvl="1"/>
-            <a:r>
-              <a:rPr lang="en-US" dirty="0"/>
-              <a:t>SQL</a:t>
-            </a:r>
-          </a:p>
-          <a:p>
-            <a:pPr lvl="1"/>
-            <a:r>
-              <a:rPr lang="en-US" dirty="0"/>
-              <a:t>Room</a:t>
-            </a:r>
-          </a:p>
-          <a:p>
-            <a:pPr lvl="1"/>
-            <a:r>
-              <a:rPr lang="en-US" dirty="0"/>
-              <a:t>Firebase</a:t>
-            </a:r>
-          </a:p>
-        </p:txBody>
-      </p:sp>
-      <p:sp>
-        <p:nvSpPr>
-          <p:cNvPr id="5" name="Content Placeholder 4">
-            <a:extLst>
-              <a:ext uri="{FF2B5EF4-FFF2-40B4-BE49-F238E27FC236}">
-                <a16:creationId xmlns:a16="http://schemas.microsoft.com/office/drawing/2014/main" id="{67265BE7-A945-4D21-81EC-EA1170DB5385}"/>
-              </a:ext>
-            </a:extLst>
-          </p:cNvPr>
-          <p:cNvSpPr>
-            <a:spLocks noGrp="1"/>
-          </p:cNvSpPr>
-          <p:nvPr>
-            <p:ph sz="half" idx="2"/>
-          </p:nvPr>
-        </p:nvSpPr>
-        <p:spPr/>
-        <p:txBody>
-          <a:bodyPr>
-            <a:normAutofit lnSpcReduction="10000"/>
-          </a:bodyPr>
-          <a:lstStyle/>
-          <a:p>
-            <a:r>
-              <a:rPr lang="en-US" dirty="0"/>
-              <a:t>Background Services API</a:t>
-            </a:r>
-          </a:p>
-          <a:p>
-            <a:pPr lvl="1"/>
-            <a:r>
-              <a:rPr lang="en-US" dirty="0"/>
-              <a:t>Celery[</a:t>
-            </a:r>
-            <a:r>
-              <a:rPr lang="en-US" dirty="0" err="1"/>
-              <a:t>Redis</a:t>
-            </a:r>
-            <a:r>
-              <a:rPr lang="en-US" dirty="0"/>
-              <a:t>]</a:t>
-            </a:r>
-          </a:p>
-          <a:p>
-            <a:pPr lvl="1"/>
-            <a:r>
-              <a:rPr lang="en-US" dirty="0"/>
-              <a:t>Lettuce[Dory]</a:t>
-            </a:r>
-          </a:p>
-          <a:p>
-            <a:pPr lvl="1"/>
-            <a:r>
-              <a:rPr lang="en-US" dirty="0"/>
-              <a:t>Firebase</a:t>
-            </a:r>
-          </a:p>
-          <a:p>
-            <a:r>
-              <a:rPr lang="en-US" dirty="0"/>
-              <a:t>OS API</a:t>
-            </a:r>
-          </a:p>
-          <a:p>
-            <a:pPr lvl="1"/>
-            <a:r>
-              <a:rPr lang="en-US" dirty="0"/>
-              <a:t>Kotlin</a:t>
-            </a:r>
-          </a:p>
-          <a:p>
-            <a:pPr lvl="1"/>
-            <a:r>
-              <a:rPr lang="en-US" dirty="0"/>
-              <a:t>Java</a:t>
-            </a:r>
-          </a:p>
-          <a:p>
-            <a:pPr lvl="1"/>
-            <a:r>
-              <a:rPr lang="en-US" dirty="0"/>
-              <a:t>Firebase</a:t>
-            </a:r>
-          </a:p>
-        </p:txBody>
-      </p:sp>
-    </p:spTree>
-    <p:extLst>
-      <p:ext uri="{BB962C8B-B14F-4D97-AF65-F5344CB8AC3E}">
-        <p14:creationId xmlns:p14="http://schemas.microsoft.com/office/powerpoint/2010/main" val="2844814082"/>
-      </p:ext>
-    </p:extLst>
-  </p:cSld>
-  <p:clrMapOvr>
-    <a:masterClrMapping/>
-  </p:clrMapOvr>
-</p:sld>
-</file>
-
-<file path=ppt/slides/slide16.xml><?xml version="1.0" encoding="utf-8"?>
-<p:sld xmlns:a="http://schemas.openxmlformats.org/drawingml/2006/main" xmlns:r="http://schemas.openxmlformats.org/officeDocument/2006/relationships" xmlns:p="http://schemas.openxmlformats.org/presentationml/2006/main">
-  <p:cSld>
-    <p:spTree>
-      <p:nvGrpSpPr>
-        <p:cNvPr id="1" name=""/>
-        <p:cNvGrpSpPr/>
-        <p:nvPr/>
-      </p:nvGrpSpPr>
-      <p:grpSpPr>
-        <a:xfrm>
-          <a:off x="0" y="0"/>
-          <a:ext cx="0" cy="0"/>
-          <a:chOff x="0" y="0"/>
-          <a:chExt cx="0" cy="0"/>
-        </a:xfrm>
-      </p:grpSpPr>
-      <p:sp>
-        <p:nvSpPr>
-          <p:cNvPr id="2" name="Title 1">
-            <a:extLst>
-              <a:ext uri="{FF2B5EF4-FFF2-40B4-BE49-F238E27FC236}">
-                <a16:creationId xmlns:a16="http://schemas.microsoft.com/office/drawing/2014/main" id="{F8E541FC-A1DA-49C7-AF13-E01A65338309}"/>
-              </a:ext>
-            </a:extLst>
-          </p:cNvPr>
-          <p:cNvSpPr>
-            <a:spLocks noGrp="1"/>
-          </p:cNvSpPr>
-          <p:nvPr>
-            <p:ph type="title"/>
-          </p:nvPr>
-        </p:nvSpPr>
-        <p:spPr/>
-        <p:txBody>
-          <a:bodyPr/>
-          <a:lstStyle/>
-          <a:p>
-            <a:r>
-              <a:rPr lang="en-US" dirty="0"/>
-              <a:t>Software components</a:t>
+              <a:t>Agenda</a:t>
             </a:r>
           </a:p>
         </p:txBody>
@@ -20435,7 +21066,7 @@
           <p:cNvPr id="3" name="Content Placeholder 2">
             <a:extLst>
               <a:ext uri="{FF2B5EF4-FFF2-40B4-BE49-F238E27FC236}">
-                <a16:creationId xmlns:a16="http://schemas.microsoft.com/office/drawing/2014/main" id="{99AE275E-80C3-4F02-9D2C-1423B03DBF97}"/>
+                <a16:creationId xmlns:a16="http://schemas.microsoft.com/office/drawing/2014/main" id="{461F2EDF-342C-4F58-9A63-5BA8D65ED54B}"/>
               </a:ext>
             </a:extLst>
           </p:cNvPr>
@@ -20448,45 +21079,67 @@
         </p:nvSpPr>
         <p:spPr/>
         <p:txBody>
-          <a:bodyPr/>
+          <a:bodyPr>
+            <a:normAutofit fontScale="85000" lnSpcReduction="20000"/>
+          </a:bodyPr>
           <a:lstStyle/>
           <a:p>
             <a:r>
               <a:rPr lang="en-US" dirty="0"/>
-              <a:t>Android Studio</a:t>
-            </a:r>
-          </a:p>
-          <a:p>
-            <a:pPr lvl="1"/>
+              <a:t>Introduction</a:t>
+            </a:r>
+          </a:p>
+          <a:p>
             <a:r>
               <a:rPr lang="en-US" dirty="0"/>
-              <a:t>SDK Tools</a:t>
+              <a:t>Description</a:t>
             </a:r>
           </a:p>
           <a:p>
             <a:r>
               <a:rPr lang="en-US" dirty="0"/>
-              <a:t>Firebase</a:t>
+              <a:t>Requirements</a:t>
             </a:r>
           </a:p>
           <a:p>
             <a:r>
               <a:rPr lang="en-US" dirty="0"/>
-              <a:t>WorkManager</a:t>
+              <a:t>Constraints</a:t>
             </a:r>
           </a:p>
           <a:p>
             <a:r>
               <a:rPr lang="en-US" dirty="0"/>
-              <a:t>Arduino 1.8.7</a:t>
-            </a:r>
+              <a:t>Standards</a:t>
+            </a:r>
+          </a:p>
+          <a:p>
+            <a:r>
+              <a:rPr lang="en-US" dirty="0"/>
+              <a:t>Timeline</a:t>
+            </a:r>
+          </a:p>
+          <a:p>
+            <a:r>
+              <a:rPr lang="en-US" dirty="0"/>
+              <a:t>Milestones</a:t>
+            </a:r>
+          </a:p>
+          <a:p>
+            <a:r>
+              <a:rPr lang="en-US" dirty="0"/>
+              <a:t>Schedule Risks</a:t>
+            </a:r>
+          </a:p>
+          <a:p>
+            <a:endParaRPr lang="en-US" dirty="0"/>
           </a:p>
         </p:txBody>
       </p:sp>
     </p:spTree>
     <p:extLst>
       <p:ext uri="{BB962C8B-B14F-4D97-AF65-F5344CB8AC3E}">
-        <p14:creationId xmlns:p14="http://schemas.microsoft.com/office/powerpoint/2010/main" val="587945301"/>
+        <p14:creationId xmlns:p14="http://schemas.microsoft.com/office/powerpoint/2010/main" val="2126557348"/>
       </p:ext>
     </p:extLst>
   </p:cSld>
@@ -20496,7 +21149,7 @@
 </p:sld>
 </file>
 
-<file path=ppt/slides/slide17.xml><?xml version="1.0" encoding="utf-8"?>
+<file path=ppt/slides/slide20.xml><?xml version="1.0" encoding="utf-8"?>
 <p:sld xmlns:a="http://schemas.openxmlformats.org/drawingml/2006/main" xmlns:r="http://schemas.openxmlformats.org/officeDocument/2006/relationships" xmlns:p="http://schemas.openxmlformats.org/presentationml/2006/main">
   <p:cSld>
     <p:spTree>
@@ -20637,7 +21290,7 @@
 </p:sld>
 </file>
 
-<file path=ppt/slides/slide18.xml><?xml version="1.0" encoding="utf-8"?>
+<file path=ppt/slides/slide21.xml><?xml version="1.0" encoding="utf-8"?>
 <p:sld xmlns:a="http://schemas.openxmlformats.org/drawingml/2006/main" xmlns:r="http://schemas.openxmlformats.org/officeDocument/2006/relationships" xmlns:p="http://schemas.openxmlformats.org/presentationml/2006/main">
   <p:cSld>
     <p:bg>
@@ -20845,7 +21498,527 @@
 </p:sld>
 </file>
 
-<file path=ppt/slides/slide19.xml><?xml version="1.0" encoding="utf-8"?>
+<file path=ppt/slides/slide22.xml><?xml version="1.0" encoding="utf-8"?>
+<p:sld xmlns:a="http://schemas.openxmlformats.org/drawingml/2006/main" xmlns:r="http://schemas.openxmlformats.org/officeDocument/2006/relationships" xmlns:p="http://schemas.openxmlformats.org/presentationml/2006/main">
+  <p:cSld>
+    <p:spTree>
+      <p:nvGrpSpPr>
+        <p:cNvPr id="1" name=""/>
+        <p:cNvGrpSpPr/>
+        <p:nvPr/>
+      </p:nvGrpSpPr>
+      <p:grpSpPr>
+        <a:xfrm>
+          <a:off x="0" y="0"/>
+          <a:ext cx="0" cy="0"/>
+          <a:chOff x="0" y="0"/>
+          <a:chExt cx="0" cy="0"/>
+        </a:xfrm>
+      </p:grpSpPr>
+      <p:sp>
+        <p:nvSpPr>
+          <p:cNvPr id="2" name="Title 1">
+            <a:extLst>
+              <a:ext uri="{FF2B5EF4-FFF2-40B4-BE49-F238E27FC236}">
+                <a16:creationId xmlns:a16="http://schemas.microsoft.com/office/drawing/2014/main" id="{5F2F4C3F-93C2-43C1-9724-F924D9421B14}"/>
+              </a:ext>
+            </a:extLst>
+          </p:cNvPr>
+          <p:cNvSpPr>
+            <a:spLocks noGrp="1"/>
+          </p:cNvSpPr>
+          <p:nvPr>
+            <p:ph type="title"/>
+          </p:nvPr>
+        </p:nvSpPr>
+        <p:spPr/>
+        <p:txBody>
+          <a:bodyPr/>
+          <a:lstStyle/>
+          <a:p>
+            <a:r>
+              <a:rPr lang="en-US" dirty="0"/>
+              <a:t>Safety Risks</a:t>
+            </a:r>
+          </a:p>
+        </p:txBody>
+      </p:sp>
+      <p:sp>
+        <p:nvSpPr>
+          <p:cNvPr id="3" name="Content Placeholder 2">
+            <a:extLst>
+              <a:ext uri="{FF2B5EF4-FFF2-40B4-BE49-F238E27FC236}">
+                <a16:creationId xmlns:a16="http://schemas.microsoft.com/office/drawing/2014/main" id="{C4B0EABB-9146-47B4-93E7-3DBC7A0F0D38}"/>
+              </a:ext>
+            </a:extLst>
+          </p:cNvPr>
+          <p:cNvSpPr>
+            <a:spLocks noGrp="1"/>
+          </p:cNvSpPr>
+          <p:nvPr>
+            <p:ph idx="1"/>
+          </p:nvPr>
+        </p:nvSpPr>
+        <p:spPr/>
+        <p:txBody>
+          <a:bodyPr/>
+          <a:lstStyle/>
+          <a:p>
+            <a:r>
+              <a:rPr lang="en-US" dirty="0"/>
+              <a:t>Every component is commercial and thus has been tested and approved by the IEC 61508 electronics safety standard</a:t>
+            </a:r>
+          </a:p>
+          <a:p>
+            <a:r>
+              <a:rPr lang="en-US" dirty="0"/>
+              <a:t>The final product will be tested by UL60335 safety standard for household appliances.</a:t>
+            </a:r>
+          </a:p>
+          <a:p>
+            <a:r>
+              <a:rPr lang="en-US" dirty="0"/>
+              <a:t>Other possible electrical safety risks, such as shocking hazards, have been identified and mitigated.</a:t>
+            </a:r>
+          </a:p>
+          <a:p>
+            <a:endParaRPr lang="en-US" dirty="0"/>
+          </a:p>
+        </p:txBody>
+      </p:sp>
+    </p:spTree>
+    <p:extLst>
+      <p:ext uri="{BB962C8B-B14F-4D97-AF65-F5344CB8AC3E}">
+        <p14:creationId xmlns:p14="http://schemas.microsoft.com/office/powerpoint/2010/main" val="2869519558"/>
+      </p:ext>
+    </p:extLst>
+  </p:cSld>
+  <p:clrMapOvr>
+    <a:masterClrMapping/>
+  </p:clrMapOvr>
+</p:sld>
+</file>
+
+<file path=ppt/slides/slide23.xml><?xml version="1.0" encoding="utf-8"?>
+<p:sld xmlns:a="http://schemas.openxmlformats.org/drawingml/2006/main" xmlns:r="http://schemas.openxmlformats.org/officeDocument/2006/relationships" xmlns:p="http://schemas.openxmlformats.org/presentationml/2006/main">
+  <p:cSld>
+    <p:spTree>
+      <p:nvGrpSpPr>
+        <p:cNvPr id="1" name=""/>
+        <p:cNvGrpSpPr/>
+        <p:nvPr/>
+      </p:nvGrpSpPr>
+      <p:grpSpPr>
+        <a:xfrm>
+          <a:off x="0" y="0"/>
+          <a:ext cx="0" cy="0"/>
+          <a:chOff x="0" y="0"/>
+          <a:chExt cx="0" cy="0"/>
+        </a:xfrm>
+      </p:grpSpPr>
+      <p:sp>
+        <p:nvSpPr>
+          <p:cNvPr id="2" name="Title 1">
+            <a:extLst>
+              <a:ext uri="{FF2B5EF4-FFF2-40B4-BE49-F238E27FC236}">
+                <a16:creationId xmlns:a16="http://schemas.microsoft.com/office/drawing/2014/main" id="{A502DBBB-C739-47E9-9BD7-736905F70067}"/>
+              </a:ext>
+            </a:extLst>
+          </p:cNvPr>
+          <p:cNvSpPr>
+            <a:spLocks noGrp="1"/>
+          </p:cNvSpPr>
+          <p:nvPr>
+            <p:ph type="title"/>
+          </p:nvPr>
+        </p:nvSpPr>
+        <p:spPr/>
+        <p:txBody>
+          <a:bodyPr/>
+          <a:lstStyle/>
+          <a:p>
+            <a:r>
+              <a:rPr lang="en-US" dirty="0"/>
+              <a:t>Security Risks</a:t>
+            </a:r>
+          </a:p>
+        </p:txBody>
+      </p:sp>
+      <p:sp>
+        <p:nvSpPr>
+          <p:cNvPr id="3" name="Content Placeholder 2">
+            <a:extLst>
+              <a:ext uri="{FF2B5EF4-FFF2-40B4-BE49-F238E27FC236}">
+                <a16:creationId xmlns:a16="http://schemas.microsoft.com/office/drawing/2014/main" id="{A0D3E5FC-964F-4B97-9238-76CFC5C2BEA3}"/>
+              </a:ext>
+            </a:extLst>
+          </p:cNvPr>
+          <p:cNvSpPr>
+            <a:spLocks noGrp="1"/>
+          </p:cNvSpPr>
+          <p:nvPr>
+            <p:ph idx="1"/>
+          </p:nvPr>
+        </p:nvSpPr>
+        <p:spPr/>
+        <p:txBody>
+          <a:bodyPr/>
+          <a:lstStyle/>
+          <a:p>
+            <a:r>
+              <a:rPr lang="en-US" dirty="0"/>
+              <a:t>Possible security risks include the leakage of Wi-Fi credentials and email information. This has been identified and will be mitigated to the best of our ability and tested by  RFC 1042 standard for transmission of IP datagrams.</a:t>
+            </a:r>
+          </a:p>
+        </p:txBody>
+      </p:sp>
+    </p:spTree>
+    <p:extLst>
+      <p:ext uri="{BB962C8B-B14F-4D97-AF65-F5344CB8AC3E}">
+        <p14:creationId xmlns:p14="http://schemas.microsoft.com/office/powerpoint/2010/main" val="1687096456"/>
+      </p:ext>
+    </p:extLst>
+  </p:cSld>
+  <p:clrMapOvr>
+    <a:masterClrMapping/>
+  </p:clrMapOvr>
+</p:sld>
+</file>
+
+<file path=ppt/slides/slide24.xml><?xml version="1.0" encoding="utf-8"?>
+<p:sld xmlns:a="http://schemas.openxmlformats.org/drawingml/2006/main" xmlns:r="http://schemas.openxmlformats.org/officeDocument/2006/relationships" xmlns:p="http://schemas.openxmlformats.org/presentationml/2006/main">
+  <p:cSld>
+    <p:spTree>
+      <p:nvGrpSpPr>
+        <p:cNvPr id="1" name=""/>
+        <p:cNvGrpSpPr/>
+        <p:nvPr/>
+      </p:nvGrpSpPr>
+      <p:grpSpPr>
+        <a:xfrm>
+          <a:off x="0" y="0"/>
+          <a:ext cx="0" cy="0"/>
+          <a:chOff x="0" y="0"/>
+          <a:chExt cx="0" cy="0"/>
+        </a:xfrm>
+      </p:grpSpPr>
+      <p:sp>
+        <p:nvSpPr>
+          <p:cNvPr id="2" name="Title 1">
+            <a:extLst>
+              <a:ext uri="{FF2B5EF4-FFF2-40B4-BE49-F238E27FC236}">
+                <a16:creationId xmlns:a16="http://schemas.microsoft.com/office/drawing/2014/main" id="{2E34C17D-D8FB-4110-86A4-AFE9640AC55C}"/>
+              </a:ext>
+            </a:extLst>
+          </p:cNvPr>
+          <p:cNvSpPr>
+            <a:spLocks noGrp="1"/>
+          </p:cNvSpPr>
+          <p:nvPr>
+            <p:ph type="title"/>
+          </p:nvPr>
+        </p:nvSpPr>
+        <p:spPr/>
+        <p:txBody>
+          <a:bodyPr/>
+          <a:lstStyle/>
+          <a:p>
+            <a:r>
+              <a:rPr lang="en-US" dirty="0"/>
+              <a:t>Software Tradeoffs</a:t>
+            </a:r>
+          </a:p>
+        </p:txBody>
+      </p:sp>
+      <p:sp>
+        <p:nvSpPr>
+          <p:cNvPr id="4" name="Content Placeholder 3">
+            <a:extLst>
+              <a:ext uri="{FF2B5EF4-FFF2-40B4-BE49-F238E27FC236}">
+                <a16:creationId xmlns:a16="http://schemas.microsoft.com/office/drawing/2014/main" id="{8A3C8C03-558D-4DD3-8801-92D0092B1FA1}"/>
+              </a:ext>
+            </a:extLst>
+          </p:cNvPr>
+          <p:cNvSpPr>
+            <a:spLocks noGrp="1"/>
+          </p:cNvSpPr>
+          <p:nvPr>
+            <p:ph sz="half" idx="1"/>
+          </p:nvPr>
+        </p:nvSpPr>
+        <p:spPr/>
+        <p:txBody>
+          <a:bodyPr>
+            <a:normAutofit lnSpcReduction="10000"/>
+          </a:bodyPr>
+          <a:lstStyle/>
+          <a:p>
+            <a:r>
+              <a:rPr lang="en-US" dirty="0"/>
+              <a:t>Delivery Platform</a:t>
+            </a:r>
+          </a:p>
+          <a:p>
+            <a:pPr lvl="1"/>
+            <a:r>
+              <a:rPr lang="en-US" dirty="0"/>
+              <a:t>Local to Smart Device</a:t>
+            </a:r>
+          </a:p>
+          <a:p>
+            <a:pPr lvl="1"/>
+            <a:r>
+              <a:rPr lang="en-US" dirty="0"/>
+              <a:t>Remote Server</a:t>
+            </a:r>
+          </a:p>
+          <a:p>
+            <a:r>
+              <a:rPr lang="en-US" dirty="0"/>
+              <a:t>Database Language</a:t>
+            </a:r>
+          </a:p>
+          <a:p>
+            <a:pPr lvl="1"/>
+            <a:r>
+              <a:rPr lang="en-US" dirty="0"/>
+              <a:t>Postgres</a:t>
+            </a:r>
+          </a:p>
+          <a:p>
+            <a:pPr lvl="1"/>
+            <a:r>
+              <a:rPr lang="en-US" dirty="0"/>
+              <a:t>SQL</a:t>
+            </a:r>
+          </a:p>
+          <a:p>
+            <a:pPr lvl="1"/>
+            <a:r>
+              <a:rPr lang="en-US" dirty="0"/>
+              <a:t>Room</a:t>
+            </a:r>
+          </a:p>
+          <a:p>
+            <a:pPr lvl="1"/>
+            <a:r>
+              <a:rPr lang="en-US" dirty="0"/>
+              <a:t>Firebase</a:t>
+            </a:r>
+          </a:p>
+        </p:txBody>
+      </p:sp>
+      <p:sp>
+        <p:nvSpPr>
+          <p:cNvPr id="5" name="Content Placeholder 4">
+            <a:extLst>
+              <a:ext uri="{FF2B5EF4-FFF2-40B4-BE49-F238E27FC236}">
+                <a16:creationId xmlns:a16="http://schemas.microsoft.com/office/drawing/2014/main" id="{67265BE7-A945-4D21-81EC-EA1170DB5385}"/>
+              </a:ext>
+            </a:extLst>
+          </p:cNvPr>
+          <p:cNvSpPr>
+            <a:spLocks noGrp="1"/>
+          </p:cNvSpPr>
+          <p:nvPr>
+            <p:ph sz="half" idx="2"/>
+          </p:nvPr>
+        </p:nvSpPr>
+        <p:spPr/>
+        <p:txBody>
+          <a:bodyPr>
+            <a:normAutofit lnSpcReduction="10000"/>
+          </a:bodyPr>
+          <a:lstStyle/>
+          <a:p>
+            <a:r>
+              <a:rPr lang="en-US" dirty="0"/>
+              <a:t>Background Services API</a:t>
+            </a:r>
+          </a:p>
+          <a:p>
+            <a:pPr lvl="1"/>
+            <a:r>
+              <a:rPr lang="en-US" dirty="0"/>
+              <a:t>Celery[</a:t>
+            </a:r>
+            <a:r>
+              <a:rPr lang="en-US" dirty="0" err="1"/>
+              <a:t>Redis</a:t>
+            </a:r>
+            <a:r>
+              <a:rPr lang="en-US" dirty="0"/>
+              <a:t>]</a:t>
+            </a:r>
+          </a:p>
+          <a:p>
+            <a:pPr lvl="1"/>
+            <a:r>
+              <a:rPr lang="en-US" dirty="0"/>
+              <a:t>Lettuce[Dory]</a:t>
+            </a:r>
+          </a:p>
+          <a:p>
+            <a:pPr lvl="1"/>
+            <a:r>
+              <a:rPr lang="en-US" dirty="0"/>
+              <a:t>Firebase</a:t>
+            </a:r>
+          </a:p>
+          <a:p>
+            <a:r>
+              <a:rPr lang="en-US" dirty="0"/>
+              <a:t>OS API</a:t>
+            </a:r>
+          </a:p>
+          <a:p>
+            <a:pPr lvl="1"/>
+            <a:r>
+              <a:rPr lang="en-US" dirty="0"/>
+              <a:t>Kotlin</a:t>
+            </a:r>
+          </a:p>
+          <a:p>
+            <a:pPr lvl="1"/>
+            <a:r>
+              <a:rPr lang="en-US" dirty="0"/>
+              <a:t>Java</a:t>
+            </a:r>
+          </a:p>
+          <a:p>
+            <a:pPr lvl="1"/>
+            <a:r>
+              <a:rPr lang="en-US" dirty="0"/>
+              <a:t>Firebase</a:t>
+            </a:r>
+          </a:p>
+        </p:txBody>
+      </p:sp>
+    </p:spTree>
+    <p:extLst>
+      <p:ext uri="{BB962C8B-B14F-4D97-AF65-F5344CB8AC3E}">
+        <p14:creationId xmlns:p14="http://schemas.microsoft.com/office/powerpoint/2010/main" val="4120002634"/>
+      </p:ext>
+    </p:extLst>
+  </p:cSld>
+  <p:clrMapOvr>
+    <a:masterClrMapping/>
+  </p:clrMapOvr>
+</p:sld>
+</file>
+
+<file path=ppt/slides/slide25.xml><?xml version="1.0" encoding="utf-8"?>
+<p:sld xmlns:a="http://schemas.openxmlformats.org/drawingml/2006/main" xmlns:r="http://schemas.openxmlformats.org/officeDocument/2006/relationships" xmlns:p="http://schemas.openxmlformats.org/presentationml/2006/main">
+  <p:cSld>
+    <p:spTree>
+      <p:nvGrpSpPr>
+        <p:cNvPr id="1" name=""/>
+        <p:cNvGrpSpPr/>
+        <p:nvPr/>
+      </p:nvGrpSpPr>
+      <p:grpSpPr>
+        <a:xfrm>
+          <a:off x="0" y="0"/>
+          <a:ext cx="0" cy="0"/>
+          <a:chOff x="0" y="0"/>
+          <a:chExt cx="0" cy="0"/>
+        </a:xfrm>
+      </p:grpSpPr>
+      <p:sp>
+        <p:nvSpPr>
+          <p:cNvPr id="2" name="Title 1">
+            <a:extLst>
+              <a:ext uri="{FF2B5EF4-FFF2-40B4-BE49-F238E27FC236}">
+                <a16:creationId xmlns:a16="http://schemas.microsoft.com/office/drawing/2014/main" id="{F8E541FC-A1DA-49C7-AF13-E01A65338309}"/>
+              </a:ext>
+            </a:extLst>
+          </p:cNvPr>
+          <p:cNvSpPr>
+            <a:spLocks noGrp="1"/>
+          </p:cNvSpPr>
+          <p:nvPr>
+            <p:ph type="title"/>
+          </p:nvPr>
+        </p:nvSpPr>
+        <p:spPr/>
+        <p:txBody>
+          <a:bodyPr/>
+          <a:lstStyle/>
+          <a:p>
+            <a:r>
+              <a:rPr lang="en-US" dirty="0"/>
+              <a:t>Software components</a:t>
+            </a:r>
+          </a:p>
+        </p:txBody>
+      </p:sp>
+      <p:sp>
+        <p:nvSpPr>
+          <p:cNvPr id="3" name="Content Placeholder 2">
+            <a:extLst>
+              <a:ext uri="{FF2B5EF4-FFF2-40B4-BE49-F238E27FC236}">
+                <a16:creationId xmlns:a16="http://schemas.microsoft.com/office/drawing/2014/main" id="{99AE275E-80C3-4F02-9D2C-1423B03DBF97}"/>
+              </a:ext>
+            </a:extLst>
+          </p:cNvPr>
+          <p:cNvSpPr>
+            <a:spLocks noGrp="1"/>
+          </p:cNvSpPr>
+          <p:nvPr>
+            <p:ph idx="1"/>
+          </p:nvPr>
+        </p:nvSpPr>
+        <p:spPr/>
+        <p:txBody>
+          <a:bodyPr/>
+          <a:lstStyle/>
+          <a:p>
+            <a:r>
+              <a:rPr lang="en-US" dirty="0"/>
+              <a:t>Android Studio</a:t>
+            </a:r>
+          </a:p>
+          <a:p>
+            <a:pPr lvl="1"/>
+            <a:r>
+              <a:rPr lang="en-US" dirty="0"/>
+              <a:t>SDK Tools</a:t>
+            </a:r>
+          </a:p>
+          <a:p>
+            <a:r>
+              <a:rPr lang="en-US" dirty="0"/>
+              <a:t>Firebase</a:t>
+            </a:r>
+          </a:p>
+          <a:p>
+            <a:r>
+              <a:rPr lang="en-US" dirty="0"/>
+              <a:t>WorkManager</a:t>
+            </a:r>
+          </a:p>
+          <a:p>
+            <a:r>
+              <a:rPr lang="en-US" dirty="0"/>
+              <a:t>Arduino 1.8.7</a:t>
+            </a:r>
+          </a:p>
+        </p:txBody>
+      </p:sp>
+    </p:spTree>
+    <p:extLst>
+      <p:ext uri="{BB962C8B-B14F-4D97-AF65-F5344CB8AC3E}">
+        <p14:creationId xmlns:p14="http://schemas.microsoft.com/office/powerpoint/2010/main" val="2122503133"/>
+      </p:ext>
+    </p:extLst>
+  </p:cSld>
+  <p:clrMapOvr>
+    <a:masterClrMapping/>
+  </p:clrMapOvr>
+</p:sld>
+</file>
+
+<file path=ppt/slides/slide26.xml><?xml version="1.0" encoding="utf-8"?>
 <p:sld xmlns:a="http://schemas.openxmlformats.org/drawingml/2006/main" xmlns:r="http://schemas.openxmlformats.org/officeDocument/2006/relationships" xmlns:p="http://schemas.openxmlformats.org/presentationml/2006/main">
   <p:cSld>
     <p:bg>
@@ -23727,140 +24900,7 @@
 </p:sld>
 </file>
 
-<file path=ppt/slides/slide2.xml><?xml version="1.0" encoding="utf-8"?>
-<p:sld xmlns:a="http://schemas.openxmlformats.org/drawingml/2006/main" xmlns:r="http://schemas.openxmlformats.org/officeDocument/2006/relationships" xmlns:p="http://schemas.openxmlformats.org/presentationml/2006/main">
-  <p:cSld>
-    <p:spTree>
-      <p:nvGrpSpPr>
-        <p:cNvPr id="1" name=""/>
-        <p:cNvGrpSpPr/>
-        <p:nvPr/>
-      </p:nvGrpSpPr>
-      <p:grpSpPr>
-        <a:xfrm>
-          <a:off x="0" y="0"/>
-          <a:ext cx="0" cy="0"/>
-          <a:chOff x="0" y="0"/>
-          <a:chExt cx="0" cy="0"/>
-        </a:xfrm>
-      </p:grpSpPr>
-      <p:sp>
-        <p:nvSpPr>
-          <p:cNvPr id="2" name="Title 1">
-            <a:extLst>
-              <a:ext uri="{FF2B5EF4-FFF2-40B4-BE49-F238E27FC236}">
-                <a16:creationId xmlns:a16="http://schemas.microsoft.com/office/drawing/2014/main" id="{AA5FB958-E8E9-449D-A829-5D90DDCA1ACA}"/>
-              </a:ext>
-            </a:extLst>
-          </p:cNvPr>
-          <p:cNvSpPr>
-            <a:spLocks noGrp="1"/>
-          </p:cNvSpPr>
-          <p:nvPr>
-            <p:ph type="title"/>
-          </p:nvPr>
-        </p:nvSpPr>
-        <p:spPr/>
-        <p:txBody>
-          <a:bodyPr/>
-          <a:lstStyle/>
-          <a:p>
-            <a:r>
-              <a:rPr lang="en-US" dirty="0"/>
-              <a:t>Agenda</a:t>
-            </a:r>
-          </a:p>
-        </p:txBody>
-      </p:sp>
-      <p:sp>
-        <p:nvSpPr>
-          <p:cNvPr id="3" name="Content Placeholder 2">
-            <a:extLst>
-              <a:ext uri="{FF2B5EF4-FFF2-40B4-BE49-F238E27FC236}">
-                <a16:creationId xmlns:a16="http://schemas.microsoft.com/office/drawing/2014/main" id="{461F2EDF-342C-4F58-9A63-5BA8D65ED54B}"/>
-              </a:ext>
-            </a:extLst>
-          </p:cNvPr>
-          <p:cNvSpPr>
-            <a:spLocks noGrp="1"/>
-          </p:cNvSpPr>
-          <p:nvPr>
-            <p:ph idx="1"/>
-          </p:nvPr>
-        </p:nvSpPr>
-        <p:spPr/>
-        <p:txBody>
-          <a:bodyPr>
-            <a:normAutofit fontScale="85000" lnSpcReduction="20000"/>
-          </a:bodyPr>
-          <a:lstStyle/>
-          <a:p>
-            <a:r>
-              <a:rPr lang="en-US" dirty="0"/>
-              <a:t>Introduction</a:t>
-            </a:r>
-          </a:p>
-          <a:p>
-            <a:r>
-              <a:rPr lang="en-US" dirty="0"/>
-              <a:t>Description</a:t>
-            </a:r>
-          </a:p>
-          <a:p>
-            <a:r>
-              <a:rPr lang="en-US" dirty="0"/>
-              <a:t>Requirements</a:t>
-            </a:r>
-          </a:p>
-          <a:p>
-            <a:r>
-              <a:rPr lang="en-US" dirty="0"/>
-              <a:t>Constraints</a:t>
-            </a:r>
-          </a:p>
-          <a:p>
-            <a:r>
-              <a:rPr lang="en-US" dirty="0"/>
-              <a:t>Standards</a:t>
-            </a:r>
-          </a:p>
-          <a:p>
-            <a:r>
-              <a:rPr lang="en-US" dirty="0"/>
-              <a:t>Hardware Components</a:t>
-            </a:r>
-          </a:p>
-          <a:p>
-            <a:r>
-              <a:rPr lang="en-US" dirty="0"/>
-              <a:t>Software Components</a:t>
-            </a:r>
-          </a:p>
-          <a:p>
-            <a:r>
-              <a:rPr lang="en-US" dirty="0"/>
-              <a:t>Shopping List</a:t>
-            </a:r>
-          </a:p>
-          <a:p>
-            <a:endParaRPr lang="en-US" dirty="0"/>
-          </a:p>
-        </p:txBody>
-      </p:sp>
-    </p:spTree>
-    <p:extLst>
-      <p:ext uri="{BB962C8B-B14F-4D97-AF65-F5344CB8AC3E}">
-        <p14:creationId xmlns:p14="http://schemas.microsoft.com/office/powerpoint/2010/main" val="2126557348"/>
-      </p:ext>
-    </p:extLst>
-  </p:cSld>
-  <p:clrMapOvr>
-    <a:masterClrMapping/>
-  </p:clrMapOvr>
-</p:sld>
-</file>
-
-<file path=ppt/slides/slide20.xml><?xml version="1.0" encoding="utf-8"?>
+<file path=ppt/slides/slide27.xml><?xml version="1.0" encoding="utf-8"?>
 <p:sld xmlns:a="http://schemas.openxmlformats.org/drawingml/2006/main" xmlns:r="http://schemas.openxmlformats.org/officeDocument/2006/relationships" xmlns:p="http://schemas.openxmlformats.org/presentationml/2006/main">
   <p:cSld>
     <p:bg>
@@ -26733,7 +27773,7 @@
 </p:sld>
 </file>
 
-<file path=ppt/slides/slide21.xml><?xml version="1.0" encoding="utf-8"?>
+<file path=ppt/slides/slide28.xml><?xml version="1.0" encoding="utf-8"?>
 <p:sld xmlns:a="http://schemas.openxmlformats.org/drawingml/2006/main" xmlns:r="http://schemas.openxmlformats.org/officeDocument/2006/relationships" xmlns:p="http://schemas.openxmlformats.org/presentationml/2006/main">
   <p:cSld>
     <p:spTree>
@@ -26983,755 +28023,7 @@
 </p:sld>
 </file>
 
-<file path=ppt/slides/slide22.xml><?xml version="1.0" encoding="utf-8"?>
-<p:sld xmlns:a="http://schemas.openxmlformats.org/drawingml/2006/main" xmlns:r="http://schemas.openxmlformats.org/officeDocument/2006/relationships" xmlns:p="http://schemas.openxmlformats.org/presentationml/2006/main">
-  <p:cSld>
-    <p:spTree>
-      <p:nvGrpSpPr>
-        <p:cNvPr id="1" name=""/>
-        <p:cNvGrpSpPr/>
-        <p:nvPr/>
-      </p:nvGrpSpPr>
-      <p:grpSpPr>
-        <a:xfrm>
-          <a:off x="0" y="0"/>
-          <a:ext cx="0" cy="0"/>
-          <a:chOff x="0" y="0"/>
-          <a:chExt cx="0" cy="0"/>
-        </a:xfrm>
-      </p:grpSpPr>
-      <p:sp>
-        <p:nvSpPr>
-          <p:cNvPr id="2" name="Title 1">
-            <a:extLst>
-              <a:ext uri="{FF2B5EF4-FFF2-40B4-BE49-F238E27FC236}">
-                <a16:creationId xmlns:a16="http://schemas.microsoft.com/office/drawing/2014/main" id="{9785B1D0-C9EE-4269-80E7-E1466F1D1D53}"/>
-              </a:ext>
-            </a:extLst>
-          </p:cNvPr>
-          <p:cNvSpPr>
-            <a:spLocks noGrp="1"/>
-          </p:cNvSpPr>
-          <p:nvPr>
-            <p:ph type="title"/>
-          </p:nvPr>
-        </p:nvSpPr>
-        <p:spPr>
-          <a:xfrm>
-            <a:off x="1141413" y="618518"/>
-            <a:ext cx="9905998" cy="1478570"/>
-          </a:xfrm>
-        </p:spPr>
-        <p:txBody>
-          <a:bodyPr/>
-          <a:lstStyle/>
-          <a:p>
-            <a:r>
-              <a:rPr lang="en-US"/>
-              <a:t>Timeline</a:t>
-            </a:r>
-            <a:endParaRPr lang="en-US" dirty="0"/>
-          </a:p>
-        </p:txBody>
-      </p:sp>
-      <p:pic>
-        <p:nvPicPr>
-          <p:cNvPr id="11" name="Content Placeholder 10" descr="A screenshot of a social media post&#10;&#10;Description generated with very high confidence">
-            <a:extLst>
-              <a:ext uri="{FF2B5EF4-FFF2-40B4-BE49-F238E27FC236}">
-                <a16:creationId xmlns:a16="http://schemas.microsoft.com/office/drawing/2014/main" id="{3D249A1F-78E7-4F2D-9CA8-ACFAA65A42C3}"/>
-              </a:ext>
-            </a:extLst>
-          </p:cNvPr>
-          <p:cNvPicPr>
-            <a:picLocks noGrp="1" noChangeAspect="1"/>
-          </p:cNvPicPr>
-          <p:nvPr>
-            <p:ph idx="1"/>
-          </p:nvPr>
-        </p:nvPicPr>
-        <p:blipFill>
-          <a:blip r:embed="rId2"/>
-          <a:stretch>
-            <a:fillRect/>
-          </a:stretch>
-        </p:blipFill>
-        <p:spPr>
-          <a:xfrm>
-            <a:off x="148182" y="1670158"/>
-            <a:ext cx="11941037" cy="2398961"/>
-          </a:xfrm>
-        </p:spPr>
-      </p:pic>
-      <p:pic>
-        <p:nvPicPr>
-          <p:cNvPr id="13" name="Picture 12" descr="A screenshot of a cell phone&#10;&#10;Description generated with high confidence">
-            <a:extLst>
-              <a:ext uri="{FF2B5EF4-FFF2-40B4-BE49-F238E27FC236}">
-                <a16:creationId xmlns:a16="http://schemas.microsoft.com/office/drawing/2014/main" id="{BD4FFA0A-59CE-4655-82ED-F8FB9A6895F1}"/>
-              </a:ext>
-            </a:extLst>
-          </p:cNvPr>
-          <p:cNvPicPr>
-            <a:picLocks noChangeAspect="1"/>
-          </p:cNvPicPr>
-          <p:nvPr/>
-        </p:nvPicPr>
-        <p:blipFill>
-          <a:blip r:embed="rId3"/>
-          <a:stretch>
-            <a:fillRect/>
-          </a:stretch>
-        </p:blipFill>
-        <p:spPr>
-          <a:xfrm>
-            <a:off x="148183" y="4178908"/>
-            <a:ext cx="11941036" cy="2398961"/>
-          </a:xfrm>
-          <a:prstGeom prst="rect">
-            <a:avLst/>
-          </a:prstGeom>
-        </p:spPr>
-      </p:pic>
-    </p:spTree>
-    <p:extLst>
-      <p:ext uri="{BB962C8B-B14F-4D97-AF65-F5344CB8AC3E}">
-        <p14:creationId xmlns:p14="http://schemas.microsoft.com/office/powerpoint/2010/main" val="619789069"/>
-      </p:ext>
-    </p:extLst>
-  </p:cSld>
-  <p:clrMapOvr>
-    <a:masterClrMapping/>
-  </p:clrMapOvr>
-</p:sld>
-</file>
-
-<file path=ppt/slides/slide23.xml><?xml version="1.0" encoding="utf-8"?>
-<p:sld xmlns:a="http://schemas.openxmlformats.org/drawingml/2006/main" xmlns:r="http://schemas.openxmlformats.org/officeDocument/2006/relationships" xmlns:p="http://schemas.openxmlformats.org/presentationml/2006/main">
-  <p:cSld>
-    <p:spTree>
-      <p:nvGrpSpPr>
-        <p:cNvPr id="1" name=""/>
-        <p:cNvGrpSpPr/>
-        <p:nvPr/>
-      </p:nvGrpSpPr>
-      <p:grpSpPr>
-        <a:xfrm>
-          <a:off x="0" y="0"/>
-          <a:ext cx="0" cy="0"/>
-          <a:chOff x="0" y="0"/>
-          <a:chExt cx="0" cy="0"/>
-        </a:xfrm>
-      </p:grpSpPr>
-      <p:sp>
-        <p:nvSpPr>
-          <p:cNvPr id="2" name="Title 1">
-            <a:extLst>
-              <a:ext uri="{FF2B5EF4-FFF2-40B4-BE49-F238E27FC236}">
-                <a16:creationId xmlns:a16="http://schemas.microsoft.com/office/drawing/2014/main" id="{1D2AEB7B-9AAE-4221-BACB-79C643D5BE2B}"/>
-              </a:ext>
-            </a:extLst>
-          </p:cNvPr>
-          <p:cNvSpPr>
-            <a:spLocks noGrp="1"/>
-          </p:cNvSpPr>
-          <p:nvPr>
-            <p:ph type="title"/>
-          </p:nvPr>
-        </p:nvSpPr>
-        <p:spPr/>
-        <p:txBody>
-          <a:bodyPr/>
-          <a:lstStyle/>
-          <a:p>
-            <a:r>
-              <a:rPr lang="en-US" dirty="0"/>
-              <a:t>Milestones </a:t>
-            </a:r>
-          </a:p>
-        </p:txBody>
-      </p:sp>
-      <p:sp>
-        <p:nvSpPr>
-          <p:cNvPr id="3" name="Content Placeholder 2">
-            <a:extLst>
-              <a:ext uri="{FF2B5EF4-FFF2-40B4-BE49-F238E27FC236}">
-                <a16:creationId xmlns:a16="http://schemas.microsoft.com/office/drawing/2014/main" id="{7A1D9A6C-3AEA-4A28-A831-DF198919EC30}"/>
-              </a:ext>
-            </a:extLst>
-          </p:cNvPr>
-          <p:cNvSpPr>
-            <a:spLocks noGrp="1"/>
-          </p:cNvSpPr>
-          <p:nvPr>
-            <p:ph sz="half" idx="1"/>
-          </p:nvPr>
-        </p:nvSpPr>
-        <p:spPr/>
-        <p:txBody>
-          <a:bodyPr>
-            <a:normAutofit fontScale="55000" lnSpcReduction="20000"/>
-          </a:bodyPr>
-          <a:lstStyle/>
-          <a:p>
-            <a:pPr marL="0" indent="0">
-              <a:buNone/>
-            </a:pPr>
-            <a:r>
-              <a:rPr lang="en-US" dirty="0"/>
-              <a:t> - Week 1 – Week 4: </a:t>
-            </a:r>
-          </a:p>
-          <a:p>
-            <a:pPr marL="0" indent="0">
-              <a:buNone/>
-            </a:pPr>
-            <a:r>
-              <a:rPr lang="en-US" dirty="0"/>
-              <a:t>    - Review the document and check the parts.</a:t>
-            </a:r>
-          </a:p>
-          <a:p>
-            <a:pPr marL="0" indent="0">
-              <a:buNone/>
-            </a:pPr>
-            <a:r>
-              <a:rPr lang="en-US" dirty="0"/>
-              <a:t>    - Development of database.</a:t>
-            </a:r>
-          </a:p>
-          <a:p>
-            <a:pPr marL="0" indent="0">
-              <a:buNone/>
-            </a:pPr>
-            <a:r>
-              <a:rPr lang="en-US" dirty="0"/>
-              <a:t>    - GUI development.</a:t>
-            </a:r>
-          </a:p>
-          <a:p>
-            <a:pPr marL="0" indent="0">
-              <a:buNone/>
-            </a:pPr>
-            <a:r>
-              <a:rPr lang="en-US" dirty="0"/>
-              <a:t>    - Hardware Interface development.</a:t>
-            </a:r>
-          </a:p>
-          <a:p>
-            <a:pPr marL="0" indent="0">
-              <a:buNone/>
-            </a:pPr>
-            <a:r>
-              <a:rPr lang="en-US" dirty="0"/>
-              <a:t>    - Firebase, GUI unit, and Hardware Interface testing. </a:t>
-            </a:r>
-          </a:p>
-          <a:p>
-            <a:endParaRPr lang="en-US" dirty="0"/>
-          </a:p>
-        </p:txBody>
-      </p:sp>
-      <p:sp>
-        <p:nvSpPr>
-          <p:cNvPr id="4" name="Content Placeholder 3">
-            <a:extLst>
-              <a:ext uri="{FF2B5EF4-FFF2-40B4-BE49-F238E27FC236}">
-                <a16:creationId xmlns:a16="http://schemas.microsoft.com/office/drawing/2014/main" id="{35E48418-F1CC-47B3-A086-249F1116D3D8}"/>
-              </a:ext>
-            </a:extLst>
-          </p:cNvPr>
-          <p:cNvSpPr>
-            <a:spLocks noGrp="1"/>
-          </p:cNvSpPr>
-          <p:nvPr>
-            <p:ph sz="half" idx="2"/>
-          </p:nvPr>
-        </p:nvSpPr>
-        <p:spPr/>
-        <p:txBody>
-          <a:bodyPr>
-            <a:normAutofit fontScale="55000" lnSpcReduction="20000"/>
-          </a:bodyPr>
-          <a:lstStyle/>
-          <a:p>
-            <a:pPr marL="0" indent="0">
-              <a:buNone/>
-            </a:pPr>
-            <a:r>
-              <a:rPr lang="en-US" dirty="0"/>
-              <a:t>- Week 5 – Week 8</a:t>
-            </a:r>
-            <a:endParaRPr lang="en-US" sz="2200" dirty="0"/>
-          </a:p>
-          <a:p>
-            <a:pPr marL="0" indent="0">
-              <a:buNone/>
-            </a:pPr>
-            <a:r>
-              <a:rPr lang="en-US" dirty="0"/>
-              <a:t>        - Hardware prototyping.</a:t>
-            </a:r>
-          </a:p>
-          <a:p>
-            <a:pPr marL="0" indent="0">
-              <a:buNone/>
-            </a:pPr>
-            <a:r>
-              <a:rPr lang="en-US" dirty="0"/>
-              <a:t>        - Background services development.</a:t>
-            </a:r>
-          </a:p>
-          <a:p>
-            <a:pPr marL="0" indent="0">
-              <a:buNone/>
-            </a:pPr>
-            <a:r>
-              <a:rPr lang="en-US" dirty="0"/>
-              <a:t>        - Hardware interface integration (cont.)</a:t>
-            </a:r>
-          </a:p>
-          <a:p>
-            <a:pPr marL="0" indent="0">
-              <a:buNone/>
-            </a:pPr>
-            <a:r>
-              <a:rPr lang="en-US" dirty="0"/>
-              <a:t>        - Firebase Integration.</a:t>
-            </a:r>
-          </a:p>
-          <a:p>
-            <a:pPr marL="0" indent="0">
-              <a:buNone/>
-            </a:pPr>
-            <a:r>
-              <a:rPr lang="en-US" dirty="0"/>
-              <a:t>        - Location Service Integration.</a:t>
-            </a:r>
-          </a:p>
-          <a:p>
-            <a:pPr marL="0" indent="0">
-              <a:buNone/>
-            </a:pPr>
-            <a:r>
-              <a:rPr lang="en-US" dirty="0"/>
-              <a:t>        - Background Service Unit testing.</a:t>
-            </a:r>
-          </a:p>
-          <a:p>
-            <a:pPr marL="0" indent="0">
-              <a:buNone/>
-            </a:pPr>
-            <a:r>
-              <a:rPr lang="en-US" dirty="0"/>
-              <a:t>        - Hardware Integration testing.</a:t>
-            </a:r>
-          </a:p>
-          <a:p>
-            <a:pPr marL="0" indent="0">
-              <a:buNone/>
-            </a:pPr>
-            <a:r>
-              <a:rPr lang="en-US" dirty="0"/>
-              <a:t>        - Connectivity testing.</a:t>
-            </a:r>
-          </a:p>
-          <a:p>
-            <a:pPr marL="0" indent="0">
-              <a:buNone/>
-            </a:pPr>
-            <a:r>
-              <a:rPr lang="en-US" dirty="0"/>
-              <a:t>        - Location service testing. </a:t>
-            </a:r>
-          </a:p>
-          <a:p>
-            <a:pPr marL="0" indent="0">
-              <a:buNone/>
-            </a:pPr>
-            <a:r>
-              <a:rPr lang="en-US" dirty="0"/>
-              <a:t>    </a:t>
-            </a:r>
-          </a:p>
-        </p:txBody>
-      </p:sp>
-    </p:spTree>
-    <p:extLst>
-      <p:ext uri="{BB962C8B-B14F-4D97-AF65-F5344CB8AC3E}">
-        <p14:creationId xmlns:p14="http://schemas.microsoft.com/office/powerpoint/2010/main" val="169221436"/>
-      </p:ext>
-    </p:extLst>
-  </p:cSld>
-  <p:clrMapOvr>
-    <a:masterClrMapping/>
-  </p:clrMapOvr>
-</p:sld>
-</file>
-
-<file path=ppt/slides/slide24.xml><?xml version="1.0" encoding="utf-8"?>
-<p:sld xmlns:a="http://schemas.openxmlformats.org/drawingml/2006/main" xmlns:r="http://schemas.openxmlformats.org/officeDocument/2006/relationships" xmlns:p="http://schemas.openxmlformats.org/presentationml/2006/main">
-  <p:cSld>
-    <p:spTree>
-      <p:nvGrpSpPr>
-        <p:cNvPr id="1" name=""/>
-        <p:cNvGrpSpPr/>
-        <p:nvPr/>
-      </p:nvGrpSpPr>
-      <p:grpSpPr>
-        <a:xfrm>
-          <a:off x="0" y="0"/>
-          <a:ext cx="0" cy="0"/>
-          <a:chOff x="0" y="0"/>
-          <a:chExt cx="0" cy="0"/>
-        </a:xfrm>
-      </p:grpSpPr>
-      <p:sp>
-        <p:nvSpPr>
-          <p:cNvPr id="2" name="Title 1">
-            <a:extLst>
-              <a:ext uri="{FF2B5EF4-FFF2-40B4-BE49-F238E27FC236}">
-                <a16:creationId xmlns:a16="http://schemas.microsoft.com/office/drawing/2014/main" id="{456DCC15-B37F-406E-92EC-817BEC3DF91C}"/>
-              </a:ext>
-            </a:extLst>
-          </p:cNvPr>
-          <p:cNvSpPr>
-            <a:spLocks noGrp="1"/>
-          </p:cNvSpPr>
-          <p:nvPr>
-            <p:ph type="title"/>
-          </p:nvPr>
-        </p:nvSpPr>
-        <p:spPr/>
-        <p:txBody>
-          <a:bodyPr/>
-          <a:lstStyle/>
-          <a:p>
-            <a:r>
-              <a:rPr lang="en-US" dirty="0"/>
-              <a:t>Milestones</a:t>
-            </a:r>
-          </a:p>
-        </p:txBody>
-      </p:sp>
-      <p:sp>
-        <p:nvSpPr>
-          <p:cNvPr id="3" name="Text Placeholder 2">
-            <a:extLst>
-              <a:ext uri="{FF2B5EF4-FFF2-40B4-BE49-F238E27FC236}">
-                <a16:creationId xmlns:a16="http://schemas.microsoft.com/office/drawing/2014/main" id="{1AA61460-0179-44C3-ABE1-AFF23E41DDA5}"/>
-              </a:ext>
-            </a:extLst>
-          </p:cNvPr>
-          <p:cNvSpPr>
-            <a:spLocks noGrp="1"/>
-          </p:cNvSpPr>
-          <p:nvPr>
-            <p:ph type="body" idx="1"/>
-          </p:nvPr>
-        </p:nvSpPr>
-        <p:spPr/>
-        <p:txBody>
-          <a:bodyPr/>
-          <a:lstStyle/>
-          <a:p>
-            <a:r>
-              <a:rPr lang="en-US" dirty="0"/>
-              <a:t>Week 9 – week 12</a:t>
-            </a:r>
-          </a:p>
-        </p:txBody>
-      </p:sp>
-      <p:sp>
-        <p:nvSpPr>
-          <p:cNvPr id="4" name="Content Placeholder 3">
-            <a:extLst>
-              <a:ext uri="{FF2B5EF4-FFF2-40B4-BE49-F238E27FC236}">
-                <a16:creationId xmlns:a16="http://schemas.microsoft.com/office/drawing/2014/main" id="{57AE4E64-FB25-4605-A94C-FEBC46110BEC}"/>
-              </a:ext>
-            </a:extLst>
-          </p:cNvPr>
-          <p:cNvSpPr>
-            <a:spLocks noGrp="1"/>
-          </p:cNvSpPr>
-          <p:nvPr>
-            <p:ph sz="half" idx="2"/>
-          </p:nvPr>
-        </p:nvSpPr>
-        <p:spPr/>
-        <p:txBody>
-          <a:bodyPr>
-            <a:normAutofit fontScale="77500" lnSpcReduction="20000"/>
-          </a:bodyPr>
-          <a:lstStyle/>
-          <a:p>
-            <a:pPr marL="0" indent="0">
-              <a:buNone/>
-            </a:pPr>
-            <a:r>
-              <a:rPr lang="en-US" sz="1800" dirty="0"/>
-              <a:t>-  Background service Unit testing (cont.)</a:t>
-            </a:r>
-          </a:p>
-          <a:p>
-            <a:pPr>
-              <a:buFontTx/>
-              <a:buChar char="-"/>
-            </a:pPr>
-            <a:r>
-              <a:rPr lang="en-US" sz="1800" dirty="0"/>
-              <a:t>Hardware Integration Testing (done in Week 9)</a:t>
-            </a:r>
-          </a:p>
-          <a:p>
-            <a:pPr>
-              <a:buFontTx/>
-              <a:buChar char="-"/>
-            </a:pPr>
-            <a:r>
-              <a:rPr lang="en-US" sz="1800" dirty="0"/>
-              <a:t>Connectivity Testing (Done in week 9)</a:t>
-            </a:r>
-          </a:p>
-          <a:p>
-            <a:pPr>
-              <a:buFontTx/>
-              <a:buChar char="-"/>
-            </a:pPr>
-            <a:r>
-              <a:rPr lang="en-US" sz="1800" dirty="0"/>
-              <a:t>Location Service Testing. </a:t>
-            </a:r>
-          </a:p>
-          <a:p>
-            <a:pPr>
-              <a:buFontTx/>
-              <a:buChar char="-"/>
-            </a:pPr>
-            <a:r>
-              <a:rPr lang="en-US" sz="1800" dirty="0"/>
-              <a:t>Alpha testing.</a:t>
-            </a:r>
-          </a:p>
-          <a:p>
-            <a:pPr>
-              <a:buFontTx/>
-              <a:buChar char="-"/>
-            </a:pPr>
-            <a:endParaRPr lang="en-US" sz="1800" dirty="0"/>
-          </a:p>
-          <a:p>
-            <a:pPr>
-              <a:buFontTx/>
-              <a:buChar char="-"/>
-            </a:pPr>
-            <a:endParaRPr lang="en-US" sz="1800" dirty="0"/>
-          </a:p>
-          <a:p>
-            <a:pPr marL="0" indent="0">
-              <a:buNone/>
-            </a:pPr>
-            <a:r>
-              <a:rPr lang="en-US" sz="1800" dirty="0"/>
-              <a:t>    </a:t>
-            </a:r>
-          </a:p>
-        </p:txBody>
-      </p:sp>
-      <p:sp>
-        <p:nvSpPr>
-          <p:cNvPr id="5" name="Text Placeholder 4">
-            <a:extLst>
-              <a:ext uri="{FF2B5EF4-FFF2-40B4-BE49-F238E27FC236}">
-                <a16:creationId xmlns:a16="http://schemas.microsoft.com/office/drawing/2014/main" id="{6A0A1006-0C2A-4088-926D-3A6277795B6D}"/>
-              </a:ext>
-            </a:extLst>
-          </p:cNvPr>
-          <p:cNvSpPr>
-            <a:spLocks noGrp="1"/>
-          </p:cNvSpPr>
-          <p:nvPr>
-            <p:ph type="body" sz="quarter" idx="3"/>
-          </p:nvPr>
-        </p:nvSpPr>
-        <p:spPr/>
-        <p:txBody>
-          <a:bodyPr/>
-          <a:lstStyle/>
-          <a:p>
-            <a:r>
-              <a:rPr lang="en-US" dirty="0"/>
-              <a:t>Week 13 – Week 16</a:t>
-            </a:r>
-          </a:p>
-        </p:txBody>
-      </p:sp>
-      <p:sp>
-        <p:nvSpPr>
-          <p:cNvPr id="6" name="Content Placeholder 5">
-            <a:extLst>
-              <a:ext uri="{FF2B5EF4-FFF2-40B4-BE49-F238E27FC236}">
-                <a16:creationId xmlns:a16="http://schemas.microsoft.com/office/drawing/2014/main" id="{5ACD4AA4-EE1D-4E2B-BCBA-27F470C94301}"/>
-              </a:ext>
-            </a:extLst>
-          </p:cNvPr>
-          <p:cNvSpPr>
-            <a:spLocks noGrp="1"/>
-          </p:cNvSpPr>
-          <p:nvPr>
-            <p:ph sz="quarter" idx="4"/>
-          </p:nvPr>
-        </p:nvSpPr>
-        <p:spPr/>
-        <p:txBody>
-          <a:bodyPr>
-            <a:normAutofit fontScale="77500" lnSpcReduction="20000"/>
-          </a:bodyPr>
-          <a:lstStyle/>
-          <a:p>
-            <a:pPr marL="0" indent="0">
-              <a:buNone/>
-            </a:pPr>
-            <a:r>
-              <a:rPr lang="en-US" dirty="0"/>
-              <a:t>- Beta testing.</a:t>
-            </a:r>
-          </a:p>
-          <a:p>
-            <a:pPr marL="0" indent="0">
-              <a:buNone/>
-            </a:pPr>
-            <a:r>
-              <a:rPr lang="en-US" dirty="0"/>
-              <a:t>- Finalize for release.</a:t>
-            </a:r>
-          </a:p>
-        </p:txBody>
-      </p:sp>
-    </p:spTree>
-    <p:extLst>
-      <p:ext uri="{BB962C8B-B14F-4D97-AF65-F5344CB8AC3E}">
-        <p14:creationId xmlns:p14="http://schemas.microsoft.com/office/powerpoint/2010/main" val="3240224304"/>
-      </p:ext>
-    </p:extLst>
-  </p:cSld>
-  <p:clrMapOvr>
-    <a:masterClrMapping/>
-  </p:clrMapOvr>
-</p:sld>
-</file>
-
-<file path=ppt/slides/slide25.xml><?xml version="1.0" encoding="utf-8"?>
-<p:sld xmlns:a="http://schemas.openxmlformats.org/drawingml/2006/main" xmlns:r="http://schemas.openxmlformats.org/officeDocument/2006/relationships" xmlns:p="http://schemas.openxmlformats.org/presentationml/2006/main">
-  <p:cSld>
-    <p:spTree>
-      <p:nvGrpSpPr>
-        <p:cNvPr id="1" name=""/>
-        <p:cNvGrpSpPr/>
-        <p:nvPr/>
-      </p:nvGrpSpPr>
-      <p:grpSpPr>
-        <a:xfrm>
-          <a:off x="0" y="0"/>
-          <a:ext cx="0" cy="0"/>
-          <a:chOff x="0" y="0"/>
-          <a:chExt cx="0" cy="0"/>
-        </a:xfrm>
-      </p:grpSpPr>
-      <p:sp>
-        <p:nvSpPr>
-          <p:cNvPr id="2" name="Title 1">
-            <a:extLst>
-              <a:ext uri="{FF2B5EF4-FFF2-40B4-BE49-F238E27FC236}">
-                <a16:creationId xmlns:a16="http://schemas.microsoft.com/office/drawing/2014/main" id="{D17F8EA8-CCE9-446B-B1F5-58E0E3EA25BA}"/>
-              </a:ext>
-            </a:extLst>
-          </p:cNvPr>
-          <p:cNvSpPr>
-            <a:spLocks noGrp="1"/>
-          </p:cNvSpPr>
-          <p:nvPr>
-            <p:ph type="title"/>
-          </p:nvPr>
-        </p:nvSpPr>
-        <p:spPr/>
-        <p:txBody>
-          <a:bodyPr/>
-          <a:lstStyle/>
-          <a:p>
-            <a:r>
-              <a:rPr lang="en-US" dirty="0"/>
-              <a:t>Schedule Risks</a:t>
-            </a:r>
-          </a:p>
-        </p:txBody>
-      </p:sp>
-      <p:sp>
-        <p:nvSpPr>
-          <p:cNvPr id="3" name="Content Placeholder 2">
-            <a:extLst>
-              <a:ext uri="{FF2B5EF4-FFF2-40B4-BE49-F238E27FC236}">
-                <a16:creationId xmlns:a16="http://schemas.microsoft.com/office/drawing/2014/main" id="{A97F6D80-3EB0-4180-86D2-8404FF54B491}"/>
-              </a:ext>
-            </a:extLst>
-          </p:cNvPr>
-          <p:cNvSpPr>
-            <a:spLocks noGrp="1"/>
-          </p:cNvSpPr>
-          <p:nvPr>
-            <p:ph idx="1"/>
-          </p:nvPr>
-        </p:nvSpPr>
-        <p:spPr/>
-        <p:txBody>
-          <a:bodyPr/>
-          <a:lstStyle/>
-          <a:p>
-            <a:r>
-              <a:rPr lang="en-US" dirty="0"/>
-              <a:t>Development </a:t>
-            </a:r>
-          </a:p>
-          <a:p>
-            <a:r>
-              <a:rPr lang="en-US" dirty="0"/>
-              <a:t>Creation of the mobile application might take longer than anticipated</a:t>
-            </a:r>
-          </a:p>
-          <a:p>
-            <a:r>
-              <a:rPr lang="en-US" dirty="0"/>
-              <a:t>Equipment shipment may be delayed to factors outside our control</a:t>
-            </a:r>
-          </a:p>
-          <a:p>
-            <a:r>
-              <a:rPr lang="en-US" dirty="0"/>
-              <a:t>Utilizing WPS may take time to fully understand</a:t>
-            </a:r>
-          </a:p>
-          <a:p>
-            <a:r>
-              <a:rPr lang="en-US" dirty="0"/>
-              <a:t>Creation of the physical Item Tracker may take a while</a:t>
-            </a:r>
-          </a:p>
-        </p:txBody>
-      </p:sp>
-    </p:spTree>
-    <p:extLst>
-      <p:ext uri="{BB962C8B-B14F-4D97-AF65-F5344CB8AC3E}">
-        <p14:creationId xmlns:p14="http://schemas.microsoft.com/office/powerpoint/2010/main" val="308029904"/>
-      </p:ext>
-    </p:extLst>
-  </p:cSld>
-  <p:clrMapOvr>
-    <a:masterClrMapping/>
-  </p:clrMapOvr>
-</p:sld>
-</file>
-
-<file path=ppt/slides/slide26.xml><?xml version="1.0" encoding="utf-8"?>
+<file path=ppt/slides/slide29.xml><?xml version="1.0" encoding="utf-8"?>
 <p:sld xmlns:a="http://schemas.openxmlformats.org/drawingml/2006/main" xmlns:r="http://schemas.openxmlformats.org/officeDocument/2006/relationships" xmlns:p="http://schemas.openxmlformats.org/presentationml/2006/main">
   <p:cSld>
     <p:spTree>
@@ -27846,7 +28138,128 @@
 </p:sld>
 </file>
 
-<file path=ppt/slides/slide27.xml><?xml version="1.0" encoding="utf-8"?>
+<file path=ppt/slides/slide3.xml><?xml version="1.0" encoding="utf-8"?>
+<p:sld xmlns:a="http://schemas.openxmlformats.org/drawingml/2006/main" xmlns:r="http://schemas.openxmlformats.org/officeDocument/2006/relationships" xmlns:p="http://schemas.openxmlformats.org/presentationml/2006/main">
+  <p:cSld>
+    <p:spTree>
+      <p:nvGrpSpPr>
+        <p:cNvPr id="1" name=""/>
+        <p:cNvGrpSpPr/>
+        <p:nvPr/>
+      </p:nvGrpSpPr>
+      <p:grpSpPr>
+        <a:xfrm>
+          <a:off x="0" y="0"/>
+          <a:ext cx="0" cy="0"/>
+          <a:chOff x="0" y="0"/>
+          <a:chExt cx="0" cy="0"/>
+        </a:xfrm>
+      </p:grpSpPr>
+      <p:sp>
+        <p:nvSpPr>
+          <p:cNvPr id="2" name="Title 1">
+            <a:extLst>
+              <a:ext uri="{FF2B5EF4-FFF2-40B4-BE49-F238E27FC236}">
+                <a16:creationId xmlns:a16="http://schemas.microsoft.com/office/drawing/2014/main" id="{68D0A76F-A1CC-449F-8055-C2E7758F3AFF}"/>
+              </a:ext>
+            </a:extLst>
+          </p:cNvPr>
+          <p:cNvSpPr>
+            <a:spLocks noGrp="1"/>
+          </p:cNvSpPr>
+          <p:nvPr>
+            <p:ph type="title"/>
+          </p:nvPr>
+        </p:nvSpPr>
+        <p:spPr/>
+        <p:txBody>
+          <a:bodyPr/>
+          <a:lstStyle/>
+          <a:p>
+            <a:r>
+              <a:rPr lang="en-US" dirty="0"/>
+              <a:t>Agenda</a:t>
+            </a:r>
+          </a:p>
+        </p:txBody>
+      </p:sp>
+      <p:sp>
+        <p:nvSpPr>
+          <p:cNvPr id="3" name="Content Placeholder 2">
+            <a:extLst>
+              <a:ext uri="{FF2B5EF4-FFF2-40B4-BE49-F238E27FC236}">
+                <a16:creationId xmlns:a16="http://schemas.microsoft.com/office/drawing/2014/main" id="{A212ED39-6293-44E2-9034-D47FC126E7B9}"/>
+              </a:ext>
+            </a:extLst>
+          </p:cNvPr>
+          <p:cNvSpPr>
+            <a:spLocks noGrp="1"/>
+          </p:cNvSpPr>
+          <p:nvPr>
+            <p:ph idx="1"/>
+          </p:nvPr>
+        </p:nvSpPr>
+        <p:spPr/>
+        <p:txBody>
+          <a:bodyPr>
+            <a:normAutofit/>
+          </a:bodyPr>
+          <a:lstStyle/>
+          <a:p>
+            <a:r>
+              <a:rPr lang="en-US" dirty="0"/>
+              <a:t>Hardware Tradeoffs</a:t>
+            </a:r>
+          </a:p>
+          <a:p>
+            <a:r>
+              <a:rPr lang="en-US" dirty="0"/>
+              <a:t>Hardware Components</a:t>
+            </a:r>
+          </a:p>
+          <a:p>
+            <a:r>
+              <a:rPr lang="en-US" dirty="0"/>
+              <a:t>Shopping List</a:t>
+            </a:r>
+          </a:p>
+          <a:p>
+            <a:r>
+              <a:rPr lang="en-US" dirty="0"/>
+              <a:t>How it Works – Hardware</a:t>
+            </a:r>
+          </a:p>
+          <a:p>
+            <a:r>
+              <a:rPr lang="en-US" dirty="0"/>
+              <a:t>Safety Risks</a:t>
+            </a:r>
+          </a:p>
+          <a:p>
+            <a:r>
+              <a:rPr lang="en-US" dirty="0"/>
+              <a:t>Security Risks</a:t>
+            </a:r>
+          </a:p>
+          <a:p>
+            <a:endParaRPr lang="en-US" dirty="0"/>
+          </a:p>
+        </p:txBody>
+      </p:sp>
+    </p:spTree>
+    <p:extLst>
+      <p:ext uri="{BB962C8B-B14F-4D97-AF65-F5344CB8AC3E}">
+        <p14:creationId xmlns:p14="http://schemas.microsoft.com/office/powerpoint/2010/main" val="2035011661"/>
+      </p:ext>
+    </p:extLst>
+  </p:cSld>
+  <p:clrMapOvr>
+    <a:masterClrMapping/>
+  </p:clrMapOvr>
+</p:sld>
+</file>
+
+<file path=ppt/slides/slide30.xml><?xml version="1.0" encoding="utf-8"?>
 <p:sld xmlns:a="http://schemas.openxmlformats.org/drawingml/2006/main" xmlns:r="http://schemas.openxmlformats.org/officeDocument/2006/relationships" xmlns:p="http://schemas.openxmlformats.org/presentationml/2006/main">
   <p:cSld>
     <p:spTree>
@@ -27963,7 +28376,7 @@
 </p:sld>
 </file>
 
-<file path=ppt/slides/slide28.xml><?xml version="1.0" encoding="utf-8"?>
+<file path=ppt/slides/slide31.xml><?xml version="1.0" encoding="utf-8"?>
 <p:sld xmlns:a="http://schemas.openxmlformats.org/drawingml/2006/main" xmlns:r="http://schemas.openxmlformats.org/officeDocument/2006/relationships" xmlns:p="http://schemas.openxmlformats.org/presentationml/2006/main">
   <p:cSld>
     <p:spTree>
@@ -28087,7 +28500,7 @@
 </p:sld>
 </file>
 
-<file path=ppt/slides/slide29.xml><?xml version="1.0" encoding="utf-8"?>
+<file path=ppt/slides/slide32.xml><?xml version="1.0" encoding="utf-8"?>
 <p:sld xmlns:a="http://schemas.openxmlformats.org/drawingml/2006/main" xmlns:r="http://schemas.openxmlformats.org/officeDocument/2006/relationships" xmlns:p="http://schemas.openxmlformats.org/presentationml/2006/main">
   <p:cSld>
     <p:spTree>
@@ -30298,140 +30711,7 @@
 </p:sld>
 </file>
 
-<file path=ppt/slides/slide3.xml><?xml version="1.0" encoding="utf-8"?>
-<p:sld xmlns:a="http://schemas.openxmlformats.org/drawingml/2006/main" xmlns:r="http://schemas.openxmlformats.org/officeDocument/2006/relationships" xmlns:p="http://schemas.openxmlformats.org/presentationml/2006/main">
-  <p:cSld>
-    <p:spTree>
-      <p:nvGrpSpPr>
-        <p:cNvPr id="1" name=""/>
-        <p:cNvGrpSpPr/>
-        <p:nvPr/>
-      </p:nvGrpSpPr>
-      <p:grpSpPr>
-        <a:xfrm>
-          <a:off x="0" y="0"/>
-          <a:ext cx="0" cy="0"/>
-          <a:chOff x="0" y="0"/>
-          <a:chExt cx="0" cy="0"/>
-        </a:xfrm>
-      </p:grpSpPr>
-      <p:sp>
-        <p:nvSpPr>
-          <p:cNvPr id="2" name="Title 1">
-            <a:extLst>
-              <a:ext uri="{FF2B5EF4-FFF2-40B4-BE49-F238E27FC236}">
-                <a16:creationId xmlns:a16="http://schemas.microsoft.com/office/drawing/2014/main" id="{68D0A76F-A1CC-449F-8055-C2E7758F3AFF}"/>
-              </a:ext>
-            </a:extLst>
-          </p:cNvPr>
-          <p:cNvSpPr>
-            <a:spLocks noGrp="1"/>
-          </p:cNvSpPr>
-          <p:nvPr>
-            <p:ph type="title"/>
-          </p:nvPr>
-        </p:nvSpPr>
-        <p:spPr/>
-        <p:txBody>
-          <a:bodyPr/>
-          <a:lstStyle/>
-          <a:p>
-            <a:r>
-              <a:rPr lang="en-US" dirty="0"/>
-              <a:t>Agenda</a:t>
-            </a:r>
-          </a:p>
-        </p:txBody>
-      </p:sp>
-      <p:sp>
-        <p:nvSpPr>
-          <p:cNvPr id="3" name="Content Placeholder 2">
-            <a:extLst>
-              <a:ext uri="{FF2B5EF4-FFF2-40B4-BE49-F238E27FC236}">
-                <a16:creationId xmlns:a16="http://schemas.microsoft.com/office/drawing/2014/main" id="{A212ED39-6293-44E2-9034-D47FC126E7B9}"/>
-              </a:ext>
-            </a:extLst>
-          </p:cNvPr>
-          <p:cNvSpPr>
-            <a:spLocks noGrp="1"/>
-          </p:cNvSpPr>
-          <p:nvPr>
-            <p:ph idx="1"/>
-          </p:nvPr>
-        </p:nvSpPr>
-        <p:spPr/>
-        <p:txBody>
-          <a:bodyPr>
-            <a:normAutofit fontScale="85000" lnSpcReduction="20000"/>
-          </a:bodyPr>
-          <a:lstStyle/>
-          <a:p>
-            <a:r>
-              <a:rPr lang="en-US" dirty="0"/>
-              <a:t>How it Works</a:t>
-            </a:r>
-          </a:p>
-          <a:p>
-            <a:r>
-              <a:rPr lang="en-US" dirty="0"/>
-              <a:t>Timeline</a:t>
-            </a:r>
-          </a:p>
-          <a:p>
-            <a:r>
-              <a:rPr lang="en-US" dirty="0"/>
-              <a:t>Milestones</a:t>
-            </a:r>
-          </a:p>
-          <a:p>
-            <a:r>
-              <a:rPr lang="en-US" dirty="0"/>
-              <a:t>Test Plan</a:t>
-            </a:r>
-          </a:p>
-          <a:p>
-            <a:r>
-              <a:rPr lang="en-US" dirty="0"/>
-              <a:t>Safety Risks</a:t>
-            </a:r>
-          </a:p>
-          <a:p>
-            <a:r>
-              <a:rPr lang="en-US" dirty="0"/>
-              <a:t>Security Risks</a:t>
-            </a:r>
-          </a:p>
-          <a:p>
-            <a:r>
-              <a:rPr lang="en-US" dirty="0"/>
-              <a:t>Summary</a:t>
-            </a:r>
-          </a:p>
-          <a:p>
-            <a:r>
-              <a:rPr lang="en-US" dirty="0"/>
-              <a:t>Questions</a:t>
-            </a:r>
-          </a:p>
-          <a:p>
-            <a:endParaRPr lang="en-US" dirty="0"/>
-          </a:p>
-        </p:txBody>
-      </p:sp>
-    </p:spTree>
-    <p:extLst>
-      <p:ext uri="{BB962C8B-B14F-4D97-AF65-F5344CB8AC3E}">
-        <p14:creationId xmlns:p14="http://schemas.microsoft.com/office/powerpoint/2010/main" val="2035011661"/>
-      </p:ext>
-    </p:extLst>
-  </p:cSld>
-  <p:clrMapOvr>
-    <a:masterClrMapping/>
-  </p:clrMapOvr>
-</p:sld>
-</file>
-
-<file path=ppt/slides/slide30.xml><?xml version="1.0" encoding="utf-8"?>
+<file path=ppt/slides/slide33.xml><?xml version="1.0" encoding="utf-8"?>
 <p:sld xmlns:a="http://schemas.openxmlformats.org/drawingml/2006/main" xmlns:r="http://schemas.openxmlformats.org/officeDocument/2006/relationships" xmlns:p="http://schemas.openxmlformats.org/presentationml/2006/main">
   <p:cSld>
     <p:spTree>
@@ -30535,194 +30815,7 @@
 </p:sld>
 </file>
 
-<file path=ppt/slides/slide31.xml><?xml version="1.0" encoding="utf-8"?>
-<p:sld xmlns:a="http://schemas.openxmlformats.org/drawingml/2006/main" xmlns:r="http://schemas.openxmlformats.org/officeDocument/2006/relationships" xmlns:p="http://schemas.openxmlformats.org/presentationml/2006/main">
-  <p:cSld>
-    <p:spTree>
-      <p:nvGrpSpPr>
-        <p:cNvPr id="1" name=""/>
-        <p:cNvGrpSpPr/>
-        <p:nvPr/>
-      </p:nvGrpSpPr>
-      <p:grpSpPr>
-        <a:xfrm>
-          <a:off x="0" y="0"/>
-          <a:ext cx="0" cy="0"/>
-          <a:chOff x="0" y="0"/>
-          <a:chExt cx="0" cy="0"/>
-        </a:xfrm>
-      </p:grpSpPr>
-      <p:sp>
-        <p:nvSpPr>
-          <p:cNvPr id="2" name="Title 1">
-            <a:extLst>
-              <a:ext uri="{FF2B5EF4-FFF2-40B4-BE49-F238E27FC236}">
-                <a16:creationId xmlns:a16="http://schemas.microsoft.com/office/drawing/2014/main" id="{5F2F4C3F-93C2-43C1-9724-F924D9421B14}"/>
-              </a:ext>
-            </a:extLst>
-          </p:cNvPr>
-          <p:cNvSpPr>
-            <a:spLocks noGrp="1"/>
-          </p:cNvSpPr>
-          <p:nvPr>
-            <p:ph type="title"/>
-          </p:nvPr>
-        </p:nvSpPr>
-        <p:spPr/>
-        <p:txBody>
-          <a:bodyPr/>
-          <a:lstStyle/>
-          <a:p>
-            <a:r>
-              <a:rPr lang="en-US" dirty="0"/>
-              <a:t>Safety Risks</a:t>
-            </a:r>
-          </a:p>
-        </p:txBody>
-      </p:sp>
-      <p:sp>
-        <p:nvSpPr>
-          <p:cNvPr id="3" name="Content Placeholder 2">
-            <a:extLst>
-              <a:ext uri="{FF2B5EF4-FFF2-40B4-BE49-F238E27FC236}">
-                <a16:creationId xmlns:a16="http://schemas.microsoft.com/office/drawing/2014/main" id="{C4B0EABB-9146-47B4-93E7-3DBC7A0F0D38}"/>
-              </a:ext>
-            </a:extLst>
-          </p:cNvPr>
-          <p:cNvSpPr>
-            <a:spLocks noGrp="1"/>
-          </p:cNvSpPr>
-          <p:nvPr>
-            <p:ph idx="1"/>
-          </p:nvPr>
-        </p:nvSpPr>
-        <p:spPr/>
-        <p:txBody>
-          <a:bodyPr/>
-          <a:lstStyle/>
-          <a:p>
-            <a:r>
-              <a:rPr lang="en-US" dirty="0"/>
-              <a:t>Every component is commercial and thus has been tested and approved by the IEC 61508 electronics safety standard</a:t>
-            </a:r>
-          </a:p>
-          <a:p>
-            <a:r>
-              <a:rPr lang="en-US" dirty="0"/>
-              <a:t>The final product will be tested by UL60335 safety standard for household appliances.</a:t>
-            </a:r>
-          </a:p>
-          <a:p>
-            <a:r>
-              <a:rPr lang="en-US" dirty="0"/>
-              <a:t>Other possible electrical safety risks, such as shocking hazards, have been identified and mitigated.</a:t>
-            </a:r>
-          </a:p>
-          <a:p>
-            <a:endParaRPr lang="en-US" dirty="0"/>
-          </a:p>
-        </p:txBody>
-      </p:sp>
-    </p:spTree>
-    <p:extLst>
-      <p:ext uri="{BB962C8B-B14F-4D97-AF65-F5344CB8AC3E}">
-        <p14:creationId xmlns:p14="http://schemas.microsoft.com/office/powerpoint/2010/main" val="2160792276"/>
-      </p:ext>
-    </p:extLst>
-  </p:cSld>
-  <p:clrMapOvr>
-    <a:masterClrMapping/>
-  </p:clrMapOvr>
-</p:sld>
-</file>
-
-<file path=ppt/slides/slide32.xml><?xml version="1.0" encoding="utf-8"?>
-<p:sld xmlns:a="http://schemas.openxmlformats.org/drawingml/2006/main" xmlns:r="http://schemas.openxmlformats.org/officeDocument/2006/relationships" xmlns:p="http://schemas.openxmlformats.org/presentationml/2006/main">
-  <p:cSld>
-    <p:spTree>
-      <p:nvGrpSpPr>
-        <p:cNvPr id="1" name=""/>
-        <p:cNvGrpSpPr/>
-        <p:nvPr/>
-      </p:nvGrpSpPr>
-      <p:grpSpPr>
-        <a:xfrm>
-          <a:off x="0" y="0"/>
-          <a:ext cx="0" cy="0"/>
-          <a:chOff x="0" y="0"/>
-          <a:chExt cx="0" cy="0"/>
-        </a:xfrm>
-      </p:grpSpPr>
-      <p:sp>
-        <p:nvSpPr>
-          <p:cNvPr id="2" name="Title 1">
-            <a:extLst>
-              <a:ext uri="{FF2B5EF4-FFF2-40B4-BE49-F238E27FC236}">
-                <a16:creationId xmlns:a16="http://schemas.microsoft.com/office/drawing/2014/main" id="{A502DBBB-C739-47E9-9BD7-736905F70067}"/>
-              </a:ext>
-            </a:extLst>
-          </p:cNvPr>
-          <p:cNvSpPr>
-            <a:spLocks noGrp="1"/>
-          </p:cNvSpPr>
-          <p:nvPr>
-            <p:ph type="title"/>
-          </p:nvPr>
-        </p:nvSpPr>
-        <p:spPr/>
-        <p:txBody>
-          <a:bodyPr/>
-          <a:lstStyle/>
-          <a:p>
-            <a:r>
-              <a:rPr lang="en-US" dirty="0"/>
-              <a:t>Security Risks</a:t>
-            </a:r>
-          </a:p>
-        </p:txBody>
-      </p:sp>
-      <p:sp>
-        <p:nvSpPr>
-          <p:cNvPr id="3" name="Content Placeholder 2">
-            <a:extLst>
-              <a:ext uri="{FF2B5EF4-FFF2-40B4-BE49-F238E27FC236}">
-                <a16:creationId xmlns:a16="http://schemas.microsoft.com/office/drawing/2014/main" id="{A0D3E5FC-964F-4B97-9238-76CFC5C2BEA3}"/>
-              </a:ext>
-            </a:extLst>
-          </p:cNvPr>
-          <p:cNvSpPr>
-            <a:spLocks noGrp="1"/>
-          </p:cNvSpPr>
-          <p:nvPr>
-            <p:ph idx="1"/>
-          </p:nvPr>
-        </p:nvSpPr>
-        <p:spPr/>
-        <p:txBody>
-          <a:bodyPr/>
-          <a:lstStyle/>
-          <a:p>
-            <a:r>
-              <a:rPr lang="en-US" dirty="0"/>
-              <a:t>Possible security risks include the leakage of Wi-Fi credentials and email information. This has been identified and will be mitigated to the best of our ability and tested by  RFC 1042 standard for transmission of IP datagrams.</a:t>
-            </a:r>
-          </a:p>
-        </p:txBody>
-      </p:sp>
-    </p:spTree>
-    <p:extLst>
-      <p:ext uri="{BB962C8B-B14F-4D97-AF65-F5344CB8AC3E}">
-        <p14:creationId xmlns:p14="http://schemas.microsoft.com/office/powerpoint/2010/main" val="1687096456"/>
-      </p:ext>
-    </p:extLst>
-  </p:cSld>
-  <p:clrMapOvr>
-    <a:masterClrMapping/>
-  </p:clrMapOvr>
-</p:sld>
-</file>
-
-<file path=ppt/slides/slide33.xml><?xml version="1.0" encoding="utf-8"?>
+<file path=ppt/slides/slide34.xml><?xml version="1.0" encoding="utf-8"?>
 <p:sld xmlns:a="http://schemas.openxmlformats.org/drawingml/2006/main" xmlns:r="http://schemas.openxmlformats.org/officeDocument/2006/relationships" xmlns:p="http://schemas.openxmlformats.org/presentationml/2006/main">
   <p:cSld>
     <p:spTree>
@@ -30837,7 +30930,7 @@
 </p:sld>
 </file>
 
-<file path=ppt/slides/slide34.xml><?xml version="1.0" encoding="utf-8"?>
+<file path=ppt/slides/slide35.xml><?xml version="1.0" encoding="utf-8"?>
 <p:sld xmlns:a="http://schemas.openxmlformats.org/drawingml/2006/main" xmlns:r="http://schemas.openxmlformats.org/officeDocument/2006/relationships" xmlns:p="http://schemas.openxmlformats.org/presentationml/2006/main">
   <p:cSld>
     <p:spTree>
@@ -30972,6 +31065,133 @@
 </file>
 
 <file path=ppt/slides/slide4.xml><?xml version="1.0" encoding="utf-8"?>
+<p:sld xmlns:a="http://schemas.openxmlformats.org/drawingml/2006/main" xmlns:r="http://schemas.openxmlformats.org/officeDocument/2006/relationships" xmlns:p="http://schemas.openxmlformats.org/presentationml/2006/main">
+  <p:cSld>
+    <p:spTree>
+      <p:nvGrpSpPr>
+        <p:cNvPr id="1" name=""/>
+        <p:cNvGrpSpPr/>
+        <p:nvPr/>
+      </p:nvGrpSpPr>
+      <p:grpSpPr>
+        <a:xfrm>
+          <a:off x="0" y="0"/>
+          <a:ext cx="0" cy="0"/>
+          <a:chOff x="0" y="0"/>
+          <a:chExt cx="0" cy="0"/>
+        </a:xfrm>
+      </p:grpSpPr>
+      <p:sp>
+        <p:nvSpPr>
+          <p:cNvPr id="2" name="Title 1">
+            <a:extLst>
+              <a:ext uri="{FF2B5EF4-FFF2-40B4-BE49-F238E27FC236}">
+                <a16:creationId xmlns:a16="http://schemas.microsoft.com/office/drawing/2014/main" id="{6FE30DE8-D580-4E12-BCE1-FCB1408225E4}"/>
+              </a:ext>
+            </a:extLst>
+          </p:cNvPr>
+          <p:cNvSpPr>
+            <a:spLocks noGrp="1"/>
+          </p:cNvSpPr>
+          <p:nvPr>
+            <p:ph type="title"/>
+          </p:nvPr>
+        </p:nvSpPr>
+        <p:spPr/>
+        <p:txBody>
+          <a:bodyPr/>
+          <a:lstStyle/>
+          <a:p>
+            <a:r>
+              <a:rPr lang="en-US" dirty="0"/>
+              <a:t>Agenda</a:t>
+            </a:r>
+          </a:p>
+        </p:txBody>
+      </p:sp>
+      <p:sp>
+        <p:nvSpPr>
+          <p:cNvPr id="3" name="Content Placeholder 2">
+            <a:extLst>
+              <a:ext uri="{FF2B5EF4-FFF2-40B4-BE49-F238E27FC236}">
+                <a16:creationId xmlns:a16="http://schemas.microsoft.com/office/drawing/2014/main" id="{DFCDBD98-A131-48B9-933D-B491864F7D9D}"/>
+              </a:ext>
+            </a:extLst>
+          </p:cNvPr>
+          <p:cNvSpPr>
+            <a:spLocks noGrp="1"/>
+          </p:cNvSpPr>
+          <p:nvPr>
+            <p:ph idx="1"/>
+          </p:nvPr>
+        </p:nvSpPr>
+        <p:spPr/>
+        <p:txBody>
+          <a:bodyPr>
+            <a:normAutofit fontScale="92500" lnSpcReduction="10000"/>
+          </a:bodyPr>
+          <a:lstStyle/>
+          <a:p>
+            <a:r>
+              <a:rPr lang="en-US" dirty="0"/>
+              <a:t>Software Tradeoffs</a:t>
+            </a:r>
+          </a:p>
+          <a:p>
+            <a:r>
+              <a:rPr lang="en-US" dirty="0"/>
+              <a:t>Software Components</a:t>
+            </a:r>
+          </a:p>
+          <a:p>
+            <a:r>
+              <a:rPr lang="en-US" dirty="0"/>
+              <a:t>How it Works – Software</a:t>
+            </a:r>
+          </a:p>
+          <a:p>
+            <a:r>
+              <a:rPr lang="en-US" dirty="0"/>
+              <a:t>GUI Mock-up</a:t>
+            </a:r>
+          </a:p>
+          <a:p>
+            <a:r>
+              <a:rPr lang="en-US" dirty="0"/>
+              <a:t>Test Plan</a:t>
+            </a:r>
+          </a:p>
+          <a:p>
+            <a:r>
+              <a:rPr lang="en-US" dirty="0"/>
+              <a:t>Summary</a:t>
+            </a:r>
+          </a:p>
+          <a:p>
+            <a:r>
+              <a:rPr lang="en-US" dirty="0"/>
+              <a:t>Questions</a:t>
+            </a:r>
+          </a:p>
+          <a:p>
+            <a:endParaRPr lang="en-US" dirty="0"/>
+          </a:p>
+        </p:txBody>
+      </p:sp>
+    </p:spTree>
+    <p:extLst>
+      <p:ext uri="{BB962C8B-B14F-4D97-AF65-F5344CB8AC3E}">
+        <p14:creationId xmlns:p14="http://schemas.microsoft.com/office/powerpoint/2010/main" val="2876148749"/>
+      </p:ext>
+    </p:extLst>
+  </p:cSld>
+  <p:clrMapOvr>
+    <a:masterClrMapping/>
+  </p:clrMapOvr>
+</p:sld>
+</file>
+
+<file path=ppt/slides/slide5.xml><?xml version="1.0" encoding="utf-8"?>
 <p:sld xmlns:a="http://schemas.openxmlformats.org/drawingml/2006/main" xmlns:r="http://schemas.openxmlformats.org/officeDocument/2006/relationships" xmlns:p="http://schemas.openxmlformats.org/presentationml/2006/main">
   <p:cSld>
     <p:spTree>
@@ -31198,7 +31418,7 @@
 </p:sld>
 </file>
 
-<file path=ppt/slides/slide5.xml><?xml version="1.0" encoding="utf-8"?>
+<file path=ppt/slides/slide6.xml><?xml version="1.0" encoding="utf-8"?>
 <p:sld xmlns:a="http://schemas.openxmlformats.org/drawingml/2006/main" xmlns:r="http://schemas.openxmlformats.org/officeDocument/2006/relationships" xmlns:p="http://schemas.openxmlformats.org/presentationml/2006/main">
   <p:cSld>
     <p:spTree>
@@ -31296,7 +31516,7 @@
 </p:sld>
 </file>
 
-<file path=ppt/slides/slide6.xml><?xml version="1.0" encoding="utf-8"?>
+<file path=ppt/slides/slide7.xml><?xml version="1.0" encoding="utf-8"?>
 <p:sld xmlns:a="http://schemas.openxmlformats.org/drawingml/2006/main" xmlns:r="http://schemas.openxmlformats.org/officeDocument/2006/relationships" xmlns:p="http://schemas.openxmlformats.org/presentationml/2006/main">
   <p:cSld>
     <p:spTree>
@@ -31443,7 +31663,7 @@
 </p:sld>
 </file>
 
-<file path=ppt/slides/slide7.xml><?xml version="1.0" encoding="utf-8"?>
+<file path=ppt/slides/slide8.xml><?xml version="1.0" encoding="utf-8"?>
 <p:sld xmlns:a="http://schemas.openxmlformats.org/drawingml/2006/main" xmlns:r="http://schemas.openxmlformats.org/officeDocument/2006/relationships" xmlns:p="http://schemas.openxmlformats.org/presentationml/2006/main">
   <p:cSld>
     <p:spTree>
@@ -31567,7 +31787,7 @@
 </p:sld>
 </file>
 
-<file path=ppt/slides/slide8.xml><?xml version="1.0" encoding="utf-8"?>
+<file path=ppt/slides/slide9.xml><?xml version="1.0" encoding="utf-8"?>
 <p:sld xmlns:a="http://schemas.openxmlformats.org/drawingml/2006/main" xmlns:r="http://schemas.openxmlformats.org/officeDocument/2006/relationships" xmlns:p="http://schemas.openxmlformats.org/presentationml/2006/main">
   <p:cSld>
     <p:spTree>
@@ -31680,110 +31900,6 @@
     <p:extLst>
       <p:ext uri="{BB962C8B-B14F-4D97-AF65-F5344CB8AC3E}">
         <p14:creationId xmlns:p14="http://schemas.microsoft.com/office/powerpoint/2010/main" val="2679479810"/>
-      </p:ext>
-    </p:extLst>
-  </p:cSld>
-  <p:clrMapOvr>
-    <a:masterClrMapping/>
-  </p:clrMapOvr>
-</p:sld>
-</file>
-
-<file path=ppt/slides/slide9.xml><?xml version="1.0" encoding="utf-8"?>
-<p:sld xmlns:a="http://schemas.openxmlformats.org/drawingml/2006/main" xmlns:r="http://schemas.openxmlformats.org/officeDocument/2006/relationships" xmlns:p="http://schemas.openxmlformats.org/presentationml/2006/main">
-  <p:cSld>
-    <p:spTree>
-      <p:nvGrpSpPr>
-        <p:cNvPr id="1" name=""/>
-        <p:cNvGrpSpPr/>
-        <p:nvPr/>
-      </p:nvGrpSpPr>
-      <p:grpSpPr>
-        <a:xfrm>
-          <a:off x="0" y="0"/>
-          <a:ext cx="0" cy="0"/>
-          <a:chOff x="0" y="0"/>
-          <a:chExt cx="0" cy="0"/>
-        </a:xfrm>
-      </p:grpSpPr>
-      <p:sp>
-        <p:nvSpPr>
-          <p:cNvPr id="2" name="Title 1">
-            <a:extLst>
-              <a:ext uri="{FF2B5EF4-FFF2-40B4-BE49-F238E27FC236}">
-                <a16:creationId xmlns:a16="http://schemas.microsoft.com/office/drawing/2014/main" id="{ED1E436F-19B2-44F7-8FDC-D88BD0BB3C8D}"/>
-              </a:ext>
-            </a:extLst>
-          </p:cNvPr>
-          <p:cNvSpPr>
-            <a:spLocks noGrp="1"/>
-          </p:cNvSpPr>
-          <p:nvPr>
-            <p:ph type="title"/>
-          </p:nvPr>
-        </p:nvSpPr>
-        <p:spPr/>
-        <p:txBody>
-          <a:bodyPr/>
-          <a:lstStyle/>
-          <a:p>
-            <a:r>
-              <a:rPr lang="en-US" dirty="0"/>
-              <a:t>Description</a:t>
-            </a:r>
-          </a:p>
-        </p:txBody>
-      </p:sp>
-      <p:sp>
-        <p:nvSpPr>
-          <p:cNvPr id="3" name="Content Placeholder 2">
-            <a:extLst>
-              <a:ext uri="{FF2B5EF4-FFF2-40B4-BE49-F238E27FC236}">
-                <a16:creationId xmlns:a16="http://schemas.microsoft.com/office/drawing/2014/main" id="{3918430A-4685-4F45-A8F8-6E2ABA7DAF2A}"/>
-              </a:ext>
-            </a:extLst>
-          </p:cNvPr>
-          <p:cNvSpPr>
-            <a:spLocks noGrp="1"/>
-          </p:cNvSpPr>
-          <p:nvPr>
-            <p:ph idx="1"/>
-          </p:nvPr>
-        </p:nvSpPr>
-        <p:spPr/>
-        <p:txBody>
-          <a:bodyPr/>
-          <a:lstStyle/>
-          <a:p>
-            <a:r>
-              <a:rPr lang="en-US" dirty="0"/>
-              <a:t>The solution we as a group come up with is to create a tracker connected to an application that will be the user access way to the tracker. </a:t>
-            </a:r>
-          </a:p>
-          <a:p>
-            <a:r>
-              <a:rPr lang="en-US" dirty="0"/>
-              <a:t>The Tracker that can keep track of the location of objects. </a:t>
-            </a:r>
-          </a:p>
-          <a:p>
-            <a:r>
-              <a:rPr lang="en-US" dirty="0"/>
-              <a:t>The Tracker can be attached and removed from objects manually and without extra tools. </a:t>
-            </a:r>
-          </a:p>
-          <a:p>
-            <a:r>
-              <a:rPr lang="en-US" dirty="0"/>
-              <a:t>Tracker connects and syncs with application using Wi-Fi to interface with the user.</a:t>
-            </a:r>
-          </a:p>
-        </p:txBody>
-      </p:sp>
-    </p:spTree>
-    <p:extLst>
-      <p:ext uri="{BB962C8B-B14F-4D97-AF65-F5344CB8AC3E}">
-        <p14:creationId xmlns:p14="http://schemas.microsoft.com/office/powerpoint/2010/main" val="1915640530"/>
       </p:ext>
     </p:extLst>
   </p:cSld>
